--- a/Project Plan.pptx
+++ b/Project Plan.pptx
@@ -4,8 +4,14 @@
   <p:sldMasterIdLst>
     <p:sldMasterId id="2147483648" r:id="rId1"/>
   </p:sldMasterIdLst>
+  <p:notesMasterIdLst>
+    <p:notesMasterId r:id="rId6"/>
+  </p:notesMasterIdLst>
   <p:sldIdLst>
-    <p:sldId id="257" r:id="rId2"/>
+    <p:sldId id="258" r:id="rId2"/>
+    <p:sldId id="260" r:id="rId3"/>
+    <p:sldId id="259" r:id="rId4"/>
+    <p:sldId id="261" r:id="rId5"/>
   </p:sldIdLst>
   <p:sldSz cx="12192000" cy="6858000"/>
   <p:notesSz cx="6858000" cy="9144000"/>
@@ -104,7 +110,445 @@
       </a:defRPr>
     </a:lvl9pPr>
   </p:defaultTextStyle>
+  <p:extLst>
+    <p:ext uri="{EFAFB233-063F-42B5-8137-9DF3F51BA10A}">
+      <p15:sldGuideLst xmlns:p15="http://schemas.microsoft.com/office/powerpoint/2012/main"/>
+    </p:ext>
+  </p:extLst>
 </p:presentation>
+</file>
+
+<file path=ppt/notesMasters/notesMaster1.xml><?xml version="1.0" encoding="utf-8"?>
+<p:notesMaster xmlns:a="http://schemas.openxmlformats.org/drawingml/2006/main" xmlns:r="http://schemas.openxmlformats.org/officeDocument/2006/relationships" xmlns:p="http://schemas.openxmlformats.org/presentationml/2006/main">
+  <p:cSld>
+    <p:bg>
+      <p:bgRef idx="1001">
+        <a:schemeClr val="bg1"/>
+      </p:bgRef>
+    </p:bg>
+    <p:spTree>
+      <p:nvGrpSpPr>
+        <p:cNvPr id="1" name=""/>
+        <p:cNvGrpSpPr/>
+        <p:nvPr/>
+      </p:nvGrpSpPr>
+      <p:grpSpPr>
+        <a:xfrm>
+          <a:off x="0" y="0"/>
+          <a:ext cx="0" cy="0"/>
+          <a:chOff x="0" y="0"/>
+          <a:chExt cx="0" cy="0"/>
+        </a:xfrm>
+      </p:grpSpPr>
+      <p:sp>
+        <p:nvSpPr>
+          <p:cNvPr id="2" name="Header Placeholder 1"/>
+          <p:cNvSpPr>
+            <a:spLocks noGrp="1"/>
+          </p:cNvSpPr>
+          <p:nvPr>
+            <p:ph type="hdr" sz="quarter"/>
+          </p:nvPr>
+        </p:nvSpPr>
+        <p:spPr>
+          <a:xfrm>
+            <a:off x="0" y="0"/>
+            <a:ext cx="2971800" cy="458788"/>
+          </a:xfrm>
+          <a:prstGeom prst="rect">
+            <a:avLst/>
+          </a:prstGeom>
+        </p:spPr>
+        <p:txBody>
+          <a:bodyPr vert="horz" lIns="91440" tIns="45720" rIns="91440" bIns="45720" rtlCol="0"/>
+          <a:lstStyle>
+            <a:lvl1pPr algn="l">
+              <a:defRPr sz="1200"/>
+            </a:lvl1pPr>
+          </a:lstStyle>
+          <a:p>
+            <a:endParaRPr lang="en-US"/>
+          </a:p>
+        </p:txBody>
+      </p:sp>
+      <p:sp>
+        <p:nvSpPr>
+          <p:cNvPr id="3" name="Date Placeholder 2"/>
+          <p:cNvSpPr>
+            <a:spLocks noGrp="1"/>
+          </p:cNvSpPr>
+          <p:nvPr>
+            <p:ph type="dt" idx="1"/>
+          </p:nvPr>
+        </p:nvSpPr>
+        <p:spPr>
+          <a:xfrm>
+            <a:off x="3884613" y="0"/>
+            <a:ext cx="2971800" cy="458788"/>
+          </a:xfrm>
+          <a:prstGeom prst="rect">
+            <a:avLst/>
+          </a:prstGeom>
+        </p:spPr>
+        <p:txBody>
+          <a:bodyPr vert="horz" lIns="91440" tIns="45720" rIns="91440" bIns="45720" rtlCol="0"/>
+          <a:lstStyle>
+            <a:lvl1pPr algn="r">
+              <a:defRPr sz="1200"/>
+            </a:lvl1pPr>
+          </a:lstStyle>
+          <a:p>
+            <a:fld id="{73FB3F6B-F9B7-8848-BF71-B742992BF3D4}" type="datetimeFigureOut">
+              <a:rPr lang="en-US" smtClean="0"/>
+              <a:t>4/29/24</a:t>
+            </a:fld>
+            <a:endParaRPr lang="en-US"/>
+          </a:p>
+        </p:txBody>
+      </p:sp>
+      <p:sp>
+        <p:nvSpPr>
+          <p:cNvPr id="4" name="Slide Image Placeholder 3"/>
+          <p:cNvSpPr>
+            <a:spLocks noGrp="1" noRot="1" noChangeAspect="1"/>
+          </p:cNvSpPr>
+          <p:nvPr>
+            <p:ph type="sldImg" idx="2"/>
+          </p:nvPr>
+        </p:nvSpPr>
+        <p:spPr>
+          <a:xfrm>
+            <a:off x="685800" y="1143000"/>
+            <a:ext cx="5486400" cy="3086100"/>
+          </a:xfrm>
+          <a:prstGeom prst="rect">
+            <a:avLst/>
+          </a:prstGeom>
+          <a:noFill/>
+          <a:ln w="12700">
+            <a:solidFill>
+              <a:prstClr val="black"/>
+            </a:solidFill>
+          </a:ln>
+        </p:spPr>
+        <p:txBody>
+          <a:bodyPr vert="horz" lIns="91440" tIns="45720" rIns="91440" bIns="45720" rtlCol="0" anchor="ctr"/>
+          <a:lstStyle/>
+          <a:p>
+            <a:endParaRPr lang="en-US"/>
+          </a:p>
+        </p:txBody>
+      </p:sp>
+      <p:sp>
+        <p:nvSpPr>
+          <p:cNvPr id="5" name="Notes Placeholder 4"/>
+          <p:cNvSpPr>
+            <a:spLocks noGrp="1"/>
+          </p:cNvSpPr>
+          <p:nvPr>
+            <p:ph type="body" sz="quarter" idx="3"/>
+          </p:nvPr>
+        </p:nvSpPr>
+        <p:spPr>
+          <a:xfrm>
+            <a:off x="685800" y="4400550"/>
+            <a:ext cx="5486400" cy="3600450"/>
+          </a:xfrm>
+          <a:prstGeom prst="rect">
+            <a:avLst/>
+          </a:prstGeom>
+        </p:spPr>
+        <p:txBody>
+          <a:bodyPr vert="horz" lIns="91440" tIns="45720" rIns="91440" bIns="45720" rtlCol="0"/>
+          <a:lstStyle/>
+          <a:p>
+            <a:pPr lvl="0"/>
+            <a:r>
+              <a:rPr lang="en-US"/>
+              <a:t>Click to edit Master text styles</a:t>
+            </a:r>
+          </a:p>
+          <a:p>
+            <a:pPr lvl="1"/>
+            <a:r>
+              <a:rPr lang="en-US"/>
+              <a:t>Second level</a:t>
+            </a:r>
+          </a:p>
+          <a:p>
+            <a:pPr lvl="2"/>
+            <a:r>
+              <a:rPr lang="en-US"/>
+              <a:t>Third level</a:t>
+            </a:r>
+          </a:p>
+          <a:p>
+            <a:pPr lvl="3"/>
+            <a:r>
+              <a:rPr lang="en-US"/>
+              <a:t>Fourth level</a:t>
+            </a:r>
+          </a:p>
+          <a:p>
+            <a:pPr lvl="4"/>
+            <a:r>
+              <a:rPr lang="en-US"/>
+              <a:t>Fifth level</a:t>
+            </a:r>
+          </a:p>
+        </p:txBody>
+      </p:sp>
+      <p:sp>
+        <p:nvSpPr>
+          <p:cNvPr id="6" name="Footer Placeholder 5"/>
+          <p:cNvSpPr>
+            <a:spLocks noGrp="1"/>
+          </p:cNvSpPr>
+          <p:nvPr>
+            <p:ph type="ftr" sz="quarter" idx="4"/>
+          </p:nvPr>
+        </p:nvSpPr>
+        <p:spPr>
+          <a:xfrm>
+            <a:off x="0" y="8685213"/>
+            <a:ext cx="2971800" cy="458787"/>
+          </a:xfrm>
+          <a:prstGeom prst="rect">
+            <a:avLst/>
+          </a:prstGeom>
+        </p:spPr>
+        <p:txBody>
+          <a:bodyPr vert="horz" lIns="91440" tIns="45720" rIns="91440" bIns="45720" rtlCol="0" anchor="b"/>
+          <a:lstStyle>
+            <a:lvl1pPr algn="l">
+              <a:defRPr sz="1200"/>
+            </a:lvl1pPr>
+          </a:lstStyle>
+          <a:p>
+            <a:endParaRPr lang="en-US"/>
+          </a:p>
+        </p:txBody>
+      </p:sp>
+      <p:sp>
+        <p:nvSpPr>
+          <p:cNvPr id="7" name="Slide Number Placeholder 6"/>
+          <p:cNvSpPr>
+            <a:spLocks noGrp="1"/>
+          </p:cNvSpPr>
+          <p:nvPr>
+            <p:ph type="sldNum" sz="quarter" idx="5"/>
+          </p:nvPr>
+        </p:nvSpPr>
+        <p:spPr>
+          <a:xfrm>
+            <a:off x="3884613" y="8685213"/>
+            <a:ext cx="2971800" cy="458787"/>
+          </a:xfrm>
+          <a:prstGeom prst="rect">
+            <a:avLst/>
+          </a:prstGeom>
+        </p:spPr>
+        <p:txBody>
+          <a:bodyPr vert="horz" lIns="91440" tIns="45720" rIns="91440" bIns="45720" rtlCol="0" anchor="b"/>
+          <a:lstStyle>
+            <a:lvl1pPr algn="r">
+              <a:defRPr sz="1200"/>
+            </a:lvl1pPr>
+          </a:lstStyle>
+          <a:p>
+            <a:fld id="{96B747E4-B6D7-5749-B3A7-B9F1886B1750}" type="slidenum">
+              <a:rPr lang="en-US" smtClean="0"/>
+              <a:t>‹#›</a:t>
+            </a:fld>
+            <a:endParaRPr lang="en-US"/>
+          </a:p>
+        </p:txBody>
+      </p:sp>
+    </p:spTree>
+    <p:extLst>
+      <p:ext uri="{BB962C8B-B14F-4D97-AF65-F5344CB8AC3E}">
+        <p14:creationId xmlns:p14="http://schemas.microsoft.com/office/powerpoint/2010/main" val="2296987750"/>
+      </p:ext>
+    </p:extLst>
+  </p:cSld>
+  <p:clrMap bg1="lt1" tx1="dk1" bg2="lt2" tx2="dk2" accent1="accent1" accent2="accent2" accent3="accent3" accent4="accent4" accent5="accent5" accent6="accent6" hlink="hlink" folHlink="folHlink"/>
+  <p:notesStyle>
+    <a:lvl1pPr marL="0" algn="l" defTabSz="914400" rtl="0" eaLnBrk="1" latinLnBrk="0" hangingPunct="1">
+      <a:defRPr sz="1200" kern="1200">
+        <a:solidFill>
+          <a:schemeClr val="tx1"/>
+        </a:solidFill>
+        <a:latin typeface="+mn-lt"/>
+        <a:ea typeface="+mn-ea"/>
+        <a:cs typeface="+mn-cs"/>
+      </a:defRPr>
+    </a:lvl1pPr>
+    <a:lvl2pPr marL="457200" algn="l" defTabSz="914400" rtl="0" eaLnBrk="1" latinLnBrk="0" hangingPunct="1">
+      <a:defRPr sz="1200" kern="1200">
+        <a:solidFill>
+          <a:schemeClr val="tx1"/>
+        </a:solidFill>
+        <a:latin typeface="+mn-lt"/>
+        <a:ea typeface="+mn-ea"/>
+        <a:cs typeface="+mn-cs"/>
+      </a:defRPr>
+    </a:lvl2pPr>
+    <a:lvl3pPr marL="914400" algn="l" defTabSz="914400" rtl="0" eaLnBrk="1" latinLnBrk="0" hangingPunct="1">
+      <a:defRPr sz="1200" kern="1200">
+        <a:solidFill>
+          <a:schemeClr val="tx1"/>
+        </a:solidFill>
+        <a:latin typeface="+mn-lt"/>
+        <a:ea typeface="+mn-ea"/>
+        <a:cs typeface="+mn-cs"/>
+      </a:defRPr>
+    </a:lvl3pPr>
+    <a:lvl4pPr marL="1371600" algn="l" defTabSz="914400" rtl="0" eaLnBrk="1" latinLnBrk="0" hangingPunct="1">
+      <a:defRPr sz="1200" kern="1200">
+        <a:solidFill>
+          <a:schemeClr val="tx1"/>
+        </a:solidFill>
+        <a:latin typeface="+mn-lt"/>
+        <a:ea typeface="+mn-ea"/>
+        <a:cs typeface="+mn-cs"/>
+      </a:defRPr>
+    </a:lvl4pPr>
+    <a:lvl5pPr marL="1828800" algn="l" defTabSz="914400" rtl="0" eaLnBrk="1" latinLnBrk="0" hangingPunct="1">
+      <a:defRPr sz="1200" kern="1200">
+        <a:solidFill>
+          <a:schemeClr val="tx1"/>
+        </a:solidFill>
+        <a:latin typeface="+mn-lt"/>
+        <a:ea typeface="+mn-ea"/>
+        <a:cs typeface="+mn-cs"/>
+      </a:defRPr>
+    </a:lvl5pPr>
+    <a:lvl6pPr marL="2286000" algn="l" defTabSz="914400" rtl="0" eaLnBrk="1" latinLnBrk="0" hangingPunct="1">
+      <a:defRPr sz="1200" kern="1200">
+        <a:solidFill>
+          <a:schemeClr val="tx1"/>
+        </a:solidFill>
+        <a:latin typeface="+mn-lt"/>
+        <a:ea typeface="+mn-ea"/>
+        <a:cs typeface="+mn-cs"/>
+      </a:defRPr>
+    </a:lvl6pPr>
+    <a:lvl7pPr marL="2743200" algn="l" defTabSz="914400" rtl="0" eaLnBrk="1" latinLnBrk="0" hangingPunct="1">
+      <a:defRPr sz="1200" kern="1200">
+        <a:solidFill>
+          <a:schemeClr val="tx1"/>
+        </a:solidFill>
+        <a:latin typeface="+mn-lt"/>
+        <a:ea typeface="+mn-ea"/>
+        <a:cs typeface="+mn-cs"/>
+      </a:defRPr>
+    </a:lvl7pPr>
+    <a:lvl8pPr marL="3200400" algn="l" defTabSz="914400" rtl="0" eaLnBrk="1" latinLnBrk="0" hangingPunct="1">
+      <a:defRPr sz="1200" kern="1200">
+        <a:solidFill>
+          <a:schemeClr val="tx1"/>
+        </a:solidFill>
+        <a:latin typeface="+mn-lt"/>
+        <a:ea typeface="+mn-ea"/>
+        <a:cs typeface="+mn-cs"/>
+      </a:defRPr>
+    </a:lvl8pPr>
+    <a:lvl9pPr marL="3657600" algn="l" defTabSz="914400" rtl="0" eaLnBrk="1" latinLnBrk="0" hangingPunct="1">
+      <a:defRPr sz="1200" kern="1200">
+        <a:solidFill>
+          <a:schemeClr val="tx1"/>
+        </a:solidFill>
+        <a:latin typeface="+mn-lt"/>
+        <a:ea typeface="+mn-ea"/>
+        <a:cs typeface="+mn-cs"/>
+      </a:defRPr>
+    </a:lvl9pPr>
+  </p:notesStyle>
+</p:notesMaster>
+</file>
+
+<file path=ppt/notesSlides/notesSlide1.xml><?xml version="1.0" encoding="utf-8"?>
+<p:notes xmlns:a="http://schemas.openxmlformats.org/drawingml/2006/main" xmlns:r="http://schemas.openxmlformats.org/officeDocument/2006/relationships" xmlns:p="http://schemas.openxmlformats.org/presentationml/2006/main">
+  <p:cSld>
+    <p:spTree>
+      <p:nvGrpSpPr>
+        <p:cNvPr id="1" name=""/>
+        <p:cNvGrpSpPr/>
+        <p:nvPr/>
+      </p:nvGrpSpPr>
+      <p:grpSpPr>
+        <a:xfrm>
+          <a:off x="0" y="0"/>
+          <a:ext cx="0" cy="0"/>
+          <a:chOff x="0" y="0"/>
+          <a:chExt cx="0" cy="0"/>
+        </a:xfrm>
+      </p:grpSpPr>
+      <p:sp>
+        <p:nvSpPr>
+          <p:cNvPr id="2" name="Slide Image Placeholder 1"/>
+          <p:cNvSpPr>
+            <a:spLocks noGrp="1" noRot="1" noChangeAspect="1"/>
+          </p:cNvSpPr>
+          <p:nvPr>
+            <p:ph type="sldImg"/>
+          </p:nvPr>
+        </p:nvSpPr>
+        <p:spPr/>
+      </p:sp>
+      <p:sp>
+        <p:nvSpPr>
+          <p:cNvPr id="3" name="Notes Placeholder 2"/>
+          <p:cNvSpPr>
+            <a:spLocks noGrp="1"/>
+          </p:cNvSpPr>
+          <p:nvPr>
+            <p:ph type="body" idx="1"/>
+          </p:nvPr>
+        </p:nvSpPr>
+        <p:spPr/>
+        <p:txBody>
+          <a:bodyPr/>
+          <a:lstStyle/>
+          <a:p>
+            <a:endParaRPr lang="en-US" dirty="0"/>
+          </a:p>
+        </p:txBody>
+      </p:sp>
+      <p:sp>
+        <p:nvSpPr>
+          <p:cNvPr id="4" name="Slide Number Placeholder 3"/>
+          <p:cNvSpPr>
+            <a:spLocks noGrp="1"/>
+          </p:cNvSpPr>
+          <p:nvPr>
+            <p:ph type="sldNum" sz="quarter" idx="5"/>
+          </p:nvPr>
+        </p:nvSpPr>
+        <p:spPr/>
+        <p:txBody>
+          <a:bodyPr/>
+          <a:lstStyle/>
+          <a:p>
+            <a:fld id="{96B747E4-B6D7-5749-B3A7-B9F1886B1750}" type="slidenum">
+              <a:rPr lang="en-US" smtClean="0"/>
+              <a:t>1</a:t>
+            </a:fld>
+            <a:endParaRPr lang="en-US"/>
+          </a:p>
+        </p:txBody>
+      </p:sp>
+    </p:spTree>
+    <p:extLst>
+      <p:ext uri="{BB962C8B-B14F-4D97-AF65-F5344CB8AC3E}">
+        <p14:creationId xmlns:p14="http://schemas.microsoft.com/office/powerpoint/2010/main" val="1711126044"/>
+      </p:ext>
+    </p:extLst>
+  </p:cSld>
+  <p:clrMapOvr>
+    <a:masterClrMapping/>
+  </p:clrMapOvr>
+</p:notes>
 </file>
 
 <file path=ppt/slideLayouts/slideLayout1.xml><?xml version="1.0" encoding="utf-8"?>
@@ -254,7 +698,7 @@
           <a:p>
             <a:fld id="{C489B705-0248-9E46-860A-50B4DD7CC42B}" type="datetimeFigureOut">
               <a:rPr lang="en-US" smtClean="0"/>
-              <a:t>4/22/24</a:t>
+              <a:t>4/29/24</a:t>
             </a:fld>
             <a:endParaRPr lang="en-US"/>
           </a:p>
@@ -452,7 +896,7 @@
           <a:p>
             <a:fld id="{C489B705-0248-9E46-860A-50B4DD7CC42B}" type="datetimeFigureOut">
               <a:rPr lang="en-US" smtClean="0"/>
-              <a:t>4/22/24</a:t>
+              <a:t>4/29/24</a:t>
             </a:fld>
             <a:endParaRPr lang="en-US"/>
           </a:p>
@@ -660,7 +1104,7 @@
           <a:p>
             <a:fld id="{C489B705-0248-9E46-860A-50B4DD7CC42B}" type="datetimeFigureOut">
               <a:rPr lang="en-US" smtClean="0"/>
-              <a:t>4/22/24</a:t>
+              <a:t>4/29/24</a:t>
             </a:fld>
             <a:endParaRPr lang="en-US"/>
           </a:p>
@@ -858,7 +1302,7 @@
           <a:p>
             <a:fld id="{C489B705-0248-9E46-860A-50B4DD7CC42B}" type="datetimeFigureOut">
               <a:rPr lang="en-US" smtClean="0"/>
-              <a:t>4/22/24</a:t>
+              <a:t>4/29/24</a:t>
             </a:fld>
             <a:endParaRPr lang="en-US"/>
           </a:p>
@@ -1133,7 +1577,7 @@
           <a:p>
             <a:fld id="{C489B705-0248-9E46-860A-50B4DD7CC42B}" type="datetimeFigureOut">
               <a:rPr lang="en-US" smtClean="0"/>
-              <a:t>4/22/24</a:t>
+              <a:t>4/29/24</a:t>
             </a:fld>
             <a:endParaRPr lang="en-US"/>
           </a:p>
@@ -1398,7 +1842,7 @@
           <a:p>
             <a:fld id="{C489B705-0248-9E46-860A-50B4DD7CC42B}" type="datetimeFigureOut">
               <a:rPr lang="en-US" smtClean="0"/>
-              <a:t>4/22/24</a:t>
+              <a:t>4/29/24</a:t>
             </a:fld>
             <a:endParaRPr lang="en-US"/>
           </a:p>
@@ -1810,7 +2254,7 @@
           <a:p>
             <a:fld id="{C489B705-0248-9E46-860A-50B4DD7CC42B}" type="datetimeFigureOut">
               <a:rPr lang="en-US" smtClean="0"/>
-              <a:t>4/22/24</a:t>
+              <a:t>4/29/24</a:t>
             </a:fld>
             <a:endParaRPr lang="en-US"/>
           </a:p>
@@ -1951,7 +2395,7 @@
           <a:p>
             <a:fld id="{C489B705-0248-9E46-860A-50B4DD7CC42B}" type="datetimeFigureOut">
               <a:rPr lang="en-US" smtClean="0"/>
-              <a:t>4/22/24</a:t>
+              <a:t>4/29/24</a:t>
             </a:fld>
             <a:endParaRPr lang="en-US"/>
           </a:p>
@@ -2064,7 +2508,7 @@
           <a:p>
             <a:fld id="{C489B705-0248-9E46-860A-50B4DD7CC42B}" type="datetimeFigureOut">
               <a:rPr lang="en-US" smtClean="0"/>
-              <a:t>4/22/24</a:t>
+              <a:t>4/29/24</a:t>
             </a:fld>
             <a:endParaRPr lang="en-US"/>
           </a:p>
@@ -2375,7 +2819,7 @@
           <a:p>
             <a:fld id="{C489B705-0248-9E46-860A-50B4DD7CC42B}" type="datetimeFigureOut">
               <a:rPr lang="en-US" smtClean="0"/>
-              <a:t>4/22/24</a:t>
+              <a:t>4/29/24</a:t>
             </a:fld>
             <a:endParaRPr lang="en-US"/>
           </a:p>
@@ -2663,7 +3107,7 @@
           <a:p>
             <a:fld id="{C489B705-0248-9E46-860A-50B4DD7CC42B}" type="datetimeFigureOut">
               <a:rPr lang="en-US" smtClean="0"/>
-              <a:t>4/22/24</a:t>
+              <a:t>4/29/24</a:t>
             </a:fld>
             <a:endParaRPr lang="en-US"/>
           </a:p>
@@ -2904,7 +3348,7 @@
           <a:p>
             <a:fld id="{C489B705-0248-9E46-860A-50B4DD7CC42B}" type="datetimeFigureOut">
               <a:rPr lang="en-US" smtClean="0"/>
-              <a:t>4/22/24</a:t>
+              <a:t>4/29/24</a:t>
             </a:fld>
             <a:endParaRPr lang="en-US"/>
           </a:p>
@@ -3307,6 +3751,14 @@
 <file path=ppt/slides/slide1.xml><?xml version="1.0" encoding="utf-8"?>
 <p:sld xmlns:a="http://schemas.openxmlformats.org/drawingml/2006/main" xmlns:r="http://schemas.openxmlformats.org/officeDocument/2006/relationships" xmlns:p="http://schemas.openxmlformats.org/presentationml/2006/main">
   <p:cSld>
+    <p:bg>
+      <p:bgPr>
+        <a:solidFill>
+          <a:schemeClr val="bg1"/>
+        </a:solidFill>
+        <a:effectLst/>
+      </p:bgPr>
+    </p:bg>
     <p:spTree>
       <p:nvGrpSpPr>
         <p:cNvPr id="1" name=""/>
@@ -3321,12 +3773,287 @@
           <a:chExt cx="0" cy="0"/>
         </a:xfrm>
       </p:grpSpPr>
-      <p:sp>
-        <p:nvSpPr>
-          <p:cNvPr id="4" name="TextBox 3">
-            <a:extLst>
-              <a:ext uri="{FF2B5EF4-FFF2-40B4-BE49-F238E27FC236}">
-                <a16:creationId xmlns:a16="http://schemas.microsoft.com/office/drawing/2014/main" id="{18D5DF2A-4FBB-9757-1705-57052A8A8C04}"/>
+      <p:sp useBgFill="1">
+        <p:nvSpPr>
+          <p:cNvPr id="18" name="Rectangle 17">
+            <a:extLst>
+              <a:ext uri="{FF2B5EF4-FFF2-40B4-BE49-F238E27FC236}">
+                <a16:creationId xmlns:a16="http://schemas.microsoft.com/office/drawing/2014/main" id="{E3BF711F-F9A0-4EA4-B156-A79E9F362447}"/>
+              </a:ext>
+              <a:ext uri="{C183D7F6-B498-43B3-948B-1728B52AA6E4}">
+                <adec:decorative xmlns:adec="http://schemas.microsoft.com/office/drawing/2017/decorative" val="1"/>
+              </a:ext>
+            </a:extLst>
+          </p:cNvPr>
+          <p:cNvSpPr>
+            <a:spLocks noGrp="1" noRot="1" noChangeAspect="1" noMove="1" noResize="1" noEditPoints="1" noAdjustHandles="1" noChangeArrowheads="1" noChangeShapeType="1" noTextEdit="1"/>
+          </p:cNvSpPr>
+          <p:nvPr>
+            <p:extLst>
+              <p:ext uri="{386F3935-93C4-4BCD-93E2-E3B085C9AB24}">
+                <p16:designElem xmlns:p16="http://schemas.microsoft.com/office/powerpoint/2015/main" val="1"/>
+              </p:ext>
+            </p:extLst>
+          </p:nvPr>
+        </p:nvSpPr>
+        <p:spPr>
+          <a:xfrm>
+            <a:off x="0" y="0"/>
+            <a:ext cx="12191999" cy="6857365"/>
+          </a:xfrm>
+          <a:prstGeom prst="rect">
+            <a:avLst/>
+          </a:prstGeom>
+          <a:ln>
+            <a:noFill/>
+          </a:ln>
+        </p:spPr>
+        <p:style>
+          <a:lnRef idx="2">
+            <a:schemeClr val="accent1">
+              <a:shade val="50000"/>
+            </a:schemeClr>
+          </a:lnRef>
+          <a:fillRef idx="1">
+            <a:schemeClr val="accent1"/>
+          </a:fillRef>
+          <a:effectRef idx="0">
+            <a:schemeClr val="accent1"/>
+          </a:effectRef>
+          <a:fontRef idx="minor">
+            <a:schemeClr val="lt1"/>
+          </a:fontRef>
+        </p:style>
+        <p:txBody>
+          <a:bodyPr rtlCol="0" anchor="ctr"/>
+          <a:lstStyle/>
+          <a:p>
+            <a:pPr algn="ctr"/>
+            <a:endParaRPr lang="en-US"/>
+          </a:p>
+        </p:txBody>
+      </p:sp>
+      <p:grpSp>
+        <p:nvGrpSpPr>
+          <p:cNvPr id="20" name="Group 19">
+            <a:extLst>
+              <a:ext uri="{FF2B5EF4-FFF2-40B4-BE49-F238E27FC236}">
+                <a16:creationId xmlns:a16="http://schemas.microsoft.com/office/drawing/2014/main" id="{B83D307E-DF68-43F8-97CE-0AAE950A7129}"/>
+              </a:ext>
+              <a:ext uri="{C183D7F6-B498-43B3-948B-1728B52AA6E4}">
+                <adec:decorative xmlns:adec="http://schemas.microsoft.com/office/drawing/2017/decorative" val="1"/>
+              </a:ext>
+            </a:extLst>
+          </p:cNvPr>
+          <p:cNvGrpSpPr>
+            <a:grpSpLocks noGrp="1" noUngrp="1" noRot="1" noChangeAspect="1" noMove="1" noResize="1"/>
+          </p:cNvGrpSpPr>
+          <p:nvPr>
+            <p:extLst>
+              <p:ext uri="{386F3935-93C4-4BCD-93E2-E3B085C9AB24}">
+                <p16:designElem xmlns:p16="http://schemas.microsoft.com/office/powerpoint/2015/main" val="1"/>
+              </p:ext>
+            </p:extLst>
+          </p:nvPr>
+        </p:nvGrpSpPr>
+        <p:grpSpPr>
+          <a:xfrm>
+            <a:off x="2271255" y="-1"/>
+            <a:ext cx="7649490" cy="5728133"/>
+            <a:chOff x="329184" y="1"/>
+            <a:chExt cx="524256" cy="5728133"/>
+          </a:xfrm>
+        </p:grpSpPr>
+        <p:cxnSp>
+          <p:nvCxnSpPr>
+            <p:cNvPr id="21" name="Straight Connector 20">
+              <a:extLst>
+                <a:ext uri="{FF2B5EF4-FFF2-40B4-BE49-F238E27FC236}">
+                  <a16:creationId xmlns:a16="http://schemas.microsoft.com/office/drawing/2014/main" id="{5546E3D2-37BF-4528-9851-2B2F628234A2}"/>
+                </a:ext>
+                <a:ext uri="{C183D7F6-B498-43B3-948B-1728B52AA6E4}">
+                  <adec:decorative xmlns:adec="http://schemas.microsoft.com/office/drawing/2017/decorative" val="1"/>
+                </a:ext>
+              </a:extLst>
+            </p:cNvPr>
+            <p:cNvCxnSpPr>
+              <a:cxnSpLocks/>
+            </p:cNvCxnSpPr>
+            <p:nvPr>
+              <p:extLst>
+                <p:ext uri="{386F3935-93C4-4BCD-93E2-E3B085C9AB24}">
+                  <p16:designElem xmlns:p16="http://schemas.microsoft.com/office/powerpoint/2015/main" val="1"/>
+                </p:ext>
+              </p:extLst>
+            </p:nvPr>
+          </p:nvCxnSpPr>
+          <p:spPr>
+            <a:xfrm flipH="1">
+              <a:off x="329184" y="5728134"/>
+              <a:ext cx="523824" cy="0"/>
+            </a:xfrm>
+            <a:prstGeom prst="line">
+              <a:avLst/>
+            </a:prstGeom>
+            <a:ln w="152400">
+              <a:solidFill>
+                <a:schemeClr val="accent4"/>
+              </a:solidFill>
+            </a:ln>
+          </p:spPr>
+          <p:style>
+            <a:lnRef idx="1">
+              <a:schemeClr val="accent1"/>
+            </a:lnRef>
+            <a:fillRef idx="0">
+              <a:schemeClr val="accent1"/>
+            </a:fillRef>
+            <a:effectRef idx="0">
+              <a:schemeClr val="accent1"/>
+            </a:effectRef>
+            <a:fontRef idx="minor">
+              <a:schemeClr val="tx1"/>
+            </a:fontRef>
+          </p:style>
+        </p:cxnSp>
+        <p:sp>
+          <p:nvSpPr>
+            <p:cNvPr id="22" name="Rectangle 21">
+              <a:extLst>
+                <a:ext uri="{FF2B5EF4-FFF2-40B4-BE49-F238E27FC236}">
+                  <a16:creationId xmlns:a16="http://schemas.microsoft.com/office/drawing/2014/main" id="{752A0C69-DC4E-4FC0-843C-BAA27B3A5621}"/>
+                </a:ext>
+                <a:ext uri="{C183D7F6-B498-43B3-948B-1728B52AA6E4}">
+                  <adec:decorative xmlns:adec="http://schemas.microsoft.com/office/drawing/2017/decorative" val="1"/>
+                </a:ext>
+              </a:extLst>
+            </p:cNvPr>
+            <p:cNvSpPr/>
+            <p:nvPr>
+              <p:extLst>
+                <p:ext uri="{386F3935-93C4-4BCD-93E2-E3B085C9AB24}">
+                  <p16:designElem xmlns:p16="http://schemas.microsoft.com/office/powerpoint/2015/main" val="1"/>
+                </p:ext>
+              </p:extLst>
+            </p:nvPr>
+          </p:nvSpPr>
+          <p:spPr>
+            <a:xfrm>
+              <a:off x="329184" y="1"/>
+              <a:ext cx="524256" cy="5532119"/>
+            </a:xfrm>
+            <a:prstGeom prst="rect">
+              <a:avLst/>
+            </a:prstGeom>
+            <a:solidFill>
+              <a:schemeClr val="accent4"/>
+            </a:solidFill>
+            <a:ln>
+              <a:noFill/>
+            </a:ln>
+          </p:spPr>
+          <p:style>
+            <a:lnRef idx="2">
+              <a:schemeClr val="accent1">
+                <a:shade val="50000"/>
+              </a:schemeClr>
+            </a:lnRef>
+            <a:fillRef idx="1">
+              <a:schemeClr val="accent1"/>
+            </a:fillRef>
+            <a:effectRef idx="0">
+              <a:schemeClr val="accent1"/>
+            </a:effectRef>
+            <a:fontRef idx="minor">
+              <a:schemeClr val="lt1"/>
+            </a:fontRef>
+          </p:style>
+          <p:txBody>
+            <a:bodyPr rtlCol="0" anchor="ctr"/>
+            <a:lstStyle/>
+            <a:p>
+              <a:pPr algn="ctr"/>
+              <a:endParaRPr lang="en-US" dirty="0"/>
+            </a:p>
+          </p:txBody>
+        </p:sp>
+      </p:grpSp>
+      <p:sp>
+        <p:nvSpPr>
+          <p:cNvPr id="24" name="Rectangle 23">
+            <a:extLst>
+              <a:ext uri="{FF2B5EF4-FFF2-40B4-BE49-F238E27FC236}">
+                <a16:creationId xmlns:a16="http://schemas.microsoft.com/office/drawing/2014/main" id="{8ED94938-268E-4C0A-A08A-B3980C78BAEB}"/>
+              </a:ext>
+              <a:ext uri="{C183D7F6-B498-43B3-948B-1728B52AA6E4}">
+                <adec:decorative xmlns:adec="http://schemas.microsoft.com/office/drawing/2017/decorative" val="1"/>
+              </a:ext>
+            </a:extLst>
+          </p:cNvPr>
+          <p:cNvSpPr>
+            <a:spLocks noGrp="1" noRot="1" noChangeAspect="1" noMove="1" noResize="1" noEditPoints="1" noAdjustHandles="1" noChangeArrowheads="1" noChangeShapeType="1" noTextEdit="1"/>
+          </p:cNvSpPr>
+          <p:nvPr>
+            <p:extLst>
+              <p:ext uri="{386F3935-93C4-4BCD-93E2-E3B085C9AB24}">
+                <p16:designElem xmlns:p16="http://schemas.microsoft.com/office/powerpoint/2015/main" val="1"/>
+              </p:ext>
+            </p:extLst>
+          </p:nvPr>
+        </p:nvSpPr>
+        <p:spPr>
+          <a:xfrm>
+            <a:off x="596464" y="318045"/>
+            <a:ext cx="10999072" cy="5325139"/>
+          </a:xfrm>
+          <a:prstGeom prst="rect">
+            <a:avLst/>
+          </a:prstGeom>
+          <a:solidFill>
+            <a:schemeClr val="bg1"/>
+          </a:solidFill>
+          <a:ln>
+            <a:noFill/>
+          </a:ln>
+          <a:effectLst>
+            <a:outerShdw blurRad="139700" dist="127000" dir="5400000" algn="t" rotWithShape="0">
+              <a:prstClr val="black">
+                <a:alpha val="15000"/>
+              </a:prstClr>
+            </a:outerShdw>
+          </a:effectLst>
+        </p:spPr>
+        <p:style>
+          <a:lnRef idx="2">
+            <a:schemeClr val="accent1">
+              <a:shade val="50000"/>
+            </a:schemeClr>
+          </a:lnRef>
+          <a:fillRef idx="1">
+            <a:schemeClr val="accent1"/>
+          </a:fillRef>
+          <a:effectRef idx="0">
+            <a:schemeClr val="accent1"/>
+          </a:effectRef>
+          <a:fontRef idx="minor">
+            <a:schemeClr val="lt1"/>
+          </a:fontRef>
+        </p:style>
+        <p:txBody>
+          <a:bodyPr rtlCol="0" anchor="ctr"/>
+          <a:lstStyle/>
+          <a:p>
+            <a:pPr algn="ctr"/>
+            <a:endParaRPr lang="en-US"/>
+          </a:p>
+        </p:txBody>
+      </p:sp>
+      <p:sp>
+        <p:nvSpPr>
+          <p:cNvPr id="7" name="TextBox 6">
+            <a:extLst>
+              <a:ext uri="{FF2B5EF4-FFF2-40B4-BE49-F238E27FC236}">
+                <a16:creationId xmlns:a16="http://schemas.microsoft.com/office/drawing/2014/main" id="{8B69B4D4-6C1C-224B-2608-1F7880E50E12}"/>
               </a:ext>
             </a:extLst>
           </p:cNvPr>
@@ -3335,8 +4062,180 @@
         </p:nvSpPr>
         <p:spPr>
           <a:xfrm>
-            <a:off x="6096000" y="2590799"/>
-            <a:ext cx="5971494" cy="1631216"/>
+            <a:off x="337827" y="105429"/>
+            <a:ext cx="10071536" cy="929750"/>
+          </a:xfrm>
+          <a:prstGeom prst="rect">
+            <a:avLst/>
+          </a:prstGeom>
+        </p:spPr>
+        <p:txBody>
+          <a:bodyPr vert="horz" lIns="91440" tIns="45720" rIns="91440" bIns="45720" rtlCol="0" anchor="b">
+            <a:normAutofit/>
+          </a:bodyPr>
+          <a:lstStyle/>
+          <a:p>
+            <a:pPr>
+              <a:lnSpc>
+                <a:spcPct val="90000"/>
+              </a:lnSpc>
+              <a:spcBef>
+                <a:spcPct val="0"/>
+              </a:spcBef>
+              <a:spcAft>
+                <a:spcPts val="600"/>
+              </a:spcAft>
+            </a:pPr>
+            <a:r>
+              <a:rPr lang="en-US" sz="5200" b="1" kern="1200" dirty="0">
+                <a:solidFill>
+                  <a:schemeClr val="tx1"/>
+                </a:solidFill>
+                <a:latin typeface="+mj-lt"/>
+                <a:ea typeface="+mj-ea"/>
+                <a:cs typeface="+mj-cs"/>
+              </a:rPr>
+              <a:t>A Study in Birthrate Mortality</a:t>
+            </a:r>
+          </a:p>
+        </p:txBody>
+      </p:sp>
+      <p:sp>
+        <p:nvSpPr>
+          <p:cNvPr id="8" name="TextBox 7">
+            <a:extLst>
+              <a:ext uri="{FF2B5EF4-FFF2-40B4-BE49-F238E27FC236}">
+                <a16:creationId xmlns:a16="http://schemas.microsoft.com/office/drawing/2014/main" id="{533B66A2-46E7-7C37-E1F5-7D31E6D63BF3}"/>
+              </a:ext>
+            </a:extLst>
+          </p:cNvPr>
+          <p:cNvSpPr txBox="1"/>
+          <p:nvPr/>
+        </p:nvSpPr>
+        <p:spPr>
+          <a:xfrm>
+            <a:off x="-449113" y="4598900"/>
+            <a:ext cx="10071536" cy="448377"/>
+          </a:xfrm>
+          <a:prstGeom prst="rect">
+            <a:avLst/>
+          </a:prstGeom>
+        </p:spPr>
+        <p:txBody>
+          <a:bodyPr vert="horz" lIns="91440" tIns="45720" rIns="91440" bIns="45720" rtlCol="0" anchor="t">
+            <a:noAutofit/>
+          </a:bodyPr>
+          <a:lstStyle/>
+          <a:p>
+            <a:pPr algn="ctr">
+              <a:lnSpc>
+                <a:spcPct val="90000"/>
+              </a:lnSpc>
+              <a:spcBef>
+                <a:spcPts val="1000"/>
+              </a:spcBef>
+            </a:pPr>
+            <a:r>
+              <a:rPr lang="en-US" b="1" kern="1200" dirty="0">
+                <a:solidFill>
+                  <a:schemeClr val="tx1"/>
+                </a:solidFill>
+                <a:latin typeface="+mn-lt"/>
+                <a:ea typeface="+mn-ea"/>
+                <a:cs typeface="+mn-cs"/>
+              </a:rPr>
+              <a:t>Project Description</a:t>
+            </a:r>
+          </a:p>
+          <a:p>
+            <a:pPr algn="ctr">
+              <a:lnSpc>
+                <a:spcPct val="90000"/>
+              </a:lnSpc>
+              <a:spcBef>
+                <a:spcPts val="1000"/>
+              </a:spcBef>
+            </a:pPr>
+            <a:r>
+              <a:rPr lang="en-US" kern="1200" dirty="0">
+                <a:solidFill>
+                  <a:schemeClr val="tx1"/>
+                </a:solidFill>
+                <a:latin typeface="+mn-lt"/>
+                <a:ea typeface="+mn-ea"/>
+                <a:cs typeface="+mn-cs"/>
+              </a:rPr>
+              <a:t>Investigate birthrates by state and dig into state/region of the country as well as socioeconomic factors that are impacting mortality of mother and or child.  </a:t>
+            </a:r>
+          </a:p>
+        </p:txBody>
+      </p:sp>
+      <p:sp>
+        <p:nvSpPr>
+          <p:cNvPr id="4" name="TextBox 3">
+            <a:extLst>
+              <a:ext uri="{FF2B5EF4-FFF2-40B4-BE49-F238E27FC236}">
+                <a16:creationId xmlns:a16="http://schemas.microsoft.com/office/drawing/2014/main" id="{BE519DC1-505C-53A1-16A7-E75D7AFD781A}"/>
+              </a:ext>
+            </a:extLst>
+          </p:cNvPr>
+          <p:cNvSpPr txBox="1"/>
+          <p:nvPr/>
+        </p:nvSpPr>
+        <p:spPr>
+          <a:xfrm>
+            <a:off x="482741" y="880623"/>
+            <a:ext cx="8207829" cy="1059996"/>
+          </a:xfrm>
+          <a:prstGeom prst="rect">
+            <a:avLst/>
+          </a:prstGeom>
+        </p:spPr>
+        <p:txBody>
+          <a:bodyPr vert="horz" lIns="91440" tIns="45720" rIns="91440" bIns="45720" rtlCol="0" anchor="t">
+            <a:normAutofit/>
+          </a:bodyPr>
+          <a:lstStyle/>
+          <a:p>
+            <a:pPr>
+              <a:spcAft>
+                <a:spcPts val="600"/>
+              </a:spcAft>
+            </a:pPr>
+            <a:r>
+              <a:rPr lang="en-US" sz="3600" b="1" dirty="0"/>
+              <a:t>Team Members</a:t>
+            </a:r>
+          </a:p>
+          <a:p>
+            <a:pPr>
+              <a:spcAft>
+                <a:spcPts val="600"/>
+              </a:spcAft>
+            </a:pPr>
+            <a:r>
+              <a:rPr lang="en-US" sz="2000" dirty="0"/>
+              <a:t>Parris Burton  | Mamadou Diallo | Kathryn Davis | Daniel Ta | Tim McCarthy</a:t>
+            </a:r>
+          </a:p>
+        </p:txBody>
+      </p:sp>
+      <p:sp>
+        <p:nvSpPr>
+          <p:cNvPr id="9" name="TextBox 8">
+            <a:extLst>
+              <a:ext uri="{FF2B5EF4-FFF2-40B4-BE49-F238E27FC236}">
+                <a16:creationId xmlns:a16="http://schemas.microsoft.com/office/drawing/2014/main" id="{06814588-CB81-558D-8095-E184931389CA}"/>
+              </a:ext>
+            </a:extLst>
+          </p:cNvPr>
+          <p:cNvSpPr txBox="1"/>
+          <p:nvPr/>
+        </p:nvSpPr>
+        <p:spPr>
+          <a:xfrm>
+            <a:off x="482741" y="1839885"/>
+            <a:ext cx="11549372" cy="2185214"/>
           </a:xfrm>
           <a:prstGeom prst="rect">
             <a:avLst/>
@@ -3352,69 +4251,92 @@
           </a:bodyPr>
           <a:lstStyle/>
           <a:p>
-            <a:r>
-              <a:rPr lang="en-US" sz="2400" b="1" dirty="0"/>
-              <a:t>Datasets to be used:</a:t>
+            <a:pPr>
+              <a:spcAft>
+                <a:spcPts val="600"/>
+              </a:spcAft>
+            </a:pPr>
+            <a:r>
+              <a:rPr lang="en-US" sz="3600" b="1" dirty="0"/>
+              <a:t>Questions to Be Answered</a:t>
             </a:r>
           </a:p>
           <a:p>
             <a:pPr marL="285750" indent="-285750">
+              <a:spcAft>
+                <a:spcPts val="600"/>
+              </a:spcAft>
               <a:buFont typeface="Arial" panose="020B0604020202020204" pitchFamily="34" charset="0"/>
               <a:buChar char="•"/>
             </a:pPr>
             <a:r>
+              <a:rPr lang="en-US" sz="2000" b="1" dirty="0"/>
+              <a:t>KD: </a:t>
+            </a:r>
+            <a:r>
               <a:rPr lang="en-US" sz="2000" dirty="0"/>
-              <a:t>Census API - </a:t>
-            </a:r>
-            <a:r>
-              <a:rPr lang="en-US" dirty="0">
-                <a:hlinkClick r:id="rId2"/>
-              </a:rPr>
-              <a:t>https://www.census.gov/data/developers/data-sets.html</a:t>
-            </a:r>
-            <a:endParaRPr lang="en-US" dirty="0"/>
+              <a:t>Is there a signal between maternal and infant death rates?</a:t>
+            </a:r>
           </a:p>
           <a:p>
             <a:pPr marL="285750" indent="-285750">
+              <a:spcAft>
+                <a:spcPts val="600"/>
+              </a:spcAft>
               <a:buFont typeface="Arial" panose="020B0604020202020204" pitchFamily="34" charset="0"/>
               <a:buChar char="•"/>
             </a:pPr>
             <a:r>
+              <a:rPr lang="en-US" sz="2000" b="1" dirty="0"/>
+              <a:t>PB: </a:t>
+            </a:r>
+            <a:r>
               <a:rPr lang="en-US" sz="2000" dirty="0"/>
-              <a:t>CDC API </a:t>
-            </a:r>
-            <a:r>
-              <a:rPr lang="en-US" sz="2000" dirty="0">
-                <a:hlinkClick r:id="rId3"/>
-              </a:rPr>
-              <a:t>–</a:t>
-            </a:r>
-            <a:r>
-              <a:rPr lang="en-US" sz="2000" dirty="0"/>
-              <a:t> </a:t>
+              <a:t>What state has the highest and lowest infant mortality rate?</a:t>
             </a:r>
           </a:p>
           <a:p>
             <a:pPr marL="285750" indent="-285750">
+              <a:spcAft>
+                <a:spcPts val="600"/>
+              </a:spcAft>
               <a:buFont typeface="Arial" panose="020B0604020202020204" pitchFamily="34" charset="0"/>
               <a:buChar char="•"/>
             </a:pPr>
             <a:r>
-              <a:rPr lang="en-US" dirty="0">
-                <a:hlinkClick r:id="rId3"/>
-              </a:rPr>
-              <a:t>https://open.cdc.gov/apis.html</a:t>
-            </a:r>
-            <a:endParaRPr lang="en-US" sz="2000" dirty="0"/>
-          </a:p>
-        </p:txBody>
-      </p:sp>
-      <p:sp>
-        <p:nvSpPr>
-          <p:cNvPr id="5" name="TextBox 4">
-            <a:extLst>
-              <a:ext uri="{FF2B5EF4-FFF2-40B4-BE49-F238E27FC236}">
-                <a16:creationId xmlns:a16="http://schemas.microsoft.com/office/drawing/2014/main" id="{1306711C-D212-70B9-70C8-440C034D12E5}"/>
+              <a:rPr lang="en-US" sz="2000" b="1" dirty="0"/>
+              <a:t>TM: </a:t>
+            </a:r>
+            <a:r>
+              <a:rPr lang="en-US" sz="2000" dirty="0"/>
+              <a:t>How does poverty rate affect the maternal mortality rate?</a:t>
+            </a:r>
+          </a:p>
+          <a:p>
+            <a:pPr marL="285750" indent="-285750">
+              <a:spcAft>
+                <a:spcPts val="600"/>
+              </a:spcAft>
+              <a:buFont typeface="Arial" panose="020B0604020202020204" pitchFamily="34" charset="0"/>
+              <a:buChar char="•"/>
+            </a:pPr>
+            <a:r>
+              <a:rPr lang="en-US" sz="2000" b="1" dirty="0"/>
+              <a:t>MD: </a:t>
+            </a:r>
+            <a:r>
+              <a:rPr lang="en-US" sz="2000" dirty="0"/>
+              <a:t>Does race factor into infant or maternal mortality rates?</a:t>
+            </a:r>
+          </a:p>
+        </p:txBody>
+      </p:sp>
+      <p:sp>
+        <p:nvSpPr>
+          <p:cNvPr id="10" name="TextBox 9">
+            <a:extLst>
+              <a:ext uri="{FF2B5EF4-FFF2-40B4-BE49-F238E27FC236}">
+                <a16:creationId xmlns:a16="http://schemas.microsoft.com/office/drawing/2014/main" id="{75EC3218-576C-E961-A617-311BFF9B2B62}"/>
               </a:ext>
             </a:extLst>
           </p:cNvPr>
@@ -3423,43 +4345,8 @@
         </p:nvSpPr>
         <p:spPr>
           <a:xfrm>
-            <a:off x="291874" y="128587"/>
-            <a:ext cx="10758487" cy="707886"/>
-          </a:xfrm>
-          <a:prstGeom prst="rect">
-            <a:avLst/>
-          </a:prstGeom>
-          <a:noFill/>
-        </p:spPr>
-        <p:txBody>
-          <a:bodyPr wrap="square" rtlCol="0">
-            <a:spAutoFit/>
-          </a:bodyPr>
-          <a:lstStyle/>
-          <a:p>
-            <a:r>
-              <a:rPr lang="en-US" sz="4000" b="1" dirty="0"/>
-              <a:t>Study in birthrate mortality</a:t>
-            </a:r>
-          </a:p>
-        </p:txBody>
-      </p:sp>
-      <p:sp>
-        <p:nvSpPr>
-          <p:cNvPr id="6" name="TextBox 5">
-            <a:extLst>
-              <a:ext uri="{FF2B5EF4-FFF2-40B4-BE49-F238E27FC236}">
-                <a16:creationId xmlns:a16="http://schemas.microsoft.com/office/drawing/2014/main" id="{5E2E496C-8F74-8433-44C6-513FC8AF8FBE}"/>
-              </a:ext>
-            </a:extLst>
-          </p:cNvPr>
-          <p:cNvSpPr txBox="1"/>
-          <p:nvPr/>
-        </p:nvSpPr>
-        <p:spPr>
-          <a:xfrm>
-            <a:off x="291874" y="836473"/>
-            <a:ext cx="5804126" cy="2000548"/>
+            <a:off x="453488" y="5627913"/>
+            <a:ext cx="11433711" cy="1231106"/>
           </a:xfrm>
           <a:prstGeom prst="rect">
             <a:avLst/>
@@ -3475,69 +4362,176 @@
           </a:bodyPr>
           <a:lstStyle/>
           <a:p>
+            <a:pPr>
+              <a:spcAft>
+                <a:spcPts val="600"/>
+              </a:spcAft>
+            </a:pPr>
             <a:r>
               <a:rPr lang="en-US" sz="2400" b="1" dirty="0"/>
-              <a:t>Team Members</a:t>
-            </a:r>
+              <a:t>Datasets to be used:</a:t>
+            </a:r>
+            <a:endParaRPr lang="en-US" sz="2400" b="1"/>
           </a:p>
           <a:p>
             <a:pPr marL="285750" indent="-285750">
+              <a:spcAft>
+                <a:spcPts val="600"/>
+              </a:spcAft>
               <a:buFont typeface="Arial" panose="020B0604020202020204" pitchFamily="34" charset="0"/>
               <a:buChar char="•"/>
             </a:pPr>
             <a:r>
               <a:rPr lang="en-US" sz="2000" dirty="0"/>
-              <a:t>Parris Burton</a:t>
-            </a:r>
+              <a:t>Census API - </a:t>
+            </a:r>
+            <a:r>
+              <a:rPr lang="en-US" dirty="0">
+                <a:hlinkClick r:id="rId3"/>
+              </a:rPr>
+              <a:t>https://www.census.gov/data/developers/data-sets.html</a:t>
+            </a:r>
+            <a:endParaRPr lang="en-US"/>
           </a:p>
           <a:p>
             <a:pPr marL="285750" indent="-285750">
+              <a:spcAft>
+                <a:spcPts val="600"/>
+              </a:spcAft>
               <a:buFont typeface="Arial" panose="020B0604020202020204" pitchFamily="34" charset="0"/>
               <a:buChar char="•"/>
             </a:pPr>
             <a:r>
               <a:rPr lang="en-US" sz="2000" dirty="0"/>
-              <a:t>Mamadou Diallo</a:t>
-            </a:r>
-          </a:p>
-          <a:p>
-            <a:pPr marL="285750" indent="-285750">
-              <a:buFont typeface="Arial" panose="020B0604020202020204" pitchFamily="34" charset="0"/>
-              <a:buChar char="•"/>
-            </a:pPr>
+              <a:t>CDC CSV Data </a:t>
+            </a:r>
+            <a:r>
+              <a:rPr lang="en-US" sz="2000" dirty="0">
+                <a:hlinkClick r:id="rId4"/>
+              </a:rPr>
+              <a:t>–</a:t>
+            </a:r>
             <a:r>
               <a:rPr lang="en-US" sz="2000" dirty="0"/>
-              <a:t>Kathryn Davis</a:t>
-            </a:r>
-          </a:p>
-          <a:p>
-            <a:pPr marL="285750" indent="-285750">
-              <a:buFont typeface="Arial" panose="020B0604020202020204" pitchFamily="34" charset="0"/>
-              <a:buChar char="•"/>
-            </a:pPr>
-            <a:r>
-              <a:rPr lang="en-US" sz="2000" dirty="0"/>
-              <a:t>Daniel Ta</a:t>
-            </a:r>
-          </a:p>
-          <a:p>
-            <a:pPr marL="285750" indent="-285750">
-              <a:buFont typeface="Arial" panose="020B0604020202020204" pitchFamily="34" charset="0"/>
-              <a:buChar char="•"/>
-            </a:pPr>
-            <a:r>
-              <a:rPr lang="en-US" sz="2000" dirty="0"/>
-              <a:t>Tim McCarthy</a:t>
-            </a:r>
-          </a:p>
-        </p:txBody>
-      </p:sp>
-      <p:sp>
-        <p:nvSpPr>
-          <p:cNvPr id="7" name="TextBox 6">
-            <a:extLst>
-              <a:ext uri="{FF2B5EF4-FFF2-40B4-BE49-F238E27FC236}">
-                <a16:creationId xmlns:a16="http://schemas.microsoft.com/office/drawing/2014/main" id="{1E413866-D40C-E1A7-1DB3-813A754B66A6}"/>
+              <a:t> </a:t>
+            </a:r>
+            <a:r>
+              <a:rPr lang="en-US" dirty="0">
+                <a:hlinkClick r:id="rId4"/>
+              </a:rPr>
+              <a:t>https://open.cdc.gov/apis.html</a:t>
+            </a:r>
+            <a:endParaRPr lang="en-US" sz="2000"/>
+          </a:p>
+        </p:txBody>
+      </p:sp>
+    </p:spTree>
+    <p:extLst>
+      <p:ext uri="{BB962C8B-B14F-4D97-AF65-F5344CB8AC3E}">
+        <p14:creationId xmlns:p14="http://schemas.microsoft.com/office/powerpoint/2010/main" val="2721154901"/>
+      </p:ext>
+    </p:extLst>
+  </p:cSld>
+  <p:clrMapOvr>
+    <a:masterClrMapping/>
+  </p:clrMapOvr>
+</p:sld>
+</file>
+
+<file path=ppt/slides/slide2.xml><?xml version="1.0" encoding="utf-8"?>
+<p:sld xmlns:a="http://schemas.openxmlformats.org/drawingml/2006/main" xmlns:r="http://schemas.openxmlformats.org/officeDocument/2006/relationships" xmlns:p="http://schemas.openxmlformats.org/presentationml/2006/main">
+  <p:cSld>
+    <p:bg>
+      <p:bgPr>
+        <a:solidFill>
+          <a:schemeClr val="bg1"/>
+        </a:solidFill>
+        <a:effectLst/>
+      </p:bgPr>
+    </p:bg>
+    <p:spTree>
+      <p:nvGrpSpPr>
+        <p:cNvPr id="1" name=""/>
+        <p:cNvGrpSpPr/>
+        <p:nvPr/>
+      </p:nvGrpSpPr>
+      <p:grpSpPr>
+        <a:xfrm>
+          <a:off x="0" y="0"/>
+          <a:ext cx="0" cy="0"/>
+          <a:chOff x="0" y="0"/>
+          <a:chExt cx="0" cy="0"/>
+        </a:xfrm>
+      </p:grpSpPr>
+      <p:sp>
+        <p:nvSpPr>
+          <p:cNvPr id="11" name="Flowchart: Document 10">
+            <a:extLst>
+              <a:ext uri="{FF2B5EF4-FFF2-40B4-BE49-F238E27FC236}">
+                <a16:creationId xmlns:a16="http://schemas.microsoft.com/office/drawing/2014/main" id="{D12DDE76-C203-4047-9998-63900085B5E8}"/>
+              </a:ext>
+              <a:ext uri="{C183D7F6-B498-43B3-948B-1728B52AA6E4}">
+                <adec:decorative xmlns:adec="http://schemas.microsoft.com/office/drawing/2017/decorative" val="1"/>
+              </a:ext>
+            </a:extLst>
+          </p:cNvPr>
+          <p:cNvSpPr>
+            <a:spLocks noGrp="1" noRot="1" noChangeAspect="1" noMove="1" noResize="1" noEditPoints="1" noAdjustHandles="1" noChangeArrowheads="1" noChangeShapeType="1" noTextEdit="1"/>
+          </p:cNvSpPr>
+          <p:nvPr>
+            <p:extLst>
+              <p:ext uri="{386F3935-93C4-4BCD-93E2-E3B085C9AB24}">
+                <p16:designElem xmlns:p16="http://schemas.microsoft.com/office/powerpoint/2015/main" val="1"/>
+              </p:ext>
+            </p:extLst>
+          </p:nvPr>
+        </p:nvSpPr>
+        <p:spPr>
+          <a:xfrm>
+            <a:off x="638175" y="0"/>
+            <a:ext cx="3248025" cy="3400426"/>
+          </a:xfrm>
+          <a:prstGeom prst="flowChartDocument">
+            <a:avLst/>
+          </a:prstGeom>
+          <a:solidFill>
+            <a:schemeClr val="accent1"/>
+          </a:solidFill>
+          <a:ln>
+            <a:noFill/>
+          </a:ln>
+        </p:spPr>
+        <p:style>
+          <a:lnRef idx="2">
+            <a:schemeClr val="accent1">
+              <a:shade val="50000"/>
+            </a:schemeClr>
+          </a:lnRef>
+          <a:fillRef idx="1">
+            <a:schemeClr val="accent1"/>
+          </a:fillRef>
+          <a:effectRef idx="0">
+            <a:schemeClr val="accent1"/>
+          </a:effectRef>
+          <a:fontRef idx="minor">
+            <a:schemeClr val="lt1"/>
+          </a:fontRef>
+        </p:style>
+        <p:txBody>
+          <a:bodyPr rtlCol="0" anchor="ctr"/>
+          <a:lstStyle/>
+          <a:p>
+            <a:pPr algn="ctr"/>
+            <a:endParaRPr lang="en-US"/>
+          </a:p>
+        </p:txBody>
+      </p:sp>
+      <p:sp>
+        <p:nvSpPr>
+          <p:cNvPr id="4" name="TextBox 3">
+            <a:extLst>
+              <a:ext uri="{FF2B5EF4-FFF2-40B4-BE49-F238E27FC236}">
+                <a16:creationId xmlns:a16="http://schemas.microsoft.com/office/drawing/2014/main" id="{BE519DC1-505C-53A1-16A7-E75D7AFD781A}"/>
               </a:ext>
             </a:extLst>
           </p:cNvPr>
@@ -3546,8 +4540,90 @@
         </p:nvSpPr>
         <p:spPr>
           <a:xfrm>
-            <a:off x="6096000" y="836473"/>
-            <a:ext cx="5804126" cy="1692771"/>
+            <a:off x="838200" y="171162"/>
+            <a:ext cx="2840182" cy="2371148"/>
+          </a:xfrm>
+          <a:prstGeom prst="rect">
+            <a:avLst/>
+          </a:prstGeom>
+        </p:spPr>
+        <p:txBody>
+          <a:bodyPr vert="horz" lIns="91440" tIns="45720" rIns="91440" bIns="45720" rtlCol="0" anchor="t">
+            <a:normAutofit/>
+          </a:bodyPr>
+          <a:lstStyle/>
+          <a:p>
+            <a:pPr>
+              <a:lnSpc>
+                <a:spcPct val="90000"/>
+              </a:lnSpc>
+              <a:spcBef>
+                <a:spcPct val="0"/>
+              </a:spcBef>
+              <a:spcAft>
+                <a:spcPts val="600"/>
+              </a:spcAft>
+            </a:pPr>
+            <a:r>
+              <a:rPr lang="en-US" sz="3200" b="1" kern="1200" dirty="0">
+                <a:solidFill>
+                  <a:srgbClr val="FFFFFF"/>
+                </a:solidFill>
+                <a:latin typeface="+mj-lt"/>
+                <a:ea typeface="+mj-ea"/>
+                <a:cs typeface="+mj-cs"/>
+              </a:rPr>
+              <a:t>Socioeconomic Impact on Maternal Mortality</a:t>
+            </a:r>
+          </a:p>
+        </p:txBody>
+      </p:sp>
+      <p:pic>
+        <p:nvPicPr>
+          <p:cNvPr id="6" name="Picture 5">
+            <a:extLst>
+              <a:ext uri="{FF2B5EF4-FFF2-40B4-BE49-F238E27FC236}">
+                <a16:creationId xmlns:a16="http://schemas.microsoft.com/office/drawing/2014/main" id="{D197683D-5A6E-BC10-1AC1-2E911EC76130}"/>
+              </a:ext>
+            </a:extLst>
+          </p:cNvPr>
+          <p:cNvPicPr>
+            <a:picLocks noChangeAspect="1"/>
+          </p:cNvPicPr>
+          <p:nvPr/>
+        </p:nvPicPr>
+        <p:blipFill>
+          <a:blip r:embed="rId2"/>
+          <a:stretch>
+            <a:fillRect/>
+          </a:stretch>
+        </p:blipFill>
+        <p:spPr>
+          <a:xfrm>
+            <a:off x="4114800" y="182880"/>
+            <a:ext cx="7347537" cy="4757530"/>
+          </a:xfrm>
+          <a:prstGeom prst="rect">
+            <a:avLst/>
+          </a:prstGeom>
+        </p:spPr>
+      </p:pic>
+      <p:sp>
+        <p:nvSpPr>
+          <p:cNvPr id="2" name="TextBox 1">
+            <a:extLst>
+              <a:ext uri="{FF2B5EF4-FFF2-40B4-BE49-F238E27FC236}">
+                <a16:creationId xmlns:a16="http://schemas.microsoft.com/office/drawing/2014/main" id="{692F779D-C05E-A7C2-B188-E6ECA5D94EB4}"/>
+              </a:ext>
+            </a:extLst>
+          </p:cNvPr>
+          <p:cNvSpPr txBox="1"/>
+          <p:nvPr/>
+        </p:nvSpPr>
+        <p:spPr>
+          <a:xfrm>
+            <a:off x="275235" y="4928692"/>
+            <a:ext cx="11720822" cy="1785104"/>
           </a:xfrm>
           <a:prstGeom prst="rect">
             <a:avLst/>
@@ -3564,24 +4640,149 @@
           <a:lstStyle/>
           <a:p>
             <a:r>
-              <a:rPr lang="en-US" sz="2400" b="1" dirty="0"/>
-              <a:t>Project Description</a:t>
-            </a:r>
-          </a:p>
-          <a:p>
+              <a:rPr lang="en-US" sz="3600" b="1" dirty="0"/>
+              <a:t>Overall Poverty Rate by Maternal Mortality Rate</a:t>
+            </a:r>
+          </a:p>
+          <a:p>
+            <a:r>
+              <a:rPr lang="en-US" sz="1400" dirty="0">
+                <a:solidFill>
+                  <a:schemeClr val="accent1"/>
+                </a:solidFill>
+              </a:rPr>
+              <a:t>State Averages</a:t>
+            </a:r>
+          </a:p>
+          <a:p>
+            <a:pPr marL="342900" indent="-342900">
+              <a:buFont typeface="Arial" panose="020B0604020202020204" pitchFamily="34" charset="0"/>
+              <a:buChar char="•"/>
+            </a:pPr>
             <a:r>
               <a:rPr lang="en-US" sz="2000" dirty="0"/>
-              <a:t>Investigate birthrates by state and dig into state/region of the country as well as socioeconomic factors that are impacting mortality of mother and or child.  </a:t>
-            </a:r>
-          </a:p>
-        </p:txBody>
-      </p:sp>
-      <p:sp>
-        <p:nvSpPr>
-          <p:cNvPr id="8" name="TextBox 7">
-            <a:extLst>
-              <a:ext uri="{FF2B5EF4-FFF2-40B4-BE49-F238E27FC236}">
-                <a16:creationId xmlns:a16="http://schemas.microsoft.com/office/drawing/2014/main" id="{50523850-E8C9-9E58-8022-D5D85754D7E8}"/>
+              <a:t>Using state averages for both poverty rate and maternal mortality rate during and after childbirth</a:t>
+            </a:r>
+          </a:p>
+          <a:p>
+            <a:pPr marL="342900" indent="-342900">
+              <a:buFont typeface="Arial" panose="020B0604020202020204" pitchFamily="34" charset="0"/>
+              <a:buChar char="•"/>
+            </a:pPr>
+            <a:r>
+              <a:rPr lang="en-US" sz="2000" dirty="0"/>
+              <a:t>It is clear that there is a direct correlation between the poverty rate in a state and the instances of maternal mortality.</a:t>
+            </a:r>
+          </a:p>
+        </p:txBody>
+      </p:sp>
+    </p:spTree>
+    <p:extLst>
+      <p:ext uri="{BB962C8B-B14F-4D97-AF65-F5344CB8AC3E}">
+        <p14:creationId xmlns:p14="http://schemas.microsoft.com/office/powerpoint/2010/main" val="1267958499"/>
+      </p:ext>
+    </p:extLst>
+  </p:cSld>
+  <p:clrMapOvr>
+    <a:masterClrMapping/>
+  </p:clrMapOvr>
+</p:sld>
+</file>
+
+<file path=ppt/slides/slide3.xml><?xml version="1.0" encoding="utf-8"?>
+<p:sld xmlns:a="http://schemas.openxmlformats.org/drawingml/2006/main" xmlns:r="http://schemas.openxmlformats.org/officeDocument/2006/relationships" xmlns:p="http://schemas.openxmlformats.org/presentationml/2006/main">
+  <p:cSld>
+    <p:bg>
+      <p:bgPr>
+        <a:solidFill>
+          <a:schemeClr val="bg1"/>
+        </a:solidFill>
+        <a:effectLst/>
+      </p:bgPr>
+    </p:bg>
+    <p:spTree>
+      <p:nvGrpSpPr>
+        <p:cNvPr id="1" name=""/>
+        <p:cNvGrpSpPr/>
+        <p:nvPr/>
+      </p:nvGrpSpPr>
+      <p:grpSpPr>
+        <a:xfrm>
+          <a:off x="0" y="0"/>
+          <a:ext cx="0" cy="0"/>
+          <a:chOff x="0" y="0"/>
+          <a:chExt cx="0" cy="0"/>
+        </a:xfrm>
+      </p:grpSpPr>
+      <p:sp>
+        <p:nvSpPr>
+          <p:cNvPr id="11" name="Flowchart: Document 10">
+            <a:extLst>
+              <a:ext uri="{FF2B5EF4-FFF2-40B4-BE49-F238E27FC236}">
+                <a16:creationId xmlns:a16="http://schemas.microsoft.com/office/drawing/2014/main" id="{D12DDE76-C203-4047-9998-63900085B5E8}"/>
+              </a:ext>
+              <a:ext uri="{C183D7F6-B498-43B3-948B-1728B52AA6E4}">
+                <adec:decorative xmlns:adec="http://schemas.microsoft.com/office/drawing/2017/decorative" val="1"/>
+              </a:ext>
+            </a:extLst>
+          </p:cNvPr>
+          <p:cNvSpPr>
+            <a:spLocks noGrp="1" noRot="1" noChangeAspect="1" noMove="1" noResize="1" noEditPoints="1" noAdjustHandles="1" noChangeArrowheads="1" noChangeShapeType="1" noTextEdit="1"/>
+          </p:cNvSpPr>
+          <p:nvPr>
+            <p:extLst>
+              <p:ext uri="{386F3935-93C4-4BCD-93E2-E3B085C9AB24}">
+                <p16:designElem xmlns:p16="http://schemas.microsoft.com/office/powerpoint/2015/main" val="1"/>
+              </p:ext>
+            </p:extLst>
+          </p:nvPr>
+        </p:nvSpPr>
+        <p:spPr>
+          <a:xfrm>
+            <a:off x="638175" y="0"/>
+            <a:ext cx="3248025" cy="3400426"/>
+          </a:xfrm>
+          <a:prstGeom prst="flowChartDocument">
+            <a:avLst/>
+          </a:prstGeom>
+          <a:solidFill>
+            <a:schemeClr val="accent1"/>
+          </a:solidFill>
+          <a:ln>
+            <a:noFill/>
+          </a:ln>
+        </p:spPr>
+        <p:style>
+          <a:lnRef idx="2">
+            <a:schemeClr val="accent1">
+              <a:shade val="50000"/>
+            </a:schemeClr>
+          </a:lnRef>
+          <a:fillRef idx="1">
+            <a:schemeClr val="accent1"/>
+          </a:fillRef>
+          <a:effectRef idx="0">
+            <a:schemeClr val="accent1"/>
+          </a:effectRef>
+          <a:fontRef idx="minor">
+            <a:schemeClr val="lt1"/>
+          </a:fontRef>
+        </p:style>
+        <p:txBody>
+          <a:bodyPr rtlCol="0" anchor="ctr"/>
+          <a:lstStyle/>
+          <a:p>
+            <a:pPr algn="ctr"/>
+            <a:endParaRPr lang="en-US"/>
+          </a:p>
+        </p:txBody>
+      </p:sp>
+      <p:sp>
+        <p:nvSpPr>
+          <p:cNvPr id="4" name="TextBox 3">
+            <a:extLst>
+              <a:ext uri="{FF2B5EF4-FFF2-40B4-BE49-F238E27FC236}">
+                <a16:creationId xmlns:a16="http://schemas.microsoft.com/office/drawing/2014/main" id="{BE519DC1-505C-53A1-16A7-E75D7AFD781A}"/>
               </a:ext>
             </a:extLst>
           </p:cNvPr>
@@ -3590,8 +4791,98 @@
         </p:nvSpPr>
         <p:spPr>
           <a:xfrm>
-            <a:off x="291874" y="2837021"/>
-            <a:ext cx="5804126" cy="3539430"/>
+            <a:off x="838200" y="171162"/>
+            <a:ext cx="2840182" cy="2371148"/>
+          </a:xfrm>
+          <a:prstGeom prst="rect">
+            <a:avLst/>
+          </a:prstGeom>
+        </p:spPr>
+        <p:txBody>
+          <a:bodyPr vert="horz" lIns="91440" tIns="45720" rIns="91440" bIns="45720" rtlCol="0" anchor="t">
+            <a:normAutofit/>
+          </a:bodyPr>
+          <a:lstStyle/>
+          <a:p>
+            <a:pPr>
+              <a:lnSpc>
+                <a:spcPct val="90000"/>
+              </a:lnSpc>
+              <a:spcBef>
+                <a:spcPct val="0"/>
+              </a:spcBef>
+              <a:spcAft>
+                <a:spcPts val="600"/>
+              </a:spcAft>
+            </a:pPr>
+            <a:r>
+              <a:rPr lang="en-US" sz="3200" b="1" kern="1200">
+                <a:solidFill>
+                  <a:srgbClr val="FFFFFF"/>
+                </a:solidFill>
+                <a:latin typeface="+mj-lt"/>
+                <a:ea typeface="+mj-ea"/>
+                <a:cs typeface="+mj-cs"/>
+              </a:rPr>
+              <a:t>Socioeconomic Impact on Maternal Mortality</a:t>
+            </a:r>
+            <a:endParaRPr lang="en-US" sz="3200" b="1" kern="1200" dirty="0">
+              <a:solidFill>
+                <a:srgbClr val="FFFFFF"/>
+              </a:solidFill>
+              <a:latin typeface="+mj-lt"/>
+              <a:ea typeface="+mj-ea"/>
+              <a:cs typeface="+mj-cs"/>
+            </a:endParaRPr>
+          </a:p>
+        </p:txBody>
+      </p:sp>
+      <p:pic>
+        <p:nvPicPr>
+          <p:cNvPr id="2" name="Picture 1">
+            <a:extLst>
+              <a:ext uri="{FF2B5EF4-FFF2-40B4-BE49-F238E27FC236}">
+                <a16:creationId xmlns:a16="http://schemas.microsoft.com/office/drawing/2014/main" id="{E5853709-408A-D123-31FB-0C671C1F4C96}"/>
+              </a:ext>
+            </a:extLst>
+          </p:cNvPr>
+          <p:cNvPicPr>
+            <a:picLocks noChangeAspect="1"/>
+          </p:cNvPicPr>
+          <p:nvPr/>
+        </p:nvPicPr>
+        <p:blipFill>
+          <a:blip r:embed="rId2"/>
+          <a:stretch>
+            <a:fillRect/>
+          </a:stretch>
+        </p:blipFill>
+        <p:spPr>
+          <a:xfrm>
+            <a:off x="4114800" y="182880"/>
+            <a:ext cx="7351775" cy="4749840"/>
+          </a:xfrm>
+          <a:prstGeom prst="rect">
+            <a:avLst/>
+          </a:prstGeom>
+        </p:spPr>
+      </p:pic>
+      <p:sp>
+        <p:nvSpPr>
+          <p:cNvPr id="3" name="TextBox 2">
+            <a:extLst>
+              <a:ext uri="{FF2B5EF4-FFF2-40B4-BE49-F238E27FC236}">
+                <a16:creationId xmlns:a16="http://schemas.microsoft.com/office/drawing/2014/main" id="{BCD8BD97-3BDF-81F9-047B-277CDD43DE5E}"/>
+              </a:ext>
+            </a:extLst>
+          </p:cNvPr>
+          <p:cNvSpPr txBox="1"/>
+          <p:nvPr/>
+        </p:nvSpPr>
+        <p:spPr>
+          <a:xfrm>
+            <a:off x="275235" y="4928692"/>
+            <a:ext cx="11720822" cy="1877437"/>
           </a:xfrm>
           <a:prstGeom prst="rect">
             <a:avLst/>
@@ -3608,86 +4899,235 @@
           <a:lstStyle/>
           <a:p>
             <a:r>
-              <a:rPr lang="en-US" sz="2400" b="1" dirty="0"/>
-              <a:t>Questions to be answered</a:t>
-            </a:r>
-          </a:p>
-          <a:p>
-            <a:pPr marL="285750" indent="-285750">
+              <a:rPr lang="en-US" sz="3600" b="1"/>
+              <a:t>Comparison by State Categorization</a:t>
+            </a:r>
+          </a:p>
+          <a:p>
+            <a:pPr marL="342900" indent="-342900">
               <a:buFont typeface="Arial" panose="020B0604020202020204" pitchFamily="34" charset="0"/>
               <a:buChar char="•"/>
             </a:pPr>
             <a:r>
-              <a:rPr lang="en-US" sz="2000" b="1" dirty="0"/>
-              <a:t>DT: </a:t>
-            </a:r>
-            <a:r>
-              <a:rPr lang="en-US" sz="2000" dirty="0"/>
-              <a:t>Does a person/couple’s socioeconomic status have a measurable impact on natal mortality?</a:t>
-            </a:r>
-          </a:p>
-          <a:p>
-            <a:pPr marL="285750" indent="-285750">
+              <a:rPr lang="en-US" sz="2000"/>
+              <a:t>Combining the 25 poorer states with the 25 richer states, the mortality rate stands out even further.</a:t>
+            </a:r>
+          </a:p>
+          <a:p>
+            <a:pPr marL="342900" indent="-342900">
               <a:buFont typeface="Arial" panose="020B0604020202020204" pitchFamily="34" charset="0"/>
               <a:buChar char="•"/>
             </a:pPr>
             <a:r>
-              <a:rPr lang="en-US" sz="2000" b="1" dirty="0"/>
-              <a:t>KD: </a:t>
-            </a:r>
-            <a:r>
-              <a:rPr lang="en-US" sz="2000" dirty="0"/>
-              <a:t>Does a person/couple’s home state or region have a measurable impact on natal mortality?</a:t>
-            </a:r>
-          </a:p>
-          <a:p>
-            <a:pPr marL="285750" indent="-285750">
+              <a:rPr lang="en-US" sz="2000"/>
+              <a:t>Women in the poorer states are at a 65% higher risk of maternal death than women in richer states.</a:t>
+            </a:r>
+          </a:p>
+          <a:p>
+            <a:pPr marL="342900" indent="-342900">
               <a:buFont typeface="Arial" panose="020B0604020202020204" pitchFamily="34" charset="0"/>
               <a:buChar char="•"/>
             </a:pPr>
             <a:r>
-              <a:rPr lang="en-US" sz="2000" b="1" dirty="0"/>
-              <a:t>PB: </a:t>
-            </a:r>
-            <a:r>
-              <a:rPr lang="en-US" sz="2000" dirty="0"/>
-              <a:t>What state has the highest and lowest infant mortality rate?</a:t>
-            </a:r>
-          </a:p>
-          <a:p>
-            <a:pPr marL="285750" indent="-285750">
+              <a:rPr lang="en-US" sz="2000"/>
+              <a:t>P-value is less than 0.05, so we can reject the null hypothesis and assume these samples are statistically significant</a:t>
+            </a:r>
+            <a:endParaRPr lang="en-US" sz="2000" dirty="0"/>
+          </a:p>
+        </p:txBody>
+      </p:sp>
+    </p:spTree>
+    <p:extLst>
+      <p:ext uri="{BB962C8B-B14F-4D97-AF65-F5344CB8AC3E}">
+        <p14:creationId xmlns:p14="http://schemas.microsoft.com/office/powerpoint/2010/main" val="1398309435"/>
+      </p:ext>
+    </p:extLst>
+  </p:cSld>
+  <p:clrMapOvr>
+    <a:masterClrMapping/>
+  </p:clrMapOvr>
+</p:sld>
+</file>
+
+<file path=ppt/slides/slide4.xml><?xml version="1.0" encoding="utf-8"?>
+<p:sld xmlns:a="http://schemas.openxmlformats.org/drawingml/2006/main" xmlns:r="http://schemas.openxmlformats.org/officeDocument/2006/relationships" xmlns:p="http://schemas.openxmlformats.org/presentationml/2006/main">
+  <p:cSld>
+    <p:spTree>
+      <p:nvGrpSpPr>
+        <p:cNvPr id="1" name=""/>
+        <p:cNvGrpSpPr/>
+        <p:nvPr/>
+      </p:nvGrpSpPr>
+      <p:grpSpPr>
+        <a:xfrm>
+          <a:off x="0" y="0"/>
+          <a:ext cx="0" cy="0"/>
+          <a:chOff x="0" y="0"/>
+          <a:chExt cx="0" cy="0"/>
+        </a:xfrm>
+      </p:grpSpPr>
+      <p:sp>
+        <p:nvSpPr>
+          <p:cNvPr id="4" name="TextBox 3">
+            <a:extLst>
+              <a:ext uri="{FF2B5EF4-FFF2-40B4-BE49-F238E27FC236}">
+                <a16:creationId xmlns:a16="http://schemas.microsoft.com/office/drawing/2014/main" id="{BE519DC1-505C-53A1-16A7-E75D7AFD781A}"/>
+              </a:ext>
+            </a:extLst>
+          </p:cNvPr>
+          <p:cNvSpPr txBox="1"/>
+          <p:nvPr/>
+        </p:nvSpPr>
+        <p:spPr>
+          <a:xfrm>
+            <a:off x="838200" y="171162"/>
+            <a:ext cx="2840182" cy="2371148"/>
+          </a:xfrm>
+          <a:prstGeom prst="rect">
+            <a:avLst/>
+          </a:prstGeom>
+        </p:spPr>
+        <p:txBody>
+          <a:bodyPr vert="horz" lIns="91440" tIns="45720" rIns="91440" bIns="45720" rtlCol="0" anchor="t">
+            <a:normAutofit/>
+          </a:bodyPr>
+          <a:lstStyle/>
+          <a:p>
+            <a:pPr>
+              <a:lnSpc>
+                <a:spcPct val="90000"/>
+              </a:lnSpc>
+              <a:spcBef>
+                <a:spcPct val="0"/>
+              </a:spcBef>
+              <a:spcAft>
+                <a:spcPts val="600"/>
+              </a:spcAft>
+            </a:pPr>
+            <a:r>
+              <a:rPr lang="en-US" sz="3200" b="1" kern="1200">
+                <a:solidFill>
+                  <a:srgbClr val="FFFFFF"/>
+                </a:solidFill>
+                <a:latin typeface="+mj-lt"/>
+                <a:ea typeface="+mj-ea"/>
+                <a:cs typeface="+mj-cs"/>
+              </a:rPr>
+              <a:t>Socioeconomic Impact on Maternal Mortality</a:t>
+            </a:r>
+            <a:endParaRPr lang="en-US" sz="3200" b="1" kern="1200" dirty="0">
+              <a:solidFill>
+                <a:srgbClr val="FFFFFF"/>
+              </a:solidFill>
+              <a:latin typeface="+mj-lt"/>
+              <a:ea typeface="+mj-ea"/>
+              <a:cs typeface="+mj-cs"/>
+            </a:endParaRPr>
+          </a:p>
+        </p:txBody>
+      </p:sp>
+      <p:sp>
+        <p:nvSpPr>
+          <p:cNvPr id="3" name="TextBox 2">
+            <a:extLst>
+              <a:ext uri="{FF2B5EF4-FFF2-40B4-BE49-F238E27FC236}">
+                <a16:creationId xmlns:a16="http://schemas.microsoft.com/office/drawing/2014/main" id="{BCD8BD97-3BDF-81F9-047B-277CDD43DE5E}"/>
+              </a:ext>
+            </a:extLst>
+          </p:cNvPr>
+          <p:cNvSpPr txBox="1"/>
+          <p:nvPr/>
+        </p:nvSpPr>
+        <p:spPr>
+          <a:xfrm>
+            <a:off x="275235" y="4928692"/>
+            <a:ext cx="11720822" cy="1877437"/>
+          </a:xfrm>
+          <a:prstGeom prst="rect">
+            <a:avLst/>
+          </a:prstGeom>
+          <a:noFill/>
+          <a:ln>
+            <a:noFill/>
+          </a:ln>
+        </p:spPr>
+        <p:txBody>
+          <a:bodyPr wrap="square" rtlCol="0">
+            <a:spAutoFit/>
+          </a:bodyPr>
+          <a:lstStyle/>
+          <a:p>
+            <a:r>
+              <a:rPr lang="en-US" sz="3600" b="1" dirty="0"/>
+              <a:t>Comparison by Political Affiliation</a:t>
+            </a:r>
+          </a:p>
+          <a:p>
+            <a:pPr marL="342900" indent="-342900">
               <a:buFont typeface="Arial" panose="020B0604020202020204" pitchFamily="34" charset="0"/>
               <a:buChar char="•"/>
             </a:pPr>
             <a:r>
-              <a:rPr lang="en-US" sz="2000" b="1" dirty="0"/>
-              <a:t>TM: </a:t>
-            </a:r>
-            <a:r>
               <a:rPr lang="en-US" sz="2000" dirty="0"/>
-              <a:t>Has socioeconomic impact on maternal mortality changed in the last 50 years?</a:t>
-            </a:r>
-          </a:p>
-          <a:p>
-            <a:pPr marL="285750" indent="-285750">
+              <a:t>Combining the 25 poorer states with the 25 richer states, the mortality rate stands out even further.</a:t>
+            </a:r>
+          </a:p>
+          <a:p>
+            <a:pPr marL="342900" indent="-342900">
               <a:buFont typeface="Arial" panose="020B0604020202020204" pitchFamily="34" charset="0"/>
               <a:buChar char="•"/>
             </a:pPr>
             <a:r>
-              <a:rPr lang="en-US" sz="2000" b="1" dirty="0"/>
-              <a:t>MD: </a:t>
-            </a:r>
-            <a:r>
               <a:rPr lang="en-US" sz="2000" dirty="0"/>
-              <a:t>Does race factor into infant or maternal mortality rates?</a:t>
-            </a:r>
-          </a:p>
-        </p:txBody>
-      </p:sp>
+              <a:t>Women in the poorer states are at a 65% higher risk of maternal death than women in richer states.</a:t>
+            </a:r>
+          </a:p>
+          <a:p>
+            <a:pPr marL="342900" indent="-342900">
+              <a:buFont typeface="Arial" panose="020B0604020202020204" pitchFamily="34" charset="0"/>
+              <a:buChar char="•"/>
+            </a:pPr>
+            <a:r>
+              <a:rPr lang="en-US" sz="2000" dirty="0"/>
+              <a:t>P-value is less than 0.05, so we can reject the null hypothesis and assume these samples are statistically significant</a:t>
+            </a:r>
+          </a:p>
+        </p:txBody>
+      </p:sp>
+      <p:pic>
+        <p:nvPicPr>
+          <p:cNvPr id="7" name="Picture 6">
+            <a:extLst>
+              <a:ext uri="{FF2B5EF4-FFF2-40B4-BE49-F238E27FC236}">
+                <a16:creationId xmlns:a16="http://schemas.microsoft.com/office/drawing/2014/main" id="{2BF4F18A-C0AD-D388-2C84-8EA6073F3F20}"/>
+              </a:ext>
+            </a:extLst>
+          </p:cNvPr>
+          <p:cNvPicPr>
+            <a:picLocks noChangeAspect="1"/>
+          </p:cNvPicPr>
+          <p:nvPr/>
+        </p:nvPicPr>
+        <p:blipFill>
+          <a:blip r:embed="rId2"/>
+          <a:stretch>
+            <a:fillRect/>
+          </a:stretch>
+        </p:blipFill>
+        <p:spPr>
+          <a:xfrm>
+            <a:off x="4223657" y="51871"/>
+            <a:ext cx="7772400" cy="5030829"/>
+          </a:xfrm>
+          <a:prstGeom prst="rect">
+            <a:avLst/>
+          </a:prstGeom>
+        </p:spPr>
+      </p:pic>
     </p:spTree>
     <p:extLst>
       <p:ext uri="{BB962C8B-B14F-4D97-AF65-F5344CB8AC3E}">
-        <p14:creationId xmlns:p14="http://schemas.microsoft.com/office/powerpoint/2010/main" val="3786845586"/>
+        <p14:creationId xmlns:p14="http://schemas.microsoft.com/office/powerpoint/2010/main" val="3041274495"/>
       </p:ext>
     </p:extLst>
   </p:cSld>
@@ -3990,4 +5430,319 @@
     </a:ext>
   </a:extLst>
 </a:theme>
+</file>
+
+<file path=ppt/theme/theme2.xml><?xml version="1.0" encoding="utf-8"?>
+<a:theme xmlns:a="http://schemas.openxmlformats.org/drawingml/2006/main" name="Office Theme">
+  <a:themeElements>
+    <a:clrScheme name="Office">
+      <a:dk1>
+        <a:sysClr val="windowText" lastClr="000000"/>
+      </a:dk1>
+      <a:lt1>
+        <a:sysClr val="window" lastClr="FFFFFF"/>
+      </a:lt1>
+      <a:dk2>
+        <a:srgbClr val="0E2841"/>
+      </a:dk2>
+      <a:lt2>
+        <a:srgbClr val="E8E8E8"/>
+      </a:lt2>
+      <a:accent1>
+        <a:srgbClr val="156082"/>
+      </a:accent1>
+      <a:accent2>
+        <a:srgbClr val="E97132"/>
+      </a:accent2>
+      <a:accent3>
+        <a:srgbClr val="196B24"/>
+      </a:accent3>
+      <a:accent4>
+        <a:srgbClr val="0F9ED5"/>
+      </a:accent4>
+      <a:accent5>
+        <a:srgbClr val="A02B93"/>
+      </a:accent5>
+      <a:accent6>
+        <a:srgbClr val="4EA72E"/>
+      </a:accent6>
+      <a:hlink>
+        <a:srgbClr val="467886"/>
+      </a:hlink>
+      <a:folHlink>
+        <a:srgbClr val="96607D"/>
+      </a:folHlink>
+    </a:clrScheme>
+    <a:fontScheme name="Office">
+      <a:majorFont>
+        <a:latin typeface="Aptos Display" panose="02110004020202020204"/>
+        <a:ea typeface=""/>
+        <a:cs typeface=""/>
+        <a:font script="Jpan" typeface="游ゴシック Light"/>
+        <a:font script="Hang" typeface="맑은 고딕"/>
+        <a:font script="Hans" typeface="等线 Light"/>
+        <a:font script="Hant" typeface="新細明體"/>
+        <a:font script="Arab" typeface="Times New Roman"/>
+        <a:font script="Hebr" typeface="Times New Roman"/>
+        <a:font script="Thai" typeface="Angsana New"/>
+        <a:font script="Ethi" typeface="Nyala"/>
+        <a:font script="Beng" typeface="Vrinda"/>
+        <a:font script="Gujr" typeface="Shruti"/>
+        <a:font script="Khmr" typeface="MoolBoran"/>
+        <a:font script="Knda" typeface="Tunga"/>
+        <a:font script="Guru" typeface="Raavi"/>
+        <a:font script="Cans" typeface="Euphemia"/>
+        <a:font script="Cher" typeface="Plantagenet Cherokee"/>
+        <a:font script="Yiii" typeface="Microsoft Yi Baiti"/>
+        <a:font script="Tibt" typeface="Microsoft Himalaya"/>
+        <a:font script="Thaa" typeface="MV Boli"/>
+        <a:font script="Deva" typeface="Mangal"/>
+        <a:font script="Telu" typeface="Gautami"/>
+        <a:font script="Taml" typeface="Latha"/>
+        <a:font script="Syrc" typeface="Estrangelo Edessa"/>
+        <a:font script="Orya" typeface="Kalinga"/>
+        <a:font script="Mlym" typeface="Kartika"/>
+        <a:font script="Laoo" typeface="DokChampa"/>
+        <a:font script="Sinh" typeface="Iskoola Pota"/>
+        <a:font script="Mong" typeface="Mongolian Baiti"/>
+        <a:font script="Viet" typeface="Times New Roman"/>
+        <a:font script="Uigh" typeface="Microsoft Uighur"/>
+        <a:font script="Geor" typeface="Sylfaen"/>
+        <a:font script="Armn" typeface="Arial"/>
+        <a:font script="Bugi" typeface="Leelawadee UI"/>
+        <a:font script="Bopo" typeface="Microsoft JhengHei"/>
+        <a:font script="Java" typeface="Javanese Text"/>
+        <a:font script="Lisu" typeface="Segoe UI"/>
+        <a:font script="Mymr" typeface="Myanmar Text"/>
+        <a:font script="Nkoo" typeface="Ebrima"/>
+        <a:font script="Olck" typeface="Nirmala UI"/>
+        <a:font script="Osma" typeface="Ebrima"/>
+        <a:font script="Phag" typeface="Phagspa"/>
+        <a:font script="Syrn" typeface="Estrangelo Edessa"/>
+        <a:font script="Syrj" typeface="Estrangelo Edessa"/>
+        <a:font script="Syre" typeface="Estrangelo Edessa"/>
+        <a:font script="Sora" typeface="Nirmala UI"/>
+        <a:font script="Tale" typeface="Microsoft Tai Le"/>
+        <a:font script="Talu" typeface="Microsoft New Tai Lue"/>
+        <a:font script="Tfng" typeface="Ebrima"/>
+      </a:majorFont>
+      <a:minorFont>
+        <a:latin typeface="Aptos" panose="02110004020202020204"/>
+        <a:ea typeface=""/>
+        <a:cs typeface=""/>
+        <a:font script="Jpan" typeface="游ゴシック"/>
+        <a:font script="Hang" typeface="맑은 고딕"/>
+        <a:font script="Hans" typeface="等线"/>
+        <a:font script="Hant" typeface="新細明體"/>
+        <a:font script="Arab" typeface="Arial"/>
+        <a:font script="Hebr" typeface="Arial"/>
+        <a:font script="Thai" typeface="Cordia New"/>
+        <a:font script="Ethi" typeface="Nyala"/>
+        <a:font script="Beng" typeface="Vrinda"/>
+        <a:font script="Gujr" typeface="Shruti"/>
+        <a:font script="Khmr" typeface="DaunPenh"/>
+        <a:font script="Knda" typeface="Tunga"/>
+        <a:font script="Guru" typeface="Raavi"/>
+        <a:font script="Cans" typeface="Euphemia"/>
+        <a:font script="Cher" typeface="Plantagenet Cherokee"/>
+        <a:font script="Yiii" typeface="Microsoft Yi Baiti"/>
+        <a:font script="Tibt" typeface="Microsoft Himalaya"/>
+        <a:font script="Thaa" typeface="MV Boli"/>
+        <a:font script="Deva" typeface="Mangal"/>
+        <a:font script="Telu" typeface="Gautami"/>
+        <a:font script="Taml" typeface="Latha"/>
+        <a:font script="Syrc" typeface="Estrangelo Edessa"/>
+        <a:font script="Orya" typeface="Kalinga"/>
+        <a:font script="Mlym" typeface="Kartika"/>
+        <a:font script="Laoo" typeface="DokChampa"/>
+        <a:font script="Sinh" typeface="Iskoola Pota"/>
+        <a:font script="Mong" typeface="Mongolian Baiti"/>
+        <a:font script="Viet" typeface="Arial"/>
+        <a:font script="Uigh" typeface="Microsoft Uighur"/>
+        <a:font script="Geor" typeface="Sylfaen"/>
+        <a:font script="Armn" typeface="Arial"/>
+        <a:font script="Bugi" typeface="Leelawadee UI"/>
+        <a:font script="Bopo" typeface="Microsoft JhengHei"/>
+        <a:font script="Java" typeface="Javanese Text"/>
+        <a:font script="Lisu" typeface="Segoe UI"/>
+        <a:font script="Mymr" typeface="Myanmar Text"/>
+        <a:font script="Nkoo" typeface="Ebrima"/>
+        <a:font script="Olck" typeface="Nirmala UI"/>
+        <a:font script="Osma" typeface="Ebrima"/>
+        <a:font script="Phag" typeface="Phagspa"/>
+        <a:font script="Syrn" typeface="Estrangelo Edessa"/>
+        <a:font script="Syrj" typeface="Estrangelo Edessa"/>
+        <a:font script="Syre" typeface="Estrangelo Edessa"/>
+        <a:font script="Sora" typeface="Nirmala UI"/>
+        <a:font script="Tale" typeface="Microsoft Tai Le"/>
+        <a:font script="Talu" typeface="Microsoft New Tai Lue"/>
+        <a:font script="Tfng" typeface="Ebrima"/>
+      </a:minorFont>
+    </a:fontScheme>
+    <a:fmtScheme name="Office">
+      <a:fillStyleLst>
+        <a:solidFill>
+          <a:schemeClr val="phClr"/>
+        </a:solidFill>
+        <a:gradFill rotWithShape="1">
+          <a:gsLst>
+            <a:gs pos="0">
+              <a:schemeClr val="phClr">
+                <a:lumMod val="110000"/>
+                <a:satMod val="105000"/>
+                <a:tint val="67000"/>
+              </a:schemeClr>
+            </a:gs>
+            <a:gs pos="50000">
+              <a:schemeClr val="phClr">
+                <a:lumMod val="105000"/>
+                <a:satMod val="103000"/>
+                <a:tint val="73000"/>
+              </a:schemeClr>
+            </a:gs>
+            <a:gs pos="100000">
+              <a:schemeClr val="phClr">
+                <a:lumMod val="105000"/>
+                <a:satMod val="109000"/>
+                <a:tint val="81000"/>
+              </a:schemeClr>
+            </a:gs>
+          </a:gsLst>
+          <a:lin ang="5400000" scaled="0"/>
+        </a:gradFill>
+        <a:gradFill rotWithShape="1">
+          <a:gsLst>
+            <a:gs pos="0">
+              <a:schemeClr val="phClr">
+                <a:satMod val="103000"/>
+                <a:lumMod val="102000"/>
+                <a:tint val="94000"/>
+              </a:schemeClr>
+            </a:gs>
+            <a:gs pos="50000">
+              <a:schemeClr val="phClr">
+                <a:satMod val="110000"/>
+                <a:lumMod val="100000"/>
+                <a:shade val="100000"/>
+              </a:schemeClr>
+            </a:gs>
+            <a:gs pos="100000">
+              <a:schemeClr val="phClr">
+                <a:lumMod val="99000"/>
+                <a:satMod val="120000"/>
+                <a:shade val="78000"/>
+              </a:schemeClr>
+            </a:gs>
+          </a:gsLst>
+          <a:lin ang="5400000" scaled="0"/>
+        </a:gradFill>
+      </a:fillStyleLst>
+      <a:lnStyleLst>
+        <a:ln w="12700" cap="flat" cmpd="sng" algn="ctr">
+          <a:solidFill>
+            <a:schemeClr val="phClr"/>
+          </a:solidFill>
+          <a:prstDash val="solid"/>
+          <a:miter lim="800000"/>
+        </a:ln>
+        <a:ln w="19050" cap="flat" cmpd="sng" algn="ctr">
+          <a:solidFill>
+            <a:schemeClr val="phClr"/>
+          </a:solidFill>
+          <a:prstDash val="solid"/>
+          <a:miter lim="800000"/>
+        </a:ln>
+        <a:ln w="25400" cap="flat" cmpd="sng" algn="ctr">
+          <a:solidFill>
+            <a:schemeClr val="phClr"/>
+          </a:solidFill>
+          <a:prstDash val="solid"/>
+          <a:miter lim="800000"/>
+        </a:ln>
+      </a:lnStyleLst>
+      <a:effectStyleLst>
+        <a:effectStyle>
+          <a:effectLst/>
+        </a:effectStyle>
+        <a:effectStyle>
+          <a:effectLst/>
+        </a:effectStyle>
+        <a:effectStyle>
+          <a:effectLst>
+            <a:outerShdw blurRad="57150" dist="19050" dir="5400000" algn="ctr" rotWithShape="0">
+              <a:srgbClr val="000000">
+                <a:alpha val="63000"/>
+              </a:srgbClr>
+            </a:outerShdw>
+          </a:effectLst>
+        </a:effectStyle>
+      </a:effectStyleLst>
+      <a:bgFillStyleLst>
+        <a:solidFill>
+          <a:schemeClr val="phClr"/>
+        </a:solidFill>
+        <a:solidFill>
+          <a:schemeClr val="phClr">
+            <a:tint val="95000"/>
+            <a:satMod val="170000"/>
+          </a:schemeClr>
+        </a:solidFill>
+        <a:gradFill rotWithShape="1">
+          <a:gsLst>
+            <a:gs pos="0">
+              <a:schemeClr val="phClr">
+                <a:tint val="93000"/>
+                <a:satMod val="150000"/>
+                <a:shade val="98000"/>
+                <a:lumMod val="102000"/>
+              </a:schemeClr>
+            </a:gs>
+            <a:gs pos="50000">
+              <a:schemeClr val="phClr">
+                <a:tint val="98000"/>
+                <a:satMod val="130000"/>
+                <a:shade val="90000"/>
+                <a:lumMod val="103000"/>
+              </a:schemeClr>
+            </a:gs>
+            <a:gs pos="100000">
+              <a:schemeClr val="phClr">
+                <a:shade val="63000"/>
+                <a:satMod val="120000"/>
+              </a:schemeClr>
+            </a:gs>
+          </a:gsLst>
+          <a:lin ang="5400000" scaled="0"/>
+        </a:gradFill>
+      </a:bgFillStyleLst>
+    </a:fmtScheme>
+  </a:themeElements>
+  <a:objectDefaults>
+    <a:lnDef>
+      <a:spPr/>
+      <a:bodyPr/>
+      <a:lstStyle/>
+      <a:style>
+        <a:lnRef idx="2">
+          <a:schemeClr val="accent1"/>
+        </a:lnRef>
+        <a:fillRef idx="0">
+          <a:schemeClr val="accent1"/>
+        </a:fillRef>
+        <a:effectRef idx="1">
+          <a:schemeClr val="accent1"/>
+        </a:effectRef>
+        <a:fontRef idx="minor">
+          <a:schemeClr val="tx1"/>
+        </a:fontRef>
+      </a:style>
+    </a:lnDef>
+  </a:objectDefaults>
+  <a:extraClrSchemeLst/>
+  <a:extLst>
+    <a:ext uri="{05A4C25C-085E-4340-85A3-A5531E510DB2}">
+      <thm15:themeFamily xmlns:thm15="http://schemas.microsoft.com/office/thememl/2012/main" name="Office Theme" id="{2E142A2C-CD16-42D6-873A-C26D2A0506FA}" vid="{1BDDFF52-6CD6-40A5-AB3C-68EB2F1E4D0A}"/>
+    </a:ext>
+  </a:extLst>
+</a:theme>
 </file>
--- a/Project Plan.pptx
+++ b/Project Plan.pptx
@@ -9,9 +9,9 @@
   </p:notesMasterIdLst>
   <p:sldIdLst>
     <p:sldId id="258" r:id="rId2"/>
-    <p:sldId id="260" r:id="rId3"/>
-    <p:sldId id="259" r:id="rId4"/>
-    <p:sldId id="261" r:id="rId5"/>
+    <p:sldId id="262" r:id="rId3"/>
+    <p:sldId id="263" r:id="rId4"/>
+    <p:sldId id="264" r:id="rId5"/>
   </p:sldIdLst>
   <p:sldSz cx="12192000" cy="6858000"/>
   <p:notesSz cx="6858000" cy="9144000"/>
@@ -542,6 +542,258 @@
     <p:extLst>
       <p:ext uri="{BB962C8B-B14F-4D97-AF65-F5344CB8AC3E}">
         <p14:creationId xmlns:p14="http://schemas.microsoft.com/office/powerpoint/2010/main" val="1711126044"/>
+      </p:ext>
+    </p:extLst>
+  </p:cSld>
+  <p:clrMapOvr>
+    <a:masterClrMapping/>
+  </p:clrMapOvr>
+</p:notes>
+</file>
+
+<file path=ppt/notesSlides/notesSlide2.xml><?xml version="1.0" encoding="utf-8"?>
+<p:notes xmlns:a="http://schemas.openxmlformats.org/drawingml/2006/main" xmlns:r="http://schemas.openxmlformats.org/officeDocument/2006/relationships" xmlns:p="http://schemas.openxmlformats.org/presentationml/2006/main">
+  <p:cSld>
+    <p:spTree>
+      <p:nvGrpSpPr>
+        <p:cNvPr id="1" name=""/>
+        <p:cNvGrpSpPr/>
+        <p:nvPr/>
+      </p:nvGrpSpPr>
+      <p:grpSpPr>
+        <a:xfrm>
+          <a:off x="0" y="0"/>
+          <a:ext cx="0" cy="0"/>
+          <a:chOff x="0" y="0"/>
+          <a:chExt cx="0" cy="0"/>
+        </a:xfrm>
+      </p:grpSpPr>
+      <p:sp>
+        <p:nvSpPr>
+          <p:cNvPr id="2" name="Slide Image Placeholder 1"/>
+          <p:cNvSpPr>
+            <a:spLocks noGrp="1" noRot="1" noChangeAspect="1"/>
+          </p:cNvSpPr>
+          <p:nvPr>
+            <p:ph type="sldImg"/>
+          </p:nvPr>
+        </p:nvSpPr>
+        <p:spPr/>
+      </p:sp>
+      <p:sp>
+        <p:nvSpPr>
+          <p:cNvPr id="3" name="Notes Placeholder 2"/>
+          <p:cNvSpPr>
+            <a:spLocks noGrp="1"/>
+          </p:cNvSpPr>
+          <p:nvPr>
+            <p:ph type="body" idx="1"/>
+          </p:nvPr>
+        </p:nvSpPr>
+        <p:spPr/>
+        <p:txBody>
+          <a:bodyPr/>
+          <a:lstStyle/>
+          <a:p>
+            <a:endParaRPr lang="en-US" dirty="0"/>
+          </a:p>
+        </p:txBody>
+      </p:sp>
+      <p:sp>
+        <p:nvSpPr>
+          <p:cNvPr id="4" name="Slide Number Placeholder 3"/>
+          <p:cNvSpPr>
+            <a:spLocks noGrp="1"/>
+          </p:cNvSpPr>
+          <p:nvPr>
+            <p:ph type="sldNum" sz="quarter" idx="5"/>
+          </p:nvPr>
+        </p:nvSpPr>
+        <p:spPr/>
+        <p:txBody>
+          <a:bodyPr/>
+          <a:lstStyle/>
+          <a:p>
+            <a:fld id="{96B747E4-B6D7-5749-B3A7-B9F1886B1750}" type="slidenum">
+              <a:rPr lang="en-US" smtClean="0"/>
+              <a:t>2</a:t>
+            </a:fld>
+            <a:endParaRPr lang="en-US"/>
+          </a:p>
+        </p:txBody>
+      </p:sp>
+    </p:spTree>
+    <p:extLst>
+      <p:ext uri="{BB962C8B-B14F-4D97-AF65-F5344CB8AC3E}">
+        <p14:creationId xmlns:p14="http://schemas.microsoft.com/office/powerpoint/2010/main" val="3270205491"/>
+      </p:ext>
+    </p:extLst>
+  </p:cSld>
+  <p:clrMapOvr>
+    <a:masterClrMapping/>
+  </p:clrMapOvr>
+</p:notes>
+</file>
+
+<file path=ppt/notesSlides/notesSlide3.xml><?xml version="1.0" encoding="utf-8"?>
+<p:notes xmlns:a="http://schemas.openxmlformats.org/drawingml/2006/main" xmlns:r="http://schemas.openxmlformats.org/officeDocument/2006/relationships" xmlns:p="http://schemas.openxmlformats.org/presentationml/2006/main">
+  <p:cSld>
+    <p:spTree>
+      <p:nvGrpSpPr>
+        <p:cNvPr id="1" name=""/>
+        <p:cNvGrpSpPr/>
+        <p:nvPr/>
+      </p:nvGrpSpPr>
+      <p:grpSpPr>
+        <a:xfrm>
+          <a:off x="0" y="0"/>
+          <a:ext cx="0" cy="0"/>
+          <a:chOff x="0" y="0"/>
+          <a:chExt cx="0" cy="0"/>
+        </a:xfrm>
+      </p:grpSpPr>
+      <p:sp>
+        <p:nvSpPr>
+          <p:cNvPr id="2" name="Slide Image Placeholder 1"/>
+          <p:cNvSpPr>
+            <a:spLocks noGrp="1" noRot="1" noChangeAspect="1"/>
+          </p:cNvSpPr>
+          <p:nvPr>
+            <p:ph type="sldImg"/>
+          </p:nvPr>
+        </p:nvSpPr>
+        <p:spPr/>
+      </p:sp>
+      <p:sp>
+        <p:nvSpPr>
+          <p:cNvPr id="3" name="Notes Placeholder 2"/>
+          <p:cNvSpPr>
+            <a:spLocks noGrp="1"/>
+          </p:cNvSpPr>
+          <p:nvPr>
+            <p:ph type="body" idx="1"/>
+          </p:nvPr>
+        </p:nvSpPr>
+        <p:spPr/>
+        <p:txBody>
+          <a:bodyPr/>
+          <a:lstStyle/>
+          <a:p>
+            <a:endParaRPr lang="en-US" dirty="0"/>
+          </a:p>
+        </p:txBody>
+      </p:sp>
+      <p:sp>
+        <p:nvSpPr>
+          <p:cNvPr id="4" name="Slide Number Placeholder 3"/>
+          <p:cNvSpPr>
+            <a:spLocks noGrp="1"/>
+          </p:cNvSpPr>
+          <p:nvPr>
+            <p:ph type="sldNum" sz="quarter" idx="5"/>
+          </p:nvPr>
+        </p:nvSpPr>
+        <p:spPr/>
+        <p:txBody>
+          <a:bodyPr/>
+          <a:lstStyle/>
+          <a:p>
+            <a:fld id="{96B747E4-B6D7-5749-B3A7-B9F1886B1750}" type="slidenum">
+              <a:rPr lang="en-US" smtClean="0"/>
+              <a:t>3</a:t>
+            </a:fld>
+            <a:endParaRPr lang="en-US"/>
+          </a:p>
+        </p:txBody>
+      </p:sp>
+    </p:spTree>
+    <p:extLst>
+      <p:ext uri="{BB962C8B-B14F-4D97-AF65-F5344CB8AC3E}">
+        <p14:creationId xmlns:p14="http://schemas.microsoft.com/office/powerpoint/2010/main" val="910857387"/>
+      </p:ext>
+    </p:extLst>
+  </p:cSld>
+  <p:clrMapOvr>
+    <a:masterClrMapping/>
+  </p:clrMapOvr>
+</p:notes>
+</file>
+
+<file path=ppt/notesSlides/notesSlide4.xml><?xml version="1.0" encoding="utf-8"?>
+<p:notes xmlns:a="http://schemas.openxmlformats.org/drawingml/2006/main" xmlns:r="http://schemas.openxmlformats.org/officeDocument/2006/relationships" xmlns:p="http://schemas.openxmlformats.org/presentationml/2006/main">
+  <p:cSld>
+    <p:spTree>
+      <p:nvGrpSpPr>
+        <p:cNvPr id="1" name=""/>
+        <p:cNvGrpSpPr/>
+        <p:nvPr/>
+      </p:nvGrpSpPr>
+      <p:grpSpPr>
+        <a:xfrm>
+          <a:off x="0" y="0"/>
+          <a:ext cx="0" cy="0"/>
+          <a:chOff x="0" y="0"/>
+          <a:chExt cx="0" cy="0"/>
+        </a:xfrm>
+      </p:grpSpPr>
+      <p:sp>
+        <p:nvSpPr>
+          <p:cNvPr id="2" name="Slide Image Placeholder 1"/>
+          <p:cNvSpPr>
+            <a:spLocks noGrp="1" noRot="1" noChangeAspect="1"/>
+          </p:cNvSpPr>
+          <p:nvPr>
+            <p:ph type="sldImg"/>
+          </p:nvPr>
+        </p:nvSpPr>
+        <p:spPr/>
+      </p:sp>
+      <p:sp>
+        <p:nvSpPr>
+          <p:cNvPr id="3" name="Notes Placeholder 2"/>
+          <p:cNvSpPr>
+            <a:spLocks noGrp="1"/>
+          </p:cNvSpPr>
+          <p:nvPr>
+            <p:ph type="body" idx="1"/>
+          </p:nvPr>
+        </p:nvSpPr>
+        <p:spPr/>
+        <p:txBody>
+          <a:bodyPr/>
+          <a:lstStyle/>
+          <a:p>
+            <a:endParaRPr lang="en-US" dirty="0"/>
+          </a:p>
+        </p:txBody>
+      </p:sp>
+      <p:sp>
+        <p:nvSpPr>
+          <p:cNvPr id="4" name="Slide Number Placeholder 3"/>
+          <p:cNvSpPr>
+            <a:spLocks noGrp="1"/>
+          </p:cNvSpPr>
+          <p:nvPr>
+            <p:ph type="sldNum" sz="quarter" idx="5"/>
+          </p:nvPr>
+        </p:nvSpPr>
+        <p:spPr/>
+        <p:txBody>
+          <a:bodyPr/>
+          <a:lstStyle/>
+          <a:p>
+            <a:fld id="{96B747E4-B6D7-5749-B3A7-B9F1886B1750}" type="slidenum">
+              <a:rPr lang="en-US" smtClean="0"/>
+              <a:t>4</a:t>
+            </a:fld>
+            <a:endParaRPr lang="en-US"/>
+          </a:p>
+        </p:txBody>
+      </p:sp>
+    </p:spTree>
+    <p:extLst>
+      <p:ext uri="{BB962C8B-B14F-4D97-AF65-F5344CB8AC3E}">
+        <p14:creationId xmlns:p14="http://schemas.microsoft.com/office/powerpoint/2010/main" val="4268546504"/>
       </p:ext>
     </p:extLst>
   </p:cSld>
@@ -3775,10 +4027,10 @@
       </p:grpSpPr>
       <p:sp useBgFill="1">
         <p:nvSpPr>
-          <p:cNvPr id="18" name="Rectangle 17">
-            <a:extLst>
-              <a:ext uri="{FF2B5EF4-FFF2-40B4-BE49-F238E27FC236}">
-                <a16:creationId xmlns:a16="http://schemas.microsoft.com/office/drawing/2014/main" id="{E3BF711F-F9A0-4EA4-B156-A79E9F362447}"/>
+          <p:cNvPr id="29" name="Rectangle 28">
+            <a:extLst>
+              <a:ext uri="{FF2B5EF4-FFF2-40B4-BE49-F238E27FC236}">
+                <a16:creationId xmlns:a16="http://schemas.microsoft.com/office/drawing/2014/main" id="{70155189-D96C-4527-B0EC-654B946BE615}"/>
               </a:ext>
               <a:ext uri="{C183D7F6-B498-43B3-948B-1728B52AA6E4}">
                 <adec:decorative xmlns:adec="http://schemas.microsoft.com/office/drawing/2017/decorative" val="1"/>
@@ -3798,8 +4050,8 @@
         </p:nvSpPr>
         <p:spPr>
           <a:xfrm>
-            <a:off x="0" y="0"/>
-            <a:ext cx="12191999" cy="6857365"/>
+            <a:off x="-1" y="0"/>
+            <a:ext cx="12188952" cy="6858000"/>
           </a:xfrm>
           <a:prstGeom prst="rect">
             <a:avLst/>
@@ -3833,237 +4085,22 @@
           </a:p>
         </p:txBody>
       </p:sp>
-      <p:grpSp>
-        <p:nvGrpSpPr>
-          <p:cNvPr id="20" name="Group 19">
-            <a:extLst>
-              <a:ext uri="{FF2B5EF4-FFF2-40B4-BE49-F238E27FC236}">
-                <a16:creationId xmlns:a16="http://schemas.microsoft.com/office/drawing/2014/main" id="{B83D307E-DF68-43F8-97CE-0AAE950A7129}"/>
-              </a:ext>
-              <a:ext uri="{C183D7F6-B498-43B3-948B-1728B52AA6E4}">
-                <adec:decorative xmlns:adec="http://schemas.microsoft.com/office/drawing/2017/decorative" val="1"/>
-              </a:ext>
-            </a:extLst>
-          </p:cNvPr>
-          <p:cNvGrpSpPr>
-            <a:grpSpLocks noGrp="1" noUngrp="1" noRot="1" noChangeAspect="1" noMove="1" noResize="1"/>
-          </p:cNvGrpSpPr>
-          <p:nvPr>
-            <p:extLst>
-              <p:ext uri="{386F3935-93C4-4BCD-93E2-E3B085C9AB24}">
-                <p16:designElem xmlns:p16="http://schemas.microsoft.com/office/powerpoint/2015/main" val="1"/>
-              </p:ext>
-            </p:extLst>
-          </p:nvPr>
-        </p:nvGrpSpPr>
-        <p:grpSpPr>
-          <a:xfrm>
-            <a:off x="2271255" y="-1"/>
-            <a:ext cx="7649490" cy="5728133"/>
-            <a:chOff x="329184" y="1"/>
-            <a:chExt cx="524256" cy="5728133"/>
-          </a:xfrm>
-        </p:grpSpPr>
-        <p:cxnSp>
-          <p:nvCxnSpPr>
-            <p:cNvPr id="21" name="Straight Connector 20">
-              <a:extLst>
-                <a:ext uri="{FF2B5EF4-FFF2-40B4-BE49-F238E27FC236}">
-                  <a16:creationId xmlns:a16="http://schemas.microsoft.com/office/drawing/2014/main" id="{5546E3D2-37BF-4528-9851-2B2F628234A2}"/>
-                </a:ext>
-                <a:ext uri="{C183D7F6-B498-43B3-948B-1728B52AA6E4}">
-                  <adec:decorative xmlns:adec="http://schemas.microsoft.com/office/drawing/2017/decorative" val="1"/>
-                </a:ext>
-              </a:extLst>
-            </p:cNvPr>
-            <p:cNvCxnSpPr>
-              <a:cxnSpLocks/>
-            </p:cNvCxnSpPr>
-            <p:nvPr>
-              <p:extLst>
-                <p:ext uri="{386F3935-93C4-4BCD-93E2-E3B085C9AB24}">
-                  <p16:designElem xmlns:p16="http://schemas.microsoft.com/office/powerpoint/2015/main" val="1"/>
-                </p:ext>
-              </p:extLst>
-            </p:nvPr>
-          </p:nvCxnSpPr>
-          <p:spPr>
-            <a:xfrm flipH="1">
-              <a:off x="329184" y="5728134"/>
-              <a:ext cx="523824" cy="0"/>
-            </a:xfrm>
-            <a:prstGeom prst="line">
-              <a:avLst/>
-            </a:prstGeom>
-            <a:ln w="152400">
-              <a:solidFill>
-                <a:schemeClr val="accent4"/>
-              </a:solidFill>
-            </a:ln>
-          </p:spPr>
-          <p:style>
-            <a:lnRef idx="1">
-              <a:schemeClr val="accent1"/>
-            </a:lnRef>
-            <a:fillRef idx="0">
-              <a:schemeClr val="accent1"/>
-            </a:fillRef>
-            <a:effectRef idx="0">
-              <a:schemeClr val="accent1"/>
-            </a:effectRef>
-            <a:fontRef idx="minor">
-              <a:schemeClr val="tx1"/>
-            </a:fontRef>
-          </p:style>
-        </p:cxnSp>
-        <p:sp>
-          <p:nvSpPr>
-            <p:cNvPr id="22" name="Rectangle 21">
-              <a:extLst>
-                <a:ext uri="{FF2B5EF4-FFF2-40B4-BE49-F238E27FC236}">
-                  <a16:creationId xmlns:a16="http://schemas.microsoft.com/office/drawing/2014/main" id="{752A0C69-DC4E-4FC0-843C-BAA27B3A5621}"/>
-                </a:ext>
-                <a:ext uri="{C183D7F6-B498-43B3-948B-1728B52AA6E4}">
-                  <adec:decorative xmlns:adec="http://schemas.microsoft.com/office/drawing/2017/decorative" val="1"/>
-                </a:ext>
-              </a:extLst>
-            </p:cNvPr>
-            <p:cNvSpPr/>
-            <p:nvPr>
-              <p:extLst>
-                <p:ext uri="{386F3935-93C4-4BCD-93E2-E3B085C9AB24}">
-                  <p16:designElem xmlns:p16="http://schemas.microsoft.com/office/powerpoint/2015/main" val="1"/>
-                </p:ext>
-              </p:extLst>
-            </p:nvPr>
-          </p:nvSpPr>
-          <p:spPr>
-            <a:xfrm>
-              <a:off x="329184" y="1"/>
-              <a:ext cx="524256" cy="5532119"/>
-            </a:xfrm>
-            <a:prstGeom prst="rect">
-              <a:avLst/>
-            </a:prstGeom>
-            <a:solidFill>
-              <a:schemeClr val="accent4"/>
-            </a:solidFill>
-            <a:ln>
-              <a:noFill/>
-            </a:ln>
-          </p:spPr>
-          <p:style>
-            <a:lnRef idx="2">
-              <a:schemeClr val="accent1">
-                <a:shade val="50000"/>
-              </a:schemeClr>
-            </a:lnRef>
-            <a:fillRef idx="1">
-              <a:schemeClr val="accent1"/>
-            </a:fillRef>
-            <a:effectRef idx="0">
-              <a:schemeClr val="accent1"/>
-            </a:effectRef>
-            <a:fontRef idx="minor">
-              <a:schemeClr val="lt1"/>
-            </a:fontRef>
-          </p:style>
-          <p:txBody>
-            <a:bodyPr rtlCol="0" anchor="ctr"/>
-            <a:lstStyle/>
-            <a:p>
-              <a:pPr algn="ctr"/>
-              <a:endParaRPr lang="en-US" dirty="0"/>
-            </a:p>
-          </p:txBody>
-        </p:sp>
-      </p:grpSp>
-      <p:sp>
-        <p:nvSpPr>
-          <p:cNvPr id="24" name="Rectangle 23">
-            <a:extLst>
-              <a:ext uri="{FF2B5EF4-FFF2-40B4-BE49-F238E27FC236}">
-                <a16:creationId xmlns:a16="http://schemas.microsoft.com/office/drawing/2014/main" id="{8ED94938-268E-4C0A-A08A-B3980C78BAEB}"/>
-              </a:ext>
-              <a:ext uri="{C183D7F6-B498-43B3-948B-1728B52AA6E4}">
-                <adec:decorative xmlns:adec="http://schemas.microsoft.com/office/drawing/2017/decorative" val="1"/>
-              </a:ext>
-            </a:extLst>
-          </p:cNvPr>
-          <p:cNvSpPr>
-            <a:spLocks noGrp="1" noRot="1" noChangeAspect="1" noMove="1" noResize="1" noEditPoints="1" noAdjustHandles="1" noChangeArrowheads="1" noChangeShapeType="1" noTextEdit="1"/>
-          </p:cNvSpPr>
-          <p:nvPr>
-            <p:extLst>
-              <p:ext uri="{386F3935-93C4-4BCD-93E2-E3B085C9AB24}">
-                <p16:designElem xmlns:p16="http://schemas.microsoft.com/office/powerpoint/2015/main" val="1"/>
-              </p:ext>
-            </p:extLst>
-          </p:nvPr>
+      <p:sp>
+        <p:nvSpPr>
+          <p:cNvPr id="7" name="TextBox 6">
+            <a:extLst>
+              <a:ext uri="{FF2B5EF4-FFF2-40B4-BE49-F238E27FC236}">
+                <a16:creationId xmlns:a16="http://schemas.microsoft.com/office/drawing/2014/main" id="{8B69B4D4-6C1C-224B-2608-1F7880E50E12}"/>
+              </a:ext>
+            </a:extLst>
+          </p:cNvPr>
+          <p:cNvSpPr txBox="1"/>
+          <p:nvPr/>
         </p:nvSpPr>
         <p:spPr>
           <a:xfrm>
-            <a:off x="596464" y="318045"/>
-            <a:ext cx="10999072" cy="5325139"/>
-          </a:xfrm>
-          <a:prstGeom prst="rect">
-            <a:avLst/>
-          </a:prstGeom>
-          <a:solidFill>
-            <a:schemeClr val="bg1"/>
-          </a:solidFill>
-          <a:ln>
-            <a:noFill/>
-          </a:ln>
-          <a:effectLst>
-            <a:outerShdw blurRad="139700" dist="127000" dir="5400000" algn="t" rotWithShape="0">
-              <a:prstClr val="black">
-                <a:alpha val="15000"/>
-              </a:prstClr>
-            </a:outerShdw>
-          </a:effectLst>
-        </p:spPr>
-        <p:style>
-          <a:lnRef idx="2">
-            <a:schemeClr val="accent1">
-              <a:shade val="50000"/>
-            </a:schemeClr>
-          </a:lnRef>
-          <a:fillRef idx="1">
-            <a:schemeClr val="accent1"/>
-          </a:fillRef>
-          <a:effectRef idx="0">
-            <a:schemeClr val="accent1"/>
-          </a:effectRef>
-          <a:fontRef idx="minor">
-            <a:schemeClr val="lt1"/>
-          </a:fontRef>
-        </p:style>
-        <p:txBody>
-          <a:bodyPr rtlCol="0" anchor="ctr"/>
-          <a:lstStyle/>
-          <a:p>
-            <a:pPr algn="ctr"/>
-            <a:endParaRPr lang="en-US"/>
-          </a:p>
-        </p:txBody>
-      </p:sp>
-      <p:sp>
-        <p:nvSpPr>
-          <p:cNvPr id="7" name="TextBox 6">
-            <a:extLst>
-              <a:ext uri="{FF2B5EF4-FFF2-40B4-BE49-F238E27FC236}">
-                <a16:creationId xmlns:a16="http://schemas.microsoft.com/office/drawing/2014/main" id="{8B69B4D4-6C1C-224B-2608-1F7880E50E12}"/>
-              </a:ext>
-            </a:extLst>
-          </p:cNvPr>
-          <p:cNvSpPr txBox="1"/>
-          <p:nvPr/>
-        </p:nvSpPr>
-        <p:spPr>
-          <a:xfrm>
-            <a:off x="337827" y="105429"/>
-            <a:ext cx="10071536" cy="929750"/>
+            <a:off x="1196656" y="0"/>
+            <a:ext cx="9795637" cy="1104857"/>
           </a:xfrm>
           <a:prstGeom prst="rect">
             <a:avLst/>
@@ -4075,7 +4112,7 @@
           </a:bodyPr>
           <a:lstStyle/>
           <a:p>
-            <a:pPr>
+            <a:pPr algn="ctr">
               <a:lnSpc>
                 <a:spcPct val="90000"/>
               </a:lnSpc>
@@ -4087,10 +4124,7 @@
               </a:spcAft>
             </a:pPr>
             <a:r>
-              <a:rPr lang="en-US" sz="5200" b="1" kern="1200" dirty="0">
-                <a:solidFill>
-                  <a:schemeClr val="tx1"/>
-                </a:solidFill>
+              <a:rPr lang="en-US" sz="5200" b="1" dirty="0">
                 <a:latin typeface="+mj-lt"/>
                 <a:ea typeface="+mj-ea"/>
                 <a:cs typeface="+mj-cs"/>
@@ -4102,10 +4136,10 @@
       </p:sp>
       <p:sp>
         <p:nvSpPr>
-          <p:cNvPr id="8" name="TextBox 7">
-            <a:extLst>
-              <a:ext uri="{FF2B5EF4-FFF2-40B4-BE49-F238E27FC236}">
-                <a16:creationId xmlns:a16="http://schemas.microsoft.com/office/drawing/2014/main" id="{533B66A2-46E7-7C37-E1F5-7D31E6D63BF3}"/>
+          <p:cNvPr id="4" name="TextBox 3">
+            <a:extLst>
+              <a:ext uri="{FF2B5EF4-FFF2-40B4-BE49-F238E27FC236}">
+                <a16:creationId xmlns:a16="http://schemas.microsoft.com/office/drawing/2014/main" id="{BE519DC1-505C-53A1-16A7-E75D7AFD781A}"/>
               </a:ext>
             </a:extLst>
           </p:cNvPr>
@@ -4114,16 +4148,16 @@
         </p:nvSpPr>
         <p:spPr>
           <a:xfrm>
-            <a:off x="-449113" y="4598900"/>
-            <a:ext cx="10071536" cy="448377"/>
+            <a:off x="2486991" y="932443"/>
+            <a:ext cx="7214968" cy="330300"/>
           </a:xfrm>
           <a:prstGeom prst="rect">
             <a:avLst/>
           </a:prstGeom>
         </p:spPr>
         <p:txBody>
-          <a:bodyPr vert="horz" lIns="91440" tIns="45720" rIns="91440" bIns="45720" rtlCol="0" anchor="t">
-            <a:noAutofit/>
+          <a:bodyPr vert="horz" lIns="91440" tIns="45720" rIns="91440" bIns="45720" rtlCol="0">
+            <a:normAutofit/>
           </a:bodyPr>
           <a:lstStyle/>
           <a:p>
@@ -4134,9 +4168,54 @@
               <a:spcBef>
                 <a:spcPts val="1000"/>
               </a:spcBef>
+              <a:spcAft>
+                <a:spcPts val="600"/>
+              </a:spcAft>
             </a:pPr>
             <a:r>
-              <a:rPr lang="en-US" b="1" kern="1200" dirty="0">
+              <a:rPr lang="en-US" sz="1700" dirty="0"/>
+              <a:t>Parris Burton  | Mamadou Diallo | Kathryn Davis | Tim McCarthy</a:t>
+            </a:r>
+          </a:p>
+        </p:txBody>
+      </p:sp>
+      <p:sp>
+        <p:nvSpPr>
+          <p:cNvPr id="8" name="TextBox 7">
+            <a:extLst>
+              <a:ext uri="{FF2B5EF4-FFF2-40B4-BE49-F238E27FC236}">
+                <a16:creationId xmlns:a16="http://schemas.microsoft.com/office/drawing/2014/main" id="{533B66A2-46E7-7C37-E1F5-7D31E6D63BF3}"/>
+              </a:ext>
+            </a:extLst>
+          </p:cNvPr>
+          <p:cNvSpPr txBox="1"/>
+          <p:nvPr/>
+        </p:nvSpPr>
+        <p:spPr>
+          <a:xfrm>
+            <a:off x="203674" y="1361402"/>
+            <a:ext cx="10071536" cy="1351796"/>
+          </a:xfrm>
+          <a:prstGeom prst="rect">
+            <a:avLst/>
+          </a:prstGeom>
+        </p:spPr>
+        <p:txBody>
+          <a:bodyPr vert="horz" lIns="91440" tIns="45720" rIns="91440" bIns="45720" rtlCol="0" anchor="t">
+            <a:noAutofit/>
+          </a:bodyPr>
+          <a:lstStyle/>
+          <a:p>
+            <a:pPr>
+              <a:lnSpc>
+                <a:spcPct val="90000"/>
+              </a:lnSpc>
+              <a:spcBef>
+                <a:spcPts val="1000"/>
+              </a:spcBef>
+            </a:pPr>
+            <a:r>
+              <a:rPr lang="en-US" sz="3600" b="1" kern="1200" dirty="0">
                 <a:solidFill>
                   <a:schemeClr val="tx1"/>
                 </a:solidFill>
@@ -4148,7 +4227,7 @@
             </a:r>
           </a:p>
           <a:p>
-            <a:pPr algn="ctr">
+            <a:pPr>
               <a:lnSpc>
                 <a:spcPct val="90000"/>
               </a:lnSpc>
@@ -4157,7 +4236,7 @@
               </a:spcBef>
             </a:pPr>
             <a:r>
-              <a:rPr lang="en-US" kern="1200" dirty="0">
+              <a:rPr lang="en-US" sz="2000" kern="1200" dirty="0">
                 <a:solidFill>
                   <a:schemeClr val="tx1"/>
                 </a:solidFill>
@@ -4172,10 +4251,10 @@
       </p:sp>
       <p:sp>
         <p:nvSpPr>
-          <p:cNvPr id="4" name="TextBox 3">
-            <a:extLst>
-              <a:ext uri="{FF2B5EF4-FFF2-40B4-BE49-F238E27FC236}">
-                <a16:creationId xmlns:a16="http://schemas.microsoft.com/office/drawing/2014/main" id="{BE519DC1-505C-53A1-16A7-E75D7AFD781A}"/>
+          <p:cNvPr id="9" name="TextBox 8">
+            <a:extLst>
+              <a:ext uri="{FF2B5EF4-FFF2-40B4-BE49-F238E27FC236}">
+                <a16:creationId xmlns:a16="http://schemas.microsoft.com/office/drawing/2014/main" id="{06814588-CB81-558D-8095-E184931389CA}"/>
               </a:ext>
             </a:extLst>
           </p:cNvPr>
@@ -4184,57 +4263,7 @@
         </p:nvSpPr>
         <p:spPr>
           <a:xfrm>
-            <a:off x="482741" y="880623"/>
-            <a:ext cx="8207829" cy="1059996"/>
-          </a:xfrm>
-          <a:prstGeom prst="rect">
-            <a:avLst/>
-          </a:prstGeom>
-        </p:spPr>
-        <p:txBody>
-          <a:bodyPr vert="horz" lIns="91440" tIns="45720" rIns="91440" bIns="45720" rtlCol="0" anchor="t">
-            <a:normAutofit/>
-          </a:bodyPr>
-          <a:lstStyle/>
-          <a:p>
-            <a:pPr>
-              <a:spcAft>
-                <a:spcPts val="600"/>
-              </a:spcAft>
-            </a:pPr>
-            <a:r>
-              <a:rPr lang="en-US" sz="3600" b="1" dirty="0"/>
-              <a:t>Team Members</a:t>
-            </a:r>
-          </a:p>
-          <a:p>
-            <a:pPr>
-              <a:spcAft>
-                <a:spcPts val="600"/>
-              </a:spcAft>
-            </a:pPr>
-            <a:r>
-              <a:rPr lang="en-US" sz="2000" dirty="0"/>
-              <a:t>Parris Burton  | Mamadou Diallo | Kathryn Davis | Daniel Ta | Tim McCarthy</a:t>
-            </a:r>
-          </a:p>
-        </p:txBody>
-      </p:sp>
-      <p:sp>
-        <p:nvSpPr>
-          <p:cNvPr id="9" name="TextBox 8">
-            <a:extLst>
-              <a:ext uri="{FF2B5EF4-FFF2-40B4-BE49-F238E27FC236}">
-                <a16:creationId xmlns:a16="http://schemas.microsoft.com/office/drawing/2014/main" id="{06814588-CB81-558D-8095-E184931389CA}"/>
-              </a:ext>
-            </a:extLst>
-          </p:cNvPr>
-          <p:cNvSpPr txBox="1"/>
-          <p:nvPr/>
-        </p:nvSpPr>
-        <p:spPr>
-          <a:xfrm>
-            <a:off x="482741" y="1839885"/>
+            <a:off x="203674" y="2867046"/>
             <a:ext cx="11549372" cy="2185214"/>
           </a:xfrm>
           <a:prstGeom prst="rect">
@@ -4270,13 +4299,14 @@
               <a:buChar char="•"/>
             </a:pPr>
             <a:r>
+              <a:rPr lang="en-US" sz="2000" dirty="0"/>
+              <a:t>Is there a signal between maternal and infant death rates? </a:t>
+            </a:r>
+            <a:r>
               <a:rPr lang="en-US" sz="2000" b="1" dirty="0"/>
-              <a:t>KD: </a:t>
-            </a:r>
-            <a:r>
-              <a:rPr lang="en-US" sz="2000" dirty="0"/>
-              <a:t>Is there a signal between maternal and infant death rates?</a:t>
-            </a:r>
+              <a:t>Kathryn Davis</a:t>
+            </a:r>
+            <a:endParaRPr lang="en-US" sz="2000" dirty="0"/>
           </a:p>
           <a:p>
             <a:pPr marL="285750" indent="-285750">
@@ -4287,13 +4317,14 @@
               <a:buChar char="•"/>
             </a:pPr>
             <a:r>
+              <a:rPr lang="en-US" sz="2000" dirty="0"/>
+              <a:t>What state has the highest and lowest infant mortality rate? </a:t>
+            </a:r>
+            <a:r>
               <a:rPr lang="en-US" sz="2000" b="1" dirty="0"/>
-              <a:t>PB: </a:t>
-            </a:r>
-            <a:r>
-              <a:rPr lang="en-US" sz="2000" dirty="0"/>
-              <a:t>What state has the highest and lowest infant mortality rate?</a:t>
-            </a:r>
+              <a:t>Parris Burton</a:t>
+            </a:r>
+            <a:endParaRPr lang="en-US" sz="2000" dirty="0"/>
           </a:p>
           <a:p>
             <a:pPr marL="285750" indent="-285750">
@@ -4309,8 +4340,13 @@
             </a:r>
             <a:r>
               <a:rPr lang="en-US" sz="2000" dirty="0"/>
-              <a:t>How does poverty rate affect the maternal mortality rate?</a:t>
-            </a:r>
+              <a:t>How does poverty rate affect the maternal mortality rate? </a:t>
+            </a:r>
+            <a:r>
+              <a:rPr lang="en-US" sz="2000" b="1" dirty="0"/>
+              <a:t>Tim McCarthy</a:t>
+            </a:r>
+            <a:endParaRPr lang="en-US" sz="2000" dirty="0"/>
           </a:p>
           <a:p>
             <a:pPr marL="285750" indent="-285750">
@@ -4326,8 +4362,17 @@
             </a:r>
             <a:r>
               <a:rPr lang="en-US" sz="2000" dirty="0"/>
-              <a:t>Does race factor into infant or maternal mortality rates?</a:t>
-            </a:r>
+              <a:t>Does race factor into infant or maternal mortality rates? </a:t>
+            </a:r>
+            <a:r>
+              <a:rPr lang="en-US" sz="2000" b="1" dirty="0"/>
+              <a:t>Mamadou </a:t>
+            </a:r>
+            <a:r>
+              <a:rPr lang="en-US" sz="2000" b="1" dirty="0" err="1"/>
+              <a:t>Dialli</a:t>
+            </a:r>
+            <a:endParaRPr lang="en-US" sz="2000" dirty="0"/>
           </a:p>
         </p:txBody>
       </p:sp>
@@ -4345,8 +4390,8 @@
         </p:nvSpPr>
         <p:spPr>
           <a:xfrm>
-            <a:off x="453488" y="5627913"/>
-            <a:ext cx="11433711" cy="1231106"/>
+            <a:off x="203674" y="5206108"/>
+            <a:ext cx="11433711" cy="1415772"/>
           </a:xfrm>
           <a:prstGeom prst="rect">
             <a:avLst/>
@@ -4368,10 +4413,9 @@
               </a:spcAft>
             </a:pPr>
             <a:r>
-              <a:rPr lang="en-US" sz="2400" b="1" dirty="0"/>
-              <a:t>Datasets to be used:</a:t>
-            </a:r>
-            <a:endParaRPr lang="en-US" sz="2400" b="1"/>
+              <a:rPr lang="en-US" sz="3600" b="1" dirty="0"/>
+              <a:t>Datasets used</a:t>
+            </a:r>
           </a:p>
           <a:p>
             <a:pPr marL="285750" indent="-285750">
@@ -4391,7 +4435,7 @@
               </a:rPr>
               <a:t>https://www.census.gov/data/developers/data-sets.html</a:t>
             </a:r>
-            <a:endParaRPr lang="en-US"/>
+            <a:endParaRPr lang="en-US" dirty="0"/>
           </a:p>
           <a:p>
             <a:pPr marL="285750" indent="-285750">
@@ -4421,7 +4465,7 @@
               </a:rPr>
               <a:t>https://open.cdc.gov/apis.html</a:t>
             </a:r>
-            <a:endParaRPr lang="en-US" sz="2000"/>
+            <a:endParaRPr lang="en-US" sz="2000" dirty="0"/>
           </a:p>
         </p:txBody>
       </p:sp>
@@ -4441,14 +4485,6 @@
 <file path=ppt/slides/slide2.xml><?xml version="1.0" encoding="utf-8"?>
 <p:sld xmlns:a="http://schemas.openxmlformats.org/drawingml/2006/main" xmlns:r="http://schemas.openxmlformats.org/officeDocument/2006/relationships" xmlns:p="http://schemas.openxmlformats.org/presentationml/2006/main">
   <p:cSld>
-    <p:bg>
-      <p:bgPr>
-        <a:solidFill>
-          <a:schemeClr val="bg1"/>
-        </a:solidFill>
-        <a:effectLst/>
-      </p:bgPr>
-    </p:bg>
     <p:spTree>
       <p:nvGrpSpPr>
         <p:cNvPr id="1" name=""/>
@@ -4465,95 +4501,32 @@
       </p:grpSpPr>
       <p:sp>
         <p:nvSpPr>
-          <p:cNvPr id="11" name="Flowchart: Document 10">
-            <a:extLst>
-              <a:ext uri="{FF2B5EF4-FFF2-40B4-BE49-F238E27FC236}">
-                <a16:creationId xmlns:a16="http://schemas.microsoft.com/office/drawing/2014/main" id="{D12DDE76-C203-4047-9998-63900085B5E8}"/>
-              </a:ext>
-              <a:ext uri="{C183D7F6-B498-43B3-948B-1728B52AA6E4}">
-                <adec:decorative xmlns:adec="http://schemas.microsoft.com/office/drawing/2017/decorative" val="1"/>
-              </a:ext>
-            </a:extLst>
-          </p:cNvPr>
-          <p:cNvSpPr>
-            <a:spLocks noGrp="1" noRot="1" noChangeAspect="1" noMove="1" noResize="1" noEditPoints="1" noAdjustHandles="1" noChangeArrowheads="1" noChangeShapeType="1" noTextEdit="1"/>
-          </p:cNvSpPr>
-          <p:nvPr>
-            <p:extLst>
-              <p:ext uri="{386F3935-93C4-4BCD-93E2-E3B085C9AB24}">
-                <p16:designElem xmlns:p16="http://schemas.microsoft.com/office/powerpoint/2015/main" val="1"/>
-              </p:ext>
-            </p:extLst>
-          </p:nvPr>
+          <p:cNvPr id="7" name="TextBox 6">
+            <a:extLst>
+              <a:ext uri="{FF2B5EF4-FFF2-40B4-BE49-F238E27FC236}">
+                <a16:creationId xmlns:a16="http://schemas.microsoft.com/office/drawing/2014/main" id="{8B69B4D4-6C1C-224B-2608-1F7880E50E12}"/>
+              </a:ext>
+            </a:extLst>
+          </p:cNvPr>
+          <p:cNvSpPr txBox="1"/>
+          <p:nvPr/>
         </p:nvSpPr>
         <p:spPr>
           <a:xfrm>
-            <a:off x="638175" y="0"/>
-            <a:ext cx="3248025" cy="3400426"/>
-          </a:xfrm>
-          <a:prstGeom prst="flowChartDocument">
-            <a:avLst/>
-          </a:prstGeom>
-          <a:solidFill>
-            <a:schemeClr val="accent1"/>
-          </a:solidFill>
-          <a:ln>
-            <a:noFill/>
-          </a:ln>
-        </p:spPr>
-        <p:style>
-          <a:lnRef idx="2">
-            <a:schemeClr val="accent1">
-              <a:shade val="50000"/>
-            </a:schemeClr>
-          </a:lnRef>
-          <a:fillRef idx="1">
-            <a:schemeClr val="accent1"/>
-          </a:fillRef>
-          <a:effectRef idx="0">
-            <a:schemeClr val="accent1"/>
-          </a:effectRef>
-          <a:fontRef idx="minor">
-            <a:schemeClr val="lt1"/>
-          </a:fontRef>
-        </p:style>
-        <p:txBody>
-          <a:bodyPr rtlCol="0" anchor="ctr"/>
-          <a:lstStyle/>
-          <a:p>
-            <a:pPr algn="ctr"/>
-            <a:endParaRPr lang="en-US"/>
-          </a:p>
-        </p:txBody>
-      </p:sp>
-      <p:sp>
-        <p:nvSpPr>
-          <p:cNvPr id="4" name="TextBox 3">
-            <a:extLst>
-              <a:ext uri="{FF2B5EF4-FFF2-40B4-BE49-F238E27FC236}">
-                <a16:creationId xmlns:a16="http://schemas.microsoft.com/office/drawing/2014/main" id="{BE519DC1-505C-53A1-16A7-E75D7AFD781A}"/>
-              </a:ext>
-            </a:extLst>
-          </p:cNvPr>
-          <p:cNvSpPr txBox="1"/>
-          <p:nvPr/>
-        </p:nvSpPr>
-        <p:spPr>
-          <a:xfrm>
-            <a:off x="838200" y="171162"/>
-            <a:ext cx="2840182" cy="2371148"/>
+            <a:off x="1196656" y="0"/>
+            <a:ext cx="9795637" cy="578646"/>
           </a:xfrm>
           <a:prstGeom prst="rect">
             <a:avLst/>
           </a:prstGeom>
         </p:spPr>
         <p:txBody>
-          <a:bodyPr vert="horz" lIns="91440" tIns="45720" rIns="91440" bIns="45720" rtlCol="0" anchor="t">
-            <a:normAutofit/>
+          <a:bodyPr vert="horz" lIns="91440" tIns="45720" rIns="91440" bIns="45720" rtlCol="0" anchor="b">
+            <a:normAutofit lnSpcReduction="10000"/>
           </a:bodyPr>
           <a:lstStyle/>
           <a:p>
-            <a:pPr>
+            <a:pPr algn="ctr">
               <a:lnSpc>
                 <a:spcPct val="90000"/>
               </a:lnSpc>
@@ -4565,10 +4538,7 @@
               </a:spcAft>
             </a:pPr>
             <a:r>
-              <a:rPr lang="en-US" sz="3200" b="1" kern="1200" dirty="0">
-                <a:solidFill>
-                  <a:srgbClr val="FFFFFF"/>
-                </a:solidFill>
+              <a:rPr lang="en-US" sz="3600" b="1" dirty="0">
                 <a:latin typeface="+mj-lt"/>
                 <a:ea typeface="+mj-ea"/>
                 <a:cs typeface="+mj-cs"/>
@@ -4578,12 +4548,131 @@
           </a:p>
         </p:txBody>
       </p:sp>
+      <p:sp>
+        <p:nvSpPr>
+          <p:cNvPr id="4" name="TextBox 3">
+            <a:extLst>
+              <a:ext uri="{FF2B5EF4-FFF2-40B4-BE49-F238E27FC236}">
+                <a16:creationId xmlns:a16="http://schemas.microsoft.com/office/drawing/2014/main" id="{BE519DC1-505C-53A1-16A7-E75D7AFD781A}"/>
+              </a:ext>
+            </a:extLst>
+          </p:cNvPr>
+          <p:cNvSpPr txBox="1"/>
+          <p:nvPr/>
+        </p:nvSpPr>
+        <p:spPr>
+          <a:xfrm>
+            <a:off x="2486990" y="500853"/>
+            <a:ext cx="7214968" cy="330300"/>
+          </a:xfrm>
+          <a:prstGeom prst="rect">
+            <a:avLst/>
+          </a:prstGeom>
+        </p:spPr>
+        <p:txBody>
+          <a:bodyPr vert="horz" lIns="91440" tIns="45720" rIns="91440" bIns="45720" rtlCol="0">
+            <a:normAutofit/>
+          </a:bodyPr>
+          <a:lstStyle/>
+          <a:p>
+            <a:pPr algn="ctr">
+              <a:lnSpc>
+                <a:spcPct val="90000"/>
+              </a:lnSpc>
+              <a:spcBef>
+                <a:spcPts val="1000"/>
+              </a:spcBef>
+              <a:spcAft>
+                <a:spcPts val="600"/>
+              </a:spcAft>
+            </a:pPr>
+            <a:r>
+              <a:rPr lang="en-US" sz="1700" dirty="0"/>
+              <a:t>Tim McCarthy</a:t>
+            </a:r>
+          </a:p>
+        </p:txBody>
+      </p:sp>
+      <p:sp>
+        <p:nvSpPr>
+          <p:cNvPr id="8" name="TextBox 7">
+            <a:extLst>
+              <a:ext uri="{FF2B5EF4-FFF2-40B4-BE49-F238E27FC236}">
+                <a16:creationId xmlns:a16="http://schemas.microsoft.com/office/drawing/2014/main" id="{533B66A2-46E7-7C37-E1F5-7D31E6D63BF3}"/>
+              </a:ext>
+            </a:extLst>
+          </p:cNvPr>
+          <p:cNvSpPr txBox="1"/>
+          <p:nvPr/>
+        </p:nvSpPr>
+        <p:spPr>
+          <a:xfrm>
+            <a:off x="6733338" y="831153"/>
+            <a:ext cx="5272730" cy="3866454"/>
+          </a:xfrm>
+          <a:prstGeom prst="rect">
+            <a:avLst/>
+          </a:prstGeom>
+        </p:spPr>
+        <p:txBody>
+          <a:bodyPr vert="horz" lIns="91440" tIns="45720" rIns="91440" bIns="45720" rtlCol="0" anchor="t">
+            <a:noAutofit/>
+          </a:bodyPr>
+          <a:lstStyle/>
+          <a:p>
+            <a:r>
+              <a:rPr lang="en-US" sz="2000" b="1" dirty="0"/>
+              <a:t>Overall Poverty Rate by Maternal Mortality Rate</a:t>
+            </a:r>
+          </a:p>
+          <a:p>
+            <a:r>
+              <a:rPr lang="en-US" sz="1600" dirty="0">
+                <a:solidFill>
+                  <a:schemeClr val="accent1"/>
+                </a:solidFill>
+              </a:rPr>
+              <a:t>State Averages</a:t>
+            </a:r>
+          </a:p>
+          <a:p>
+            <a:pPr marL="342900" indent="-342900">
+              <a:buFont typeface="Arial" panose="020B0604020202020204" pitchFamily="34" charset="0"/>
+              <a:buChar char="•"/>
+            </a:pPr>
+            <a:r>
+              <a:rPr lang="en-US" sz="2000" dirty="0"/>
+              <a:t>Using state averages for both poverty rate and maternal mortality rate during and after childbirth</a:t>
+            </a:r>
+          </a:p>
+          <a:p>
+            <a:pPr marL="342900" indent="-342900">
+              <a:buFont typeface="Arial" panose="020B0604020202020204" pitchFamily="34" charset="0"/>
+              <a:buChar char="•"/>
+            </a:pPr>
+            <a:r>
+              <a:rPr lang="en-US" sz="2000" dirty="0"/>
+              <a:t>It is clear that there is a direct correlation between the poverty rate in a state and the instances of maternal mortality.</a:t>
+            </a:r>
+          </a:p>
+          <a:p>
+            <a:pPr marL="342900" indent="-342900">
+              <a:buFont typeface="Arial" panose="020B0604020202020204" pitchFamily="34" charset="0"/>
+              <a:buChar char="•"/>
+            </a:pPr>
+            <a:r>
+              <a:rPr lang="en-US" sz="2000" dirty="0"/>
+              <a:t>R-squared is 0.54 showing a strong positive correlation between poverty rate and maternal mortality.</a:t>
+            </a:r>
+          </a:p>
+        </p:txBody>
+      </p:sp>
       <p:pic>
         <p:nvPicPr>
-          <p:cNvPr id="6" name="Picture 5">
-            <a:extLst>
-              <a:ext uri="{FF2B5EF4-FFF2-40B4-BE49-F238E27FC236}">
-                <a16:creationId xmlns:a16="http://schemas.microsoft.com/office/drawing/2014/main" id="{D197683D-5A6E-BC10-1AC1-2E911EC76130}"/>
+          <p:cNvPr id="2" name="Picture 1">
+            <a:extLst>
+              <a:ext uri="{FF2B5EF4-FFF2-40B4-BE49-F238E27FC236}">
+                <a16:creationId xmlns:a16="http://schemas.microsoft.com/office/drawing/2014/main" id="{74BFD89F-0D45-F85F-21CF-7E766DE4E8E1}"/>
               </a:ext>
             </a:extLst>
           </p:cNvPr>
@@ -4593,93 +4682,25 @@
           <p:nvPr/>
         </p:nvPicPr>
         <p:blipFill>
-          <a:blip r:embed="rId2"/>
+          <a:blip r:embed="rId3"/>
           <a:stretch>
             <a:fillRect/>
           </a:stretch>
         </p:blipFill>
         <p:spPr>
           <a:xfrm>
-            <a:off x="4114800" y="182880"/>
-            <a:ext cx="7347537" cy="4757530"/>
+            <a:off x="182880" y="822960"/>
+            <a:ext cx="6354904" cy="4114800"/>
           </a:xfrm>
           <a:prstGeom prst="rect">
             <a:avLst/>
           </a:prstGeom>
         </p:spPr>
       </p:pic>
-      <p:sp>
-        <p:nvSpPr>
-          <p:cNvPr id="2" name="TextBox 1">
-            <a:extLst>
-              <a:ext uri="{FF2B5EF4-FFF2-40B4-BE49-F238E27FC236}">
-                <a16:creationId xmlns:a16="http://schemas.microsoft.com/office/drawing/2014/main" id="{692F779D-C05E-A7C2-B188-E6ECA5D94EB4}"/>
-              </a:ext>
-            </a:extLst>
-          </p:cNvPr>
-          <p:cNvSpPr txBox="1"/>
-          <p:nvPr/>
-        </p:nvSpPr>
-        <p:spPr>
-          <a:xfrm>
-            <a:off x="275235" y="4928692"/>
-            <a:ext cx="11720822" cy="1785104"/>
-          </a:xfrm>
-          <a:prstGeom prst="rect">
-            <a:avLst/>
-          </a:prstGeom>
-          <a:noFill/>
-          <a:ln>
-            <a:noFill/>
-          </a:ln>
-        </p:spPr>
-        <p:txBody>
-          <a:bodyPr wrap="square" rtlCol="0">
-            <a:spAutoFit/>
-          </a:bodyPr>
-          <a:lstStyle/>
-          <a:p>
-            <a:r>
-              <a:rPr lang="en-US" sz="3600" b="1" dirty="0"/>
-              <a:t>Overall Poverty Rate by Maternal Mortality Rate</a:t>
-            </a:r>
-          </a:p>
-          <a:p>
-            <a:r>
-              <a:rPr lang="en-US" sz="1400" dirty="0">
-                <a:solidFill>
-                  <a:schemeClr val="accent1"/>
-                </a:solidFill>
-              </a:rPr>
-              <a:t>State Averages</a:t>
-            </a:r>
-          </a:p>
-          <a:p>
-            <a:pPr marL="342900" indent="-342900">
-              <a:buFont typeface="Arial" panose="020B0604020202020204" pitchFamily="34" charset="0"/>
-              <a:buChar char="•"/>
-            </a:pPr>
-            <a:r>
-              <a:rPr lang="en-US" sz="2000" dirty="0"/>
-              <a:t>Using state averages for both poverty rate and maternal mortality rate during and after childbirth</a:t>
-            </a:r>
-          </a:p>
-          <a:p>
-            <a:pPr marL="342900" indent="-342900">
-              <a:buFont typeface="Arial" panose="020B0604020202020204" pitchFamily="34" charset="0"/>
-              <a:buChar char="•"/>
-            </a:pPr>
-            <a:r>
-              <a:rPr lang="en-US" sz="2000" dirty="0"/>
-              <a:t>It is clear that there is a direct correlation between the poverty rate in a state and the instances of maternal mortality.</a:t>
-            </a:r>
-          </a:p>
-        </p:txBody>
-      </p:sp>
     </p:spTree>
     <p:extLst>
       <p:ext uri="{BB962C8B-B14F-4D97-AF65-F5344CB8AC3E}">
-        <p14:creationId xmlns:p14="http://schemas.microsoft.com/office/powerpoint/2010/main" val="1267958499"/>
+        <p14:creationId xmlns:p14="http://schemas.microsoft.com/office/powerpoint/2010/main" val="2992864077"/>
       </p:ext>
     </p:extLst>
   </p:cSld>
@@ -4692,14 +4713,6 @@
 <file path=ppt/slides/slide3.xml><?xml version="1.0" encoding="utf-8"?>
 <p:sld xmlns:a="http://schemas.openxmlformats.org/drawingml/2006/main" xmlns:r="http://schemas.openxmlformats.org/officeDocument/2006/relationships" xmlns:p="http://schemas.openxmlformats.org/presentationml/2006/main">
   <p:cSld>
-    <p:bg>
-      <p:bgPr>
-        <a:solidFill>
-          <a:schemeClr val="bg1"/>
-        </a:solidFill>
-        <a:effectLst/>
-      </p:bgPr>
-    </p:bg>
     <p:spTree>
       <p:nvGrpSpPr>
         <p:cNvPr id="1" name=""/>
@@ -4716,95 +4729,32 @@
       </p:grpSpPr>
       <p:sp>
         <p:nvSpPr>
-          <p:cNvPr id="11" name="Flowchart: Document 10">
-            <a:extLst>
-              <a:ext uri="{FF2B5EF4-FFF2-40B4-BE49-F238E27FC236}">
-                <a16:creationId xmlns:a16="http://schemas.microsoft.com/office/drawing/2014/main" id="{D12DDE76-C203-4047-9998-63900085B5E8}"/>
-              </a:ext>
-              <a:ext uri="{C183D7F6-B498-43B3-948B-1728B52AA6E4}">
-                <adec:decorative xmlns:adec="http://schemas.microsoft.com/office/drawing/2017/decorative" val="1"/>
-              </a:ext>
-            </a:extLst>
-          </p:cNvPr>
-          <p:cNvSpPr>
-            <a:spLocks noGrp="1" noRot="1" noChangeAspect="1" noMove="1" noResize="1" noEditPoints="1" noAdjustHandles="1" noChangeArrowheads="1" noChangeShapeType="1" noTextEdit="1"/>
-          </p:cNvSpPr>
-          <p:nvPr>
-            <p:extLst>
-              <p:ext uri="{386F3935-93C4-4BCD-93E2-E3B085C9AB24}">
-                <p16:designElem xmlns:p16="http://schemas.microsoft.com/office/powerpoint/2015/main" val="1"/>
-              </p:ext>
-            </p:extLst>
-          </p:nvPr>
+          <p:cNvPr id="7" name="TextBox 6">
+            <a:extLst>
+              <a:ext uri="{FF2B5EF4-FFF2-40B4-BE49-F238E27FC236}">
+                <a16:creationId xmlns:a16="http://schemas.microsoft.com/office/drawing/2014/main" id="{8B69B4D4-6C1C-224B-2608-1F7880E50E12}"/>
+              </a:ext>
+            </a:extLst>
+          </p:cNvPr>
+          <p:cNvSpPr txBox="1"/>
+          <p:nvPr/>
         </p:nvSpPr>
         <p:spPr>
           <a:xfrm>
-            <a:off x="638175" y="0"/>
-            <a:ext cx="3248025" cy="3400426"/>
-          </a:xfrm>
-          <a:prstGeom prst="flowChartDocument">
-            <a:avLst/>
-          </a:prstGeom>
-          <a:solidFill>
-            <a:schemeClr val="accent1"/>
-          </a:solidFill>
-          <a:ln>
-            <a:noFill/>
-          </a:ln>
-        </p:spPr>
-        <p:style>
-          <a:lnRef idx="2">
-            <a:schemeClr val="accent1">
-              <a:shade val="50000"/>
-            </a:schemeClr>
-          </a:lnRef>
-          <a:fillRef idx="1">
-            <a:schemeClr val="accent1"/>
-          </a:fillRef>
-          <a:effectRef idx="0">
-            <a:schemeClr val="accent1"/>
-          </a:effectRef>
-          <a:fontRef idx="minor">
-            <a:schemeClr val="lt1"/>
-          </a:fontRef>
-        </p:style>
-        <p:txBody>
-          <a:bodyPr rtlCol="0" anchor="ctr"/>
-          <a:lstStyle/>
-          <a:p>
-            <a:pPr algn="ctr"/>
-            <a:endParaRPr lang="en-US"/>
-          </a:p>
-        </p:txBody>
-      </p:sp>
-      <p:sp>
-        <p:nvSpPr>
-          <p:cNvPr id="4" name="TextBox 3">
-            <a:extLst>
-              <a:ext uri="{FF2B5EF4-FFF2-40B4-BE49-F238E27FC236}">
-                <a16:creationId xmlns:a16="http://schemas.microsoft.com/office/drawing/2014/main" id="{BE519DC1-505C-53A1-16A7-E75D7AFD781A}"/>
-              </a:ext>
-            </a:extLst>
-          </p:cNvPr>
-          <p:cNvSpPr txBox="1"/>
-          <p:nvPr/>
-        </p:nvSpPr>
-        <p:spPr>
-          <a:xfrm>
-            <a:off x="838200" y="171162"/>
-            <a:ext cx="2840182" cy="2371148"/>
+            <a:off x="1196656" y="0"/>
+            <a:ext cx="9795637" cy="578646"/>
           </a:xfrm>
           <a:prstGeom prst="rect">
             <a:avLst/>
           </a:prstGeom>
         </p:spPr>
         <p:txBody>
-          <a:bodyPr vert="horz" lIns="91440" tIns="45720" rIns="91440" bIns="45720" rtlCol="0" anchor="t">
-            <a:normAutofit/>
+          <a:bodyPr vert="horz" lIns="91440" tIns="45720" rIns="91440" bIns="45720" rtlCol="0" anchor="b">
+            <a:normAutofit lnSpcReduction="10000"/>
           </a:bodyPr>
           <a:lstStyle/>
           <a:p>
-            <a:pPr>
+            <a:pPr algn="ctr">
               <a:lnSpc>
                 <a:spcPct val="90000"/>
               </a:lnSpc>
@@ -4816,33 +4766,131 @@
               </a:spcAft>
             </a:pPr>
             <a:r>
-              <a:rPr lang="en-US" sz="3200" b="1" kern="1200">
-                <a:solidFill>
-                  <a:srgbClr val="FFFFFF"/>
-                </a:solidFill>
+              <a:rPr lang="en-US" sz="3600" b="1" dirty="0">
                 <a:latin typeface="+mj-lt"/>
                 <a:ea typeface="+mj-ea"/>
                 <a:cs typeface="+mj-cs"/>
               </a:rPr>
               <a:t>Socioeconomic Impact on Maternal Mortality</a:t>
             </a:r>
-            <a:endParaRPr lang="en-US" sz="3200" b="1" kern="1200" dirty="0">
-              <a:solidFill>
-                <a:srgbClr val="FFFFFF"/>
-              </a:solidFill>
-              <a:latin typeface="+mj-lt"/>
-              <a:ea typeface="+mj-ea"/>
-              <a:cs typeface="+mj-cs"/>
-            </a:endParaRPr>
+          </a:p>
+        </p:txBody>
+      </p:sp>
+      <p:sp>
+        <p:nvSpPr>
+          <p:cNvPr id="4" name="TextBox 3">
+            <a:extLst>
+              <a:ext uri="{FF2B5EF4-FFF2-40B4-BE49-F238E27FC236}">
+                <a16:creationId xmlns:a16="http://schemas.microsoft.com/office/drawing/2014/main" id="{BE519DC1-505C-53A1-16A7-E75D7AFD781A}"/>
+              </a:ext>
+            </a:extLst>
+          </p:cNvPr>
+          <p:cNvSpPr txBox="1"/>
+          <p:nvPr/>
+        </p:nvSpPr>
+        <p:spPr>
+          <a:xfrm>
+            <a:off x="2486990" y="500853"/>
+            <a:ext cx="7214968" cy="330300"/>
+          </a:xfrm>
+          <a:prstGeom prst="rect">
+            <a:avLst/>
+          </a:prstGeom>
+        </p:spPr>
+        <p:txBody>
+          <a:bodyPr vert="horz" lIns="91440" tIns="45720" rIns="91440" bIns="45720" rtlCol="0">
+            <a:normAutofit/>
+          </a:bodyPr>
+          <a:lstStyle/>
+          <a:p>
+            <a:pPr algn="ctr">
+              <a:lnSpc>
+                <a:spcPct val="90000"/>
+              </a:lnSpc>
+              <a:spcBef>
+                <a:spcPts val="1000"/>
+              </a:spcBef>
+              <a:spcAft>
+                <a:spcPts val="600"/>
+              </a:spcAft>
+            </a:pPr>
+            <a:r>
+              <a:rPr lang="en-US" sz="1700" dirty="0"/>
+              <a:t>Tim McCarthy</a:t>
+            </a:r>
+          </a:p>
+        </p:txBody>
+      </p:sp>
+      <p:sp>
+        <p:nvSpPr>
+          <p:cNvPr id="8" name="TextBox 7">
+            <a:extLst>
+              <a:ext uri="{FF2B5EF4-FFF2-40B4-BE49-F238E27FC236}">
+                <a16:creationId xmlns:a16="http://schemas.microsoft.com/office/drawing/2014/main" id="{533B66A2-46E7-7C37-E1F5-7D31E6D63BF3}"/>
+              </a:ext>
+            </a:extLst>
+          </p:cNvPr>
+          <p:cNvSpPr txBox="1"/>
+          <p:nvPr/>
+        </p:nvSpPr>
+        <p:spPr>
+          <a:xfrm>
+            <a:off x="6729984" y="832104"/>
+            <a:ext cx="5272730" cy="3866454"/>
+          </a:xfrm>
+          <a:prstGeom prst="rect">
+            <a:avLst/>
+          </a:prstGeom>
+        </p:spPr>
+        <p:txBody>
+          <a:bodyPr vert="horz" lIns="91440" tIns="45720" rIns="91440" bIns="45720" rtlCol="0" anchor="t">
+            <a:noAutofit/>
+          </a:bodyPr>
+          <a:lstStyle/>
+          <a:p>
+            <a:r>
+              <a:rPr lang="en-US" sz="2000" b="1" dirty="0"/>
+              <a:t>Comparison Between Poor and Rich States on Maternal Mortality</a:t>
+            </a:r>
+          </a:p>
+          <a:p>
+            <a:pPr marL="342900" indent="-342900">
+              <a:buFont typeface="Arial" panose="020B0604020202020204" pitchFamily="34" charset="0"/>
+              <a:buChar char="•"/>
+            </a:pPr>
+            <a:r>
+              <a:rPr lang="en-US" sz="2000" dirty="0"/>
+              <a:t>Combining the 25 poorer states with the 25 richer states, the mortality rate stands out even further.</a:t>
+            </a:r>
+          </a:p>
+          <a:p>
+            <a:pPr marL="342900" indent="-342900">
+              <a:buFont typeface="Arial" panose="020B0604020202020204" pitchFamily="34" charset="0"/>
+              <a:buChar char="•"/>
+            </a:pPr>
+            <a:r>
+              <a:rPr lang="en-US" sz="2000" dirty="0"/>
+              <a:t>Women in the poorer states are at a 65% higher risk of maternal death than women in richer states.</a:t>
+            </a:r>
+          </a:p>
+          <a:p>
+            <a:pPr marL="342900" indent="-342900">
+              <a:buFont typeface="Arial" panose="020B0604020202020204" pitchFamily="34" charset="0"/>
+              <a:buChar char="•"/>
+            </a:pPr>
+            <a:r>
+              <a:rPr lang="en-US" sz="2000" dirty="0"/>
+              <a:t>P-value is less than 0.05, so we can reject the null hypothesis and assume these samples are statistically significant</a:t>
+            </a:r>
           </a:p>
         </p:txBody>
       </p:sp>
       <p:pic>
         <p:nvPicPr>
-          <p:cNvPr id="2" name="Picture 1">
-            <a:extLst>
-              <a:ext uri="{FF2B5EF4-FFF2-40B4-BE49-F238E27FC236}">
-                <a16:creationId xmlns:a16="http://schemas.microsoft.com/office/drawing/2014/main" id="{E5853709-408A-D123-31FB-0C671C1F4C96}"/>
+          <p:cNvPr id="3" name="Picture 2">
+            <a:extLst>
+              <a:ext uri="{FF2B5EF4-FFF2-40B4-BE49-F238E27FC236}">
+                <a16:creationId xmlns:a16="http://schemas.microsoft.com/office/drawing/2014/main" id="{03A9FD03-B15E-91BB-A793-0290484B1E59}"/>
               </a:ext>
             </a:extLst>
           </p:cNvPr>
@@ -4852,94 +4900,25 @@
           <p:nvPr/>
         </p:nvPicPr>
         <p:blipFill>
-          <a:blip r:embed="rId2"/>
+          <a:blip r:embed="rId3"/>
           <a:stretch>
             <a:fillRect/>
           </a:stretch>
         </p:blipFill>
         <p:spPr>
           <a:xfrm>
-            <a:off x="4114800" y="182880"/>
-            <a:ext cx="7351775" cy="4749840"/>
+            <a:off x="182880" y="822960"/>
+            <a:ext cx="6368866" cy="4114800"/>
           </a:xfrm>
           <a:prstGeom prst="rect">
             <a:avLst/>
           </a:prstGeom>
         </p:spPr>
       </p:pic>
-      <p:sp>
-        <p:nvSpPr>
-          <p:cNvPr id="3" name="TextBox 2">
-            <a:extLst>
-              <a:ext uri="{FF2B5EF4-FFF2-40B4-BE49-F238E27FC236}">
-                <a16:creationId xmlns:a16="http://schemas.microsoft.com/office/drawing/2014/main" id="{BCD8BD97-3BDF-81F9-047B-277CDD43DE5E}"/>
-              </a:ext>
-            </a:extLst>
-          </p:cNvPr>
-          <p:cNvSpPr txBox="1"/>
-          <p:nvPr/>
-        </p:nvSpPr>
-        <p:spPr>
-          <a:xfrm>
-            <a:off x="275235" y="4928692"/>
-            <a:ext cx="11720822" cy="1877437"/>
-          </a:xfrm>
-          <a:prstGeom prst="rect">
-            <a:avLst/>
-          </a:prstGeom>
-          <a:noFill/>
-          <a:ln>
-            <a:noFill/>
-          </a:ln>
-        </p:spPr>
-        <p:txBody>
-          <a:bodyPr wrap="square" rtlCol="0">
-            <a:spAutoFit/>
-          </a:bodyPr>
-          <a:lstStyle/>
-          <a:p>
-            <a:r>
-              <a:rPr lang="en-US" sz="3600" b="1"/>
-              <a:t>Comparison by State Categorization</a:t>
-            </a:r>
-          </a:p>
-          <a:p>
-            <a:pPr marL="342900" indent="-342900">
-              <a:buFont typeface="Arial" panose="020B0604020202020204" pitchFamily="34" charset="0"/>
-              <a:buChar char="•"/>
-            </a:pPr>
-            <a:r>
-              <a:rPr lang="en-US" sz="2000"/>
-              <a:t>Combining the 25 poorer states with the 25 richer states, the mortality rate stands out even further.</a:t>
-            </a:r>
-          </a:p>
-          <a:p>
-            <a:pPr marL="342900" indent="-342900">
-              <a:buFont typeface="Arial" panose="020B0604020202020204" pitchFamily="34" charset="0"/>
-              <a:buChar char="•"/>
-            </a:pPr>
-            <a:r>
-              <a:rPr lang="en-US" sz="2000"/>
-              <a:t>Women in the poorer states are at a 65% higher risk of maternal death than women in richer states.</a:t>
-            </a:r>
-          </a:p>
-          <a:p>
-            <a:pPr marL="342900" indent="-342900">
-              <a:buFont typeface="Arial" panose="020B0604020202020204" pitchFamily="34" charset="0"/>
-              <a:buChar char="•"/>
-            </a:pPr>
-            <a:r>
-              <a:rPr lang="en-US" sz="2000"/>
-              <a:t>P-value is less than 0.05, so we can reject the null hypothesis and assume these samples are statistically significant</a:t>
-            </a:r>
-            <a:endParaRPr lang="en-US" sz="2000" dirty="0"/>
-          </a:p>
-        </p:txBody>
-      </p:sp>
     </p:spTree>
     <p:extLst>
       <p:ext uri="{BB962C8B-B14F-4D97-AF65-F5344CB8AC3E}">
-        <p14:creationId xmlns:p14="http://schemas.microsoft.com/office/powerpoint/2010/main" val="1398309435"/>
+        <p14:creationId xmlns:p14="http://schemas.microsoft.com/office/powerpoint/2010/main" val="1662853692"/>
       </p:ext>
     </p:extLst>
   </p:cSld>
@@ -4968,10 +4947,10 @@
       </p:grpSpPr>
       <p:sp>
         <p:nvSpPr>
-          <p:cNvPr id="4" name="TextBox 3">
-            <a:extLst>
-              <a:ext uri="{FF2B5EF4-FFF2-40B4-BE49-F238E27FC236}">
-                <a16:creationId xmlns:a16="http://schemas.microsoft.com/office/drawing/2014/main" id="{BE519DC1-505C-53A1-16A7-E75D7AFD781A}"/>
+          <p:cNvPr id="7" name="TextBox 6">
+            <a:extLst>
+              <a:ext uri="{FF2B5EF4-FFF2-40B4-BE49-F238E27FC236}">
+                <a16:creationId xmlns:a16="http://schemas.microsoft.com/office/drawing/2014/main" id="{8B69B4D4-6C1C-224B-2608-1F7880E50E12}"/>
               </a:ext>
             </a:extLst>
           </p:cNvPr>
@@ -4980,20 +4959,20 @@
         </p:nvSpPr>
         <p:spPr>
           <a:xfrm>
-            <a:off x="838200" y="171162"/>
-            <a:ext cx="2840182" cy="2371148"/>
+            <a:off x="1196656" y="0"/>
+            <a:ext cx="9795637" cy="578646"/>
           </a:xfrm>
           <a:prstGeom prst="rect">
             <a:avLst/>
           </a:prstGeom>
         </p:spPr>
         <p:txBody>
-          <a:bodyPr vert="horz" lIns="91440" tIns="45720" rIns="91440" bIns="45720" rtlCol="0" anchor="t">
-            <a:normAutofit/>
+          <a:bodyPr vert="horz" lIns="91440" tIns="45720" rIns="91440" bIns="45720" rtlCol="0" anchor="b">
+            <a:normAutofit lnSpcReduction="10000"/>
           </a:bodyPr>
           <a:lstStyle/>
           <a:p>
-            <a:pPr>
+            <a:pPr algn="ctr">
               <a:lnSpc>
                 <a:spcPct val="90000"/>
               </a:lnSpc>
@@ -5005,33 +4984,22 @@
               </a:spcAft>
             </a:pPr>
             <a:r>
-              <a:rPr lang="en-US" sz="3200" b="1" kern="1200">
-                <a:solidFill>
-                  <a:srgbClr val="FFFFFF"/>
-                </a:solidFill>
+              <a:rPr lang="en-US" sz="3600" b="1" dirty="0">
                 <a:latin typeface="+mj-lt"/>
                 <a:ea typeface="+mj-ea"/>
                 <a:cs typeface="+mj-cs"/>
               </a:rPr>
               <a:t>Socioeconomic Impact on Maternal Mortality</a:t>
             </a:r>
-            <a:endParaRPr lang="en-US" sz="3200" b="1" kern="1200" dirty="0">
-              <a:solidFill>
-                <a:srgbClr val="FFFFFF"/>
-              </a:solidFill>
-              <a:latin typeface="+mj-lt"/>
-              <a:ea typeface="+mj-ea"/>
-              <a:cs typeface="+mj-cs"/>
-            </a:endParaRPr>
-          </a:p>
-        </p:txBody>
-      </p:sp>
-      <p:sp>
-        <p:nvSpPr>
-          <p:cNvPr id="3" name="TextBox 2">
-            <a:extLst>
-              <a:ext uri="{FF2B5EF4-FFF2-40B4-BE49-F238E27FC236}">
-                <a16:creationId xmlns:a16="http://schemas.microsoft.com/office/drawing/2014/main" id="{BCD8BD97-3BDF-81F9-047B-277CDD43DE5E}"/>
+          </a:p>
+        </p:txBody>
+      </p:sp>
+      <p:sp>
+        <p:nvSpPr>
+          <p:cNvPr id="4" name="TextBox 3">
+            <a:extLst>
+              <a:ext uri="{FF2B5EF4-FFF2-40B4-BE49-F238E27FC236}">
+                <a16:creationId xmlns:a16="http://schemas.microsoft.com/office/drawing/2014/main" id="{BE519DC1-505C-53A1-16A7-E75D7AFD781A}"/>
               </a:ext>
             </a:extLst>
           </p:cNvPr>
@@ -5040,26 +5008,67 @@
         </p:nvSpPr>
         <p:spPr>
           <a:xfrm>
-            <a:off x="275235" y="4928692"/>
-            <a:ext cx="11720822" cy="1877437"/>
+            <a:off x="2486990" y="500853"/>
+            <a:ext cx="7214968" cy="330300"/>
           </a:xfrm>
           <a:prstGeom prst="rect">
             <a:avLst/>
           </a:prstGeom>
-          <a:noFill/>
-          <a:ln>
-            <a:noFill/>
-          </a:ln>
         </p:spPr>
         <p:txBody>
-          <a:bodyPr wrap="square" rtlCol="0">
-            <a:spAutoFit/>
+          <a:bodyPr vert="horz" lIns="91440" tIns="45720" rIns="91440" bIns="45720" rtlCol="0">
+            <a:normAutofit/>
           </a:bodyPr>
           <a:lstStyle/>
           <a:p>
-            <a:r>
-              <a:rPr lang="en-US" sz="3600" b="1" dirty="0"/>
-              <a:t>Comparison by Political Affiliation</a:t>
+            <a:pPr algn="ctr">
+              <a:lnSpc>
+                <a:spcPct val="90000"/>
+              </a:lnSpc>
+              <a:spcBef>
+                <a:spcPts val="1000"/>
+              </a:spcBef>
+              <a:spcAft>
+                <a:spcPts val="600"/>
+              </a:spcAft>
+            </a:pPr>
+            <a:r>
+              <a:rPr lang="en-US" sz="1700" dirty="0"/>
+              <a:t>Tim McCarthy</a:t>
+            </a:r>
+          </a:p>
+        </p:txBody>
+      </p:sp>
+      <p:sp>
+        <p:nvSpPr>
+          <p:cNvPr id="8" name="TextBox 7">
+            <a:extLst>
+              <a:ext uri="{FF2B5EF4-FFF2-40B4-BE49-F238E27FC236}">
+                <a16:creationId xmlns:a16="http://schemas.microsoft.com/office/drawing/2014/main" id="{533B66A2-46E7-7C37-E1F5-7D31E6D63BF3}"/>
+              </a:ext>
+            </a:extLst>
+          </p:cNvPr>
+          <p:cNvSpPr txBox="1"/>
+          <p:nvPr/>
+        </p:nvSpPr>
+        <p:spPr>
+          <a:xfrm>
+            <a:off x="6729984" y="832104"/>
+            <a:ext cx="5272730" cy="3866454"/>
+          </a:xfrm>
+          <a:prstGeom prst="rect">
+            <a:avLst/>
+          </a:prstGeom>
+        </p:spPr>
+        <p:txBody>
+          <a:bodyPr vert="horz" lIns="91440" tIns="45720" rIns="91440" bIns="45720" rtlCol="0" anchor="t">
+            <a:noAutofit/>
+          </a:bodyPr>
+          <a:lstStyle/>
+          <a:p>
+            <a:r>
+              <a:rPr lang="en-US" sz="2000" b="1" dirty="0"/>
+              <a:t>Comparison Between Red and Blue States on Maternal Mortality</a:t>
             </a:r>
           </a:p>
           <a:p>
@@ -5069,7 +5078,7 @@
             </a:pPr>
             <a:r>
               <a:rPr lang="en-US" sz="2000" dirty="0"/>
-              <a:t>Combining the 25 poorer states with the 25 richer states, the mortality rate stands out even further.</a:t>
+              <a:t>Using data from 2020 presidential election, data was split between Republican and Democratic states.</a:t>
             </a:r>
           </a:p>
           <a:p>
@@ -5079,7 +5088,7 @@
             </a:pPr>
             <a:r>
               <a:rPr lang="en-US" sz="2000" dirty="0"/>
-              <a:t>Women in the poorer states are at a 65% higher risk of maternal death than women in richer states.</a:t>
+              <a:t>Women in the poorer states are almost twice as at risk of maternal death than women in richer states.</a:t>
             </a:r>
           </a:p>
           <a:p>
@@ -5096,10 +5105,10 @@
       </p:sp>
       <p:pic>
         <p:nvPicPr>
-          <p:cNvPr id="7" name="Picture 6">
-            <a:extLst>
-              <a:ext uri="{FF2B5EF4-FFF2-40B4-BE49-F238E27FC236}">
-                <a16:creationId xmlns:a16="http://schemas.microsoft.com/office/drawing/2014/main" id="{2BF4F18A-C0AD-D388-2C84-8EA6073F3F20}"/>
+          <p:cNvPr id="2" name="Picture 1">
+            <a:extLst>
+              <a:ext uri="{FF2B5EF4-FFF2-40B4-BE49-F238E27FC236}">
+                <a16:creationId xmlns:a16="http://schemas.microsoft.com/office/drawing/2014/main" id="{A3451112-2AAE-1A28-658F-C820A6BB93D5}"/>
               </a:ext>
             </a:extLst>
           </p:cNvPr>
@@ -5109,15 +5118,15 @@
           <p:nvPr/>
         </p:nvPicPr>
         <p:blipFill>
-          <a:blip r:embed="rId2"/>
+          <a:blip r:embed="rId3"/>
           <a:stretch>
             <a:fillRect/>
           </a:stretch>
         </p:blipFill>
         <p:spPr>
           <a:xfrm>
-            <a:off x="4223657" y="51871"/>
-            <a:ext cx="7772400" cy="5030829"/>
+            <a:off x="182880" y="822960"/>
+            <a:ext cx="6357173" cy="4114800"/>
           </a:xfrm>
           <a:prstGeom prst="rect">
             <a:avLst/>
@@ -5127,7 +5136,7 @@
     </p:spTree>
     <p:extLst>
       <p:ext uri="{BB962C8B-B14F-4D97-AF65-F5344CB8AC3E}">
-        <p14:creationId xmlns:p14="http://schemas.microsoft.com/office/powerpoint/2010/main" val="3041274495"/>
+        <p14:creationId xmlns:p14="http://schemas.microsoft.com/office/powerpoint/2010/main" val="2744713906"/>
       </p:ext>
     </p:extLst>
   </p:cSld>

--- a/Project Plan.pptx
+++ b/Project Plan.pptx
@@ -5,13 +5,17 @@
     <p:sldMasterId id="2147483648" r:id="rId1"/>
   </p:sldMasterIdLst>
   <p:notesMasterIdLst>
-    <p:notesMasterId r:id="rId6"/>
+    <p:notesMasterId r:id="rId10"/>
   </p:notesMasterIdLst>
   <p:sldIdLst>
     <p:sldId id="258" r:id="rId2"/>
     <p:sldId id="262" r:id="rId3"/>
-    <p:sldId id="263" r:id="rId4"/>
-    <p:sldId id="264" r:id="rId5"/>
+    <p:sldId id="264" r:id="rId4"/>
+    <p:sldId id="267" r:id="rId5"/>
+    <p:sldId id="266" r:id="rId6"/>
+    <p:sldId id="265" r:id="rId7"/>
+    <p:sldId id="268" r:id="rId8"/>
+    <p:sldId id="269" r:id="rId9"/>
   </p:sldIdLst>
   <p:sldSz cx="12192000" cy="6858000"/>
   <p:notesSz cx="6858000" cy="9144000"/>
@@ -200,7 +204,7 @@
           <a:p>
             <a:fld id="{73FB3F6B-F9B7-8848-BF71-B742992BF3D4}" type="datetimeFigureOut">
               <a:rPr lang="en-US" smtClean="0"/>
-              <a:t>4/29/24</a:t>
+              <a:t>4/30/24</a:t>
             </a:fld>
             <a:endParaRPr lang="en-US"/>
           </a:p>
@@ -709,90 +713,6 @@
     </p:spTree>
     <p:extLst>
       <p:ext uri="{BB962C8B-B14F-4D97-AF65-F5344CB8AC3E}">
-        <p14:creationId xmlns:p14="http://schemas.microsoft.com/office/powerpoint/2010/main" val="910857387"/>
-      </p:ext>
-    </p:extLst>
-  </p:cSld>
-  <p:clrMapOvr>
-    <a:masterClrMapping/>
-  </p:clrMapOvr>
-</p:notes>
-</file>
-
-<file path=ppt/notesSlides/notesSlide4.xml><?xml version="1.0" encoding="utf-8"?>
-<p:notes xmlns:a="http://schemas.openxmlformats.org/drawingml/2006/main" xmlns:r="http://schemas.openxmlformats.org/officeDocument/2006/relationships" xmlns:p="http://schemas.openxmlformats.org/presentationml/2006/main">
-  <p:cSld>
-    <p:spTree>
-      <p:nvGrpSpPr>
-        <p:cNvPr id="1" name=""/>
-        <p:cNvGrpSpPr/>
-        <p:nvPr/>
-      </p:nvGrpSpPr>
-      <p:grpSpPr>
-        <a:xfrm>
-          <a:off x="0" y="0"/>
-          <a:ext cx="0" cy="0"/>
-          <a:chOff x="0" y="0"/>
-          <a:chExt cx="0" cy="0"/>
-        </a:xfrm>
-      </p:grpSpPr>
-      <p:sp>
-        <p:nvSpPr>
-          <p:cNvPr id="2" name="Slide Image Placeholder 1"/>
-          <p:cNvSpPr>
-            <a:spLocks noGrp="1" noRot="1" noChangeAspect="1"/>
-          </p:cNvSpPr>
-          <p:nvPr>
-            <p:ph type="sldImg"/>
-          </p:nvPr>
-        </p:nvSpPr>
-        <p:spPr/>
-      </p:sp>
-      <p:sp>
-        <p:nvSpPr>
-          <p:cNvPr id="3" name="Notes Placeholder 2"/>
-          <p:cNvSpPr>
-            <a:spLocks noGrp="1"/>
-          </p:cNvSpPr>
-          <p:nvPr>
-            <p:ph type="body" idx="1"/>
-          </p:nvPr>
-        </p:nvSpPr>
-        <p:spPr/>
-        <p:txBody>
-          <a:bodyPr/>
-          <a:lstStyle/>
-          <a:p>
-            <a:endParaRPr lang="en-US" dirty="0"/>
-          </a:p>
-        </p:txBody>
-      </p:sp>
-      <p:sp>
-        <p:nvSpPr>
-          <p:cNvPr id="4" name="Slide Number Placeholder 3"/>
-          <p:cNvSpPr>
-            <a:spLocks noGrp="1"/>
-          </p:cNvSpPr>
-          <p:nvPr>
-            <p:ph type="sldNum" sz="quarter" idx="5"/>
-          </p:nvPr>
-        </p:nvSpPr>
-        <p:spPr/>
-        <p:txBody>
-          <a:bodyPr/>
-          <a:lstStyle/>
-          <a:p>
-            <a:fld id="{96B747E4-B6D7-5749-B3A7-B9F1886B1750}" type="slidenum">
-              <a:rPr lang="en-US" smtClean="0"/>
-              <a:t>4</a:t>
-            </a:fld>
-            <a:endParaRPr lang="en-US"/>
-          </a:p>
-        </p:txBody>
-      </p:sp>
-    </p:spTree>
-    <p:extLst>
-      <p:ext uri="{BB962C8B-B14F-4D97-AF65-F5344CB8AC3E}">
         <p14:creationId xmlns:p14="http://schemas.microsoft.com/office/powerpoint/2010/main" val="4268546504"/>
       </p:ext>
     </p:extLst>
@@ -950,7 +870,7 @@
           <a:p>
             <a:fld id="{C489B705-0248-9E46-860A-50B4DD7CC42B}" type="datetimeFigureOut">
               <a:rPr lang="en-US" smtClean="0"/>
-              <a:t>4/29/24</a:t>
+              <a:t>4/30/24</a:t>
             </a:fld>
             <a:endParaRPr lang="en-US"/>
           </a:p>
@@ -1148,7 +1068,7 @@
           <a:p>
             <a:fld id="{C489B705-0248-9E46-860A-50B4DD7CC42B}" type="datetimeFigureOut">
               <a:rPr lang="en-US" smtClean="0"/>
-              <a:t>4/29/24</a:t>
+              <a:t>4/30/24</a:t>
             </a:fld>
             <a:endParaRPr lang="en-US"/>
           </a:p>
@@ -1356,7 +1276,7 @@
           <a:p>
             <a:fld id="{C489B705-0248-9E46-860A-50B4DD7CC42B}" type="datetimeFigureOut">
               <a:rPr lang="en-US" smtClean="0"/>
-              <a:t>4/29/24</a:t>
+              <a:t>4/30/24</a:t>
             </a:fld>
             <a:endParaRPr lang="en-US"/>
           </a:p>
@@ -1554,7 +1474,7 @@
           <a:p>
             <a:fld id="{C489B705-0248-9E46-860A-50B4DD7CC42B}" type="datetimeFigureOut">
               <a:rPr lang="en-US" smtClean="0"/>
-              <a:t>4/29/24</a:t>
+              <a:t>4/30/24</a:t>
             </a:fld>
             <a:endParaRPr lang="en-US"/>
           </a:p>
@@ -1829,7 +1749,7 @@
           <a:p>
             <a:fld id="{C489B705-0248-9E46-860A-50B4DD7CC42B}" type="datetimeFigureOut">
               <a:rPr lang="en-US" smtClean="0"/>
-              <a:t>4/29/24</a:t>
+              <a:t>4/30/24</a:t>
             </a:fld>
             <a:endParaRPr lang="en-US"/>
           </a:p>
@@ -2094,7 +2014,7 @@
           <a:p>
             <a:fld id="{C489B705-0248-9E46-860A-50B4DD7CC42B}" type="datetimeFigureOut">
               <a:rPr lang="en-US" smtClean="0"/>
-              <a:t>4/29/24</a:t>
+              <a:t>4/30/24</a:t>
             </a:fld>
             <a:endParaRPr lang="en-US"/>
           </a:p>
@@ -2506,7 +2426,7 @@
           <a:p>
             <a:fld id="{C489B705-0248-9E46-860A-50B4DD7CC42B}" type="datetimeFigureOut">
               <a:rPr lang="en-US" smtClean="0"/>
-              <a:t>4/29/24</a:t>
+              <a:t>4/30/24</a:t>
             </a:fld>
             <a:endParaRPr lang="en-US"/>
           </a:p>
@@ -2647,7 +2567,7 @@
           <a:p>
             <a:fld id="{C489B705-0248-9E46-860A-50B4DD7CC42B}" type="datetimeFigureOut">
               <a:rPr lang="en-US" smtClean="0"/>
-              <a:t>4/29/24</a:t>
+              <a:t>4/30/24</a:t>
             </a:fld>
             <a:endParaRPr lang="en-US"/>
           </a:p>
@@ -2760,7 +2680,7 @@
           <a:p>
             <a:fld id="{C489B705-0248-9E46-860A-50B4DD7CC42B}" type="datetimeFigureOut">
               <a:rPr lang="en-US" smtClean="0"/>
-              <a:t>4/29/24</a:t>
+              <a:t>4/30/24</a:t>
             </a:fld>
             <a:endParaRPr lang="en-US"/>
           </a:p>
@@ -3071,7 +2991,7 @@
           <a:p>
             <a:fld id="{C489B705-0248-9E46-860A-50B4DD7CC42B}" type="datetimeFigureOut">
               <a:rPr lang="en-US" smtClean="0"/>
-              <a:t>4/29/24</a:t>
+              <a:t>4/30/24</a:t>
             </a:fld>
             <a:endParaRPr lang="en-US"/>
           </a:p>
@@ -3359,7 +3279,7 @@
           <a:p>
             <a:fld id="{C489B705-0248-9E46-860A-50B4DD7CC42B}" type="datetimeFigureOut">
               <a:rPr lang="en-US" smtClean="0"/>
-              <a:t>4/29/24</a:t>
+              <a:t>4/30/24</a:t>
             </a:fld>
             <a:endParaRPr lang="en-US"/>
           </a:p>
@@ -3600,7 +3520,7 @@
           <a:p>
             <a:fld id="{C489B705-0248-9E46-860A-50B4DD7CC42B}" type="datetimeFigureOut">
               <a:rPr lang="en-US" smtClean="0"/>
-              <a:t>4/29/24</a:t>
+              <a:t>4/30/24</a:t>
             </a:fld>
             <a:endParaRPr lang="en-US"/>
           </a:p>
@@ -4300,13 +4220,12 @@
             </a:pPr>
             <a:r>
               <a:rPr lang="en-US" sz="2000" dirty="0"/>
-              <a:t>Is there a signal between maternal and infant death rates? </a:t>
+              <a:t>How does poverty rate affect the maternal mortality rate? </a:t>
             </a:r>
             <a:r>
               <a:rPr lang="en-US" sz="2000" b="1" dirty="0"/>
-              <a:t>Kathryn Davis</a:t>
-            </a:r>
-            <a:endParaRPr lang="en-US" sz="2000" dirty="0"/>
+              <a:t>Tim McCarthy</a:t>
+            </a:r>
           </a:p>
           <a:p>
             <a:pPr marL="285750" indent="-285750">
@@ -4335,16 +4254,12 @@
               <a:buChar char="•"/>
             </a:pPr>
             <a:r>
+              <a:rPr lang="en-US" sz="2000" dirty="0"/>
+              <a:t>Is there a correlation between infant and maternal mortality rates? </a:t>
+            </a:r>
+            <a:r>
               <a:rPr lang="en-US" sz="2000" b="1" dirty="0"/>
-              <a:t>TM: </a:t>
-            </a:r>
-            <a:r>
-              <a:rPr lang="en-US" sz="2000" dirty="0"/>
-              <a:t>How does poverty rate affect the maternal mortality rate? </a:t>
-            </a:r>
-            <a:r>
-              <a:rPr lang="en-US" sz="2000" b="1" dirty="0"/>
-              <a:t>Tim McCarthy</a:t>
+              <a:t>Kathryn Davis</a:t>
             </a:r>
             <a:endParaRPr lang="en-US" sz="2000" dirty="0"/>
           </a:p>
@@ -4357,12 +4272,8 @@
               <a:buChar char="•"/>
             </a:pPr>
             <a:r>
-              <a:rPr lang="en-US" sz="2000" b="1" dirty="0"/>
-              <a:t>MD: </a:t>
-            </a:r>
-            <a:r>
               <a:rPr lang="en-US" sz="2000" dirty="0"/>
-              <a:t>Does race factor into infant or maternal mortality rates? </a:t>
+              <a:t>Does race factor into maternal mortality rates? </a:t>
             </a:r>
             <a:r>
               <a:rPr lang="en-US" sz="2000" b="1" dirty="0"/>
@@ -4587,7 +4498,13 @@
               </a:spcAft>
             </a:pPr>
             <a:r>
-              <a:rPr lang="en-US" sz="1700" dirty="0"/>
+              <a:rPr lang="en-US" sz="1700" dirty="0">
+                <a:solidFill>
+                  <a:schemeClr val="accent1">
+                    <a:lumMod val="75000"/>
+                  </a:schemeClr>
+                </a:solidFill>
+              </a:rPr>
               <a:t>Tim McCarthy</a:t>
             </a:r>
           </a:p>
@@ -4607,8 +4524,8 @@
         </p:nvSpPr>
         <p:spPr>
           <a:xfrm>
-            <a:off x="6733338" y="831153"/>
-            <a:ext cx="5272730" cy="3866454"/>
+            <a:off x="182880" y="4644352"/>
+            <a:ext cx="12006068" cy="2213648"/>
           </a:xfrm>
           <a:prstGeom prst="rect">
             <a:avLst/>
@@ -4626,16 +4543,6 @@
             </a:r>
           </a:p>
           <a:p>
-            <a:r>
-              <a:rPr lang="en-US" sz="1600" dirty="0">
-                <a:solidFill>
-                  <a:schemeClr val="accent1"/>
-                </a:solidFill>
-              </a:rPr>
-              <a:t>State Averages</a:t>
-            </a:r>
-          </a:p>
-          <a:p>
             <a:pPr marL="342900" indent="-342900">
               <a:buFont typeface="Arial" panose="020B0604020202020204" pitchFamily="34" charset="0"/>
               <a:buChar char="•"/>
@@ -4663,6 +4570,16 @@
             <a:r>
               <a:rPr lang="en-US" sz="2000" dirty="0"/>
               <a:t>R-squared is 0.54 showing a strong positive correlation between poverty rate and maternal mortality.</a:t>
+            </a:r>
+          </a:p>
+          <a:p>
+            <a:pPr marL="342900" indent="-342900">
+              <a:buFont typeface="Arial" panose="020B0604020202020204" pitchFamily="34" charset="0"/>
+              <a:buChar char="•"/>
+            </a:pPr>
+            <a:r>
+              <a:rPr lang="en-US" sz="2000" dirty="0"/>
+              <a:t>When states are binned into rich and poor, women show a 65% higher rate of maternal mortality in poor states than they do in richer states.</a:t>
             </a:r>
           </a:p>
         </p:txBody>
@@ -4690,7 +4607,37 @@
         <p:spPr>
           <a:xfrm>
             <a:off x="182880" y="822960"/>
-            <a:ext cx="6354904" cy="4114800"/>
+            <a:ext cx="5931244" cy="3840480"/>
+          </a:xfrm>
+          <a:prstGeom prst="rect">
+            <a:avLst/>
+          </a:prstGeom>
+        </p:spPr>
+      </p:pic>
+      <p:pic>
+        <p:nvPicPr>
+          <p:cNvPr id="3" name="Picture 2">
+            <a:extLst>
+              <a:ext uri="{FF2B5EF4-FFF2-40B4-BE49-F238E27FC236}">
+                <a16:creationId xmlns:a16="http://schemas.microsoft.com/office/drawing/2014/main" id="{A3B973FE-39F5-3589-11C4-6BFA82E0C3AA}"/>
+              </a:ext>
+            </a:extLst>
+          </p:cNvPr>
+          <p:cNvPicPr>
+            <a:picLocks noChangeAspect="1"/>
+          </p:cNvPicPr>
+          <p:nvPr/>
+        </p:nvPicPr>
+        <p:blipFill>
+          <a:blip r:embed="rId4"/>
+          <a:stretch>
+            <a:fillRect/>
+          </a:stretch>
+        </p:blipFill>
+        <p:spPr>
+          <a:xfrm>
+            <a:off x="6126480" y="822960"/>
+            <a:ext cx="5944276" cy="3840480"/>
           </a:xfrm>
           <a:prstGeom prst="rect">
             <a:avLst/>
@@ -4771,7 +4718,7 @@
                 <a:ea typeface="+mj-ea"/>
                 <a:cs typeface="+mj-cs"/>
               </a:rPr>
-              <a:t>Socioeconomic Impact on Maternal Mortality</a:t>
+              <a:t>Additional Insights into Maternal Mortality</a:t>
             </a:r>
           </a:p>
         </p:txBody>
@@ -4815,7 +4762,13 @@
               </a:spcAft>
             </a:pPr>
             <a:r>
-              <a:rPr lang="en-US" sz="1700" dirty="0"/>
+              <a:rPr lang="en-US" sz="1700" dirty="0">
+                <a:solidFill>
+                  <a:schemeClr val="accent1">
+                    <a:lumMod val="75000"/>
+                  </a:schemeClr>
+                </a:solidFill>
+              </a:rPr>
               <a:t>Tim McCarthy</a:t>
             </a:r>
           </a:p>
@@ -4835,8 +4788,8 @@
         </p:nvSpPr>
         <p:spPr>
           <a:xfrm>
-            <a:off x="6729984" y="832104"/>
-            <a:ext cx="5272730" cy="3866454"/>
+            <a:off x="125123" y="4789954"/>
+            <a:ext cx="12002714" cy="1940630"/>
           </a:xfrm>
           <a:prstGeom prst="rect">
             <a:avLst/>
@@ -4850,7 +4803,7 @@
           <a:p>
             <a:r>
               <a:rPr lang="en-US" sz="2000" b="1" dirty="0"/>
-              <a:t>Comparison Between Poor and Rich States on Maternal Mortality</a:t>
+              <a:t>Comparison Between Red and Blue States on Maternal Mortality</a:t>
             </a:r>
           </a:p>
           <a:p>
@@ -4860,7 +4813,7 @@
             </a:pPr>
             <a:r>
               <a:rPr lang="en-US" sz="2000" dirty="0"/>
-              <a:t>Combining the 25 poorer states with the 25 richer states, the mortality rate stands out even further.</a:t>
+              <a:t>Using data from 2020 presidential election, data was split between Republican and Democratic states.</a:t>
             </a:r>
           </a:p>
           <a:p>
@@ -4870,7 +4823,7 @@
             </a:pPr>
             <a:r>
               <a:rPr lang="en-US" sz="2000" dirty="0"/>
-              <a:t>Women in the poorer states are at a 65% higher risk of maternal death than women in richer states.</a:t>
+              <a:t>Women in the poorer states are almost twice as at risk of maternal death than women in richer states.</a:t>
             </a:r>
           </a:p>
           <a:p>
@@ -4880,17 +4833,27 @@
             </a:pPr>
             <a:r>
               <a:rPr lang="en-US" sz="2000" dirty="0"/>
-              <a:t>P-value is less than 0.05, so we can reject the null hypothesis and assume these samples are statistically significant</a:t>
+              <a:t>P-value is less than 0.05, so we can reject the null hypothesis and assume these samples are statistically significant.</a:t>
+            </a:r>
+          </a:p>
+          <a:p>
+            <a:pPr marL="342900" indent="-342900">
+              <a:buFont typeface="Arial" panose="020B0604020202020204" pitchFamily="34" charset="0"/>
+              <a:buChar char="•"/>
+            </a:pPr>
+            <a:r>
+              <a:rPr lang="en-US" sz="2000" dirty="0"/>
+              <a:t>Finally, displaying states by high and low mortality shows the southeast corner of the country being the worst.	</a:t>
             </a:r>
           </a:p>
         </p:txBody>
       </p:sp>
       <p:pic>
         <p:nvPicPr>
-          <p:cNvPr id="3" name="Picture 2">
-            <a:extLst>
-              <a:ext uri="{FF2B5EF4-FFF2-40B4-BE49-F238E27FC236}">
-                <a16:creationId xmlns:a16="http://schemas.microsoft.com/office/drawing/2014/main" id="{03A9FD03-B15E-91BB-A793-0290484B1E59}"/>
+          <p:cNvPr id="2" name="Picture 1">
+            <a:extLst>
+              <a:ext uri="{FF2B5EF4-FFF2-40B4-BE49-F238E27FC236}">
+                <a16:creationId xmlns:a16="http://schemas.microsoft.com/office/drawing/2014/main" id="{A3451112-2AAE-1A28-658F-C820A6BB93D5}"/>
               </a:ext>
             </a:extLst>
           </p:cNvPr>
@@ -4908,7 +4871,90 @@
         <p:spPr>
           <a:xfrm>
             <a:off x="182880" y="822960"/>
-            <a:ext cx="6368866" cy="4114800"/>
+            <a:ext cx="5943600" cy="3847108"/>
+          </a:xfrm>
+          <a:prstGeom prst="rect">
+            <a:avLst/>
+          </a:prstGeom>
+        </p:spPr>
+      </p:pic>
+      <p:sp>
+        <p:nvSpPr>
+          <p:cNvPr id="19" name="Rectangle 18">
+            <a:extLst>
+              <a:ext uri="{FF2B5EF4-FFF2-40B4-BE49-F238E27FC236}">
+                <a16:creationId xmlns:a16="http://schemas.microsoft.com/office/drawing/2014/main" id="{763BE768-CF03-7A81-321E-48CBDB0F6D6F}"/>
+              </a:ext>
+            </a:extLst>
+          </p:cNvPr>
+          <p:cNvSpPr/>
+          <p:nvPr/>
+        </p:nvSpPr>
+        <p:spPr>
+          <a:xfrm>
+            <a:off x="10022186" y="831153"/>
+            <a:ext cx="434566" cy="163672"/>
+          </a:xfrm>
+          <a:prstGeom prst="rect">
+            <a:avLst/>
+          </a:prstGeom>
+          <a:ln>
+            <a:noFill/>
+          </a:ln>
+        </p:spPr>
+        <p:style>
+          <a:lnRef idx="2">
+            <a:schemeClr val="accent6"/>
+          </a:lnRef>
+          <a:fillRef idx="1">
+            <a:schemeClr val="lt1"/>
+          </a:fillRef>
+          <a:effectRef idx="0">
+            <a:schemeClr val="accent6"/>
+          </a:effectRef>
+          <a:fontRef idx="minor">
+            <a:schemeClr val="dk1"/>
+          </a:fontRef>
+        </p:style>
+        <p:txBody>
+          <a:bodyPr rtlCol="0" anchor="ctr"/>
+          <a:lstStyle/>
+          <a:p>
+            <a:pPr algn="ctr"/>
+            <a:endParaRPr lang="en-US"/>
+          </a:p>
+        </p:txBody>
+      </p:sp>
+      <p:pic>
+        <p:nvPicPr>
+          <p:cNvPr id="24" name="Graphic 23">
+            <a:extLst>
+              <a:ext uri="{FF2B5EF4-FFF2-40B4-BE49-F238E27FC236}">
+                <a16:creationId xmlns:a16="http://schemas.microsoft.com/office/drawing/2014/main" id="{C3FCBC9A-83EF-7917-64B9-73F6A5B03DD3}"/>
+              </a:ext>
+            </a:extLst>
+          </p:cNvPr>
+          <p:cNvPicPr>
+            <a:picLocks noChangeAspect="1"/>
+          </p:cNvPicPr>
+          <p:nvPr/>
+        </p:nvPicPr>
+        <p:blipFill>
+          <a:blip r:embed="rId4">
+            <a:extLst>
+              <a:ext uri="{96DAC541-7B7A-43D3-8B79-37D633B846F1}">
+                <asvg:svgBlip xmlns:asvg="http://schemas.microsoft.com/office/drawing/2016/SVG/main" r:embed="rId5"/>
+              </a:ext>
+            </a:extLst>
+          </a:blip>
+          <a:stretch>
+            <a:fillRect/>
+          </a:stretch>
+        </p:blipFill>
+        <p:spPr>
+          <a:xfrm>
+            <a:off x="6184237" y="818666"/>
+            <a:ext cx="5943600" cy="3952637"/>
           </a:xfrm>
           <a:prstGeom prst="rect">
             <a:avLst/>
@@ -4918,7 +4964,7 @@
     </p:spTree>
     <p:extLst>
       <p:ext uri="{BB962C8B-B14F-4D97-AF65-F5344CB8AC3E}">
-        <p14:creationId xmlns:p14="http://schemas.microsoft.com/office/powerpoint/2010/main" val="1662853692"/>
+        <p14:creationId xmlns:p14="http://schemas.microsoft.com/office/powerpoint/2010/main" val="2744713906"/>
       </p:ext>
     </p:extLst>
   </p:cSld>
@@ -4945,12 +4991,64 @@
           <a:chExt cx="0" cy="0"/>
         </a:xfrm>
       </p:grpSpPr>
-      <p:sp>
-        <p:nvSpPr>
-          <p:cNvPr id="7" name="TextBox 6">
-            <a:extLst>
-              <a:ext uri="{FF2B5EF4-FFF2-40B4-BE49-F238E27FC236}">
-                <a16:creationId xmlns:a16="http://schemas.microsoft.com/office/drawing/2014/main" id="{8B69B4D4-6C1C-224B-2608-1F7880E50E12}"/>
+      <p:pic>
+        <p:nvPicPr>
+          <p:cNvPr id="3074" name="Picture 2">
+            <a:extLst>
+              <a:ext uri="{FF2B5EF4-FFF2-40B4-BE49-F238E27FC236}">
+                <a16:creationId xmlns:a16="http://schemas.microsoft.com/office/drawing/2014/main" id="{C59A1DFD-0792-71B6-5A92-2B8D258DAD69}"/>
+              </a:ext>
+            </a:extLst>
+          </p:cNvPr>
+          <p:cNvPicPr>
+            <a:picLocks noChangeAspect="1" noChangeArrowheads="1"/>
+          </p:cNvPicPr>
+          <p:nvPr/>
+        </p:nvPicPr>
+        <p:blipFill>
+          <a:blip r:embed="rId2">
+            <a:extLst>
+              <a:ext uri="{28A0092B-C50C-407E-A947-70E740481C1C}">
+                <a14:useLocalDpi xmlns:a14="http://schemas.microsoft.com/office/drawing/2010/main" val="0"/>
+              </a:ext>
+            </a:extLst>
+          </a:blip>
+          <a:srcRect/>
+          <a:stretch>
+            <a:fillRect/>
+          </a:stretch>
+        </p:blipFill>
+        <p:spPr bwMode="auto">
+          <a:xfrm>
+            <a:off x="182879" y="822959"/>
+            <a:ext cx="8491599" cy="4213735"/>
+          </a:xfrm>
+          <a:prstGeom prst="rect">
+            <a:avLst/>
+          </a:prstGeom>
+          <a:noFill/>
+          <a:ln>
+            <a:solidFill>
+              <a:schemeClr val="tx1"/>
+            </a:solidFill>
+          </a:ln>
+          <a:extLst>
+            <a:ext uri="{909E8E84-426E-40DD-AFC4-6F175D3DCCD1}">
+              <a14:hiddenFill xmlns:a14="http://schemas.microsoft.com/office/drawing/2010/main">
+                <a:solidFill>
+                  <a:srgbClr val="FFFFFF"/>
+                </a:solidFill>
+              </a14:hiddenFill>
+            </a:ext>
+          </a:extLst>
+        </p:spPr>
+      </p:pic>
+      <p:sp>
+        <p:nvSpPr>
+          <p:cNvPr id="4" name="TextBox 3">
+            <a:extLst>
+              <a:ext uri="{FF2B5EF4-FFF2-40B4-BE49-F238E27FC236}">
+                <a16:creationId xmlns:a16="http://schemas.microsoft.com/office/drawing/2014/main" id="{915811AD-4826-377A-AC69-C95DC656B628}"/>
               </a:ext>
             </a:extLst>
           </p:cNvPr>
@@ -4989,17 +5087,17 @@
                 <a:ea typeface="+mj-ea"/>
                 <a:cs typeface="+mj-cs"/>
               </a:rPr>
-              <a:t>Socioeconomic Impact on Maternal Mortality</a:t>
-            </a:r>
-          </a:p>
-        </p:txBody>
-      </p:sp>
-      <p:sp>
-        <p:nvSpPr>
-          <p:cNvPr id="4" name="TextBox 3">
-            <a:extLst>
-              <a:ext uri="{FF2B5EF4-FFF2-40B4-BE49-F238E27FC236}">
-                <a16:creationId xmlns:a16="http://schemas.microsoft.com/office/drawing/2014/main" id="{BE519DC1-505C-53A1-16A7-E75D7AFD781A}"/>
+              <a:t>Maternal Mortality Rate by Race</a:t>
+            </a:r>
+          </a:p>
+        </p:txBody>
+      </p:sp>
+      <p:sp>
+        <p:nvSpPr>
+          <p:cNvPr id="5" name="TextBox 4">
+            <a:extLst>
+              <a:ext uri="{FF2B5EF4-FFF2-40B4-BE49-F238E27FC236}">
+                <a16:creationId xmlns:a16="http://schemas.microsoft.com/office/drawing/2014/main" id="{51D6D5E3-5F9C-A69D-CD0B-1F79AFC4B16C}"/>
               </a:ext>
             </a:extLst>
           </p:cNvPr>
@@ -5033,18 +5131,24 @@
               </a:spcAft>
             </a:pPr>
             <a:r>
-              <a:rPr lang="en-US" sz="1700" dirty="0"/>
-              <a:t>Tim McCarthy</a:t>
-            </a:r>
-          </a:p>
-        </p:txBody>
-      </p:sp>
-      <p:sp>
-        <p:nvSpPr>
-          <p:cNvPr id="8" name="TextBox 7">
-            <a:extLst>
-              <a:ext uri="{FF2B5EF4-FFF2-40B4-BE49-F238E27FC236}">
-                <a16:creationId xmlns:a16="http://schemas.microsoft.com/office/drawing/2014/main" id="{533B66A2-46E7-7C37-E1F5-7D31E6D63BF3}"/>
+              <a:rPr lang="en-US" sz="1700" dirty="0">
+                <a:solidFill>
+                  <a:schemeClr val="accent1">
+                    <a:lumMod val="75000"/>
+                  </a:schemeClr>
+                </a:solidFill>
+              </a:rPr>
+              <a:t>Mamadou Diallo</a:t>
+            </a:r>
+          </a:p>
+        </p:txBody>
+      </p:sp>
+      <p:sp>
+        <p:nvSpPr>
+          <p:cNvPr id="6" name="TextBox 5">
+            <a:extLst>
+              <a:ext uri="{FF2B5EF4-FFF2-40B4-BE49-F238E27FC236}">
+                <a16:creationId xmlns:a16="http://schemas.microsoft.com/office/drawing/2014/main" id="{3FCEE9A6-B28C-45AA-962C-18D59480DDA7}"/>
               </a:ext>
             </a:extLst>
           </p:cNvPr>
@@ -5053,62 +5157,3120 @@
         </p:nvSpPr>
         <p:spPr>
           <a:xfrm>
-            <a:off x="6729984" y="832104"/>
-            <a:ext cx="5272730" cy="3866454"/>
+            <a:off x="182879" y="5156818"/>
+            <a:ext cx="10522634" cy="1569660"/>
+          </a:xfrm>
+          <a:prstGeom prst="rect">
+            <a:avLst/>
+          </a:prstGeom>
+          <a:noFill/>
+        </p:spPr>
+        <p:txBody>
+          <a:bodyPr wrap="square">
+            <a:spAutoFit/>
+          </a:bodyPr>
+          <a:lstStyle/>
+          <a:p>
+            <a:pPr marL="285750" indent="-285750">
+              <a:buFont typeface="Arial" panose="020B0604020202020204" pitchFamily="34" charset="0"/>
+              <a:buChar char="•"/>
+            </a:pPr>
+            <a:r>
+              <a:rPr lang="en-US" sz="2400" dirty="0"/>
+              <a:t>Using CDC data, we can see that maternal death rates were significantly higher for American Indian and African American mothers.</a:t>
+            </a:r>
+          </a:p>
+          <a:p>
+            <a:pPr marL="285750" indent="-285750">
+              <a:buFont typeface="Arial" panose="020B0604020202020204" pitchFamily="34" charset="0"/>
+              <a:buChar char="•"/>
+            </a:pPr>
+            <a:r>
+              <a:rPr lang="en-US" sz="2400" dirty="0"/>
+              <a:t>Asian American, Hispanic, and White mothers show the lowest maternal death rates at less than half the rate of the other two populations. </a:t>
+            </a:r>
+          </a:p>
+        </p:txBody>
+      </p:sp>
+    </p:spTree>
+    <p:extLst>
+      <p:ext uri="{BB962C8B-B14F-4D97-AF65-F5344CB8AC3E}">
+        <p14:creationId xmlns:p14="http://schemas.microsoft.com/office/powerpoint/2010/main" val="308245089"/>
+      </p:ext>
+    </p:extLst>
+  </p:cSld>
+  <p:clrMapOvr>
+    <a:masterClrMapping/>
+  </p:clrMapOvr>
+</p:sld>
+</file>
+
+<file path=ppt/slides/slide5.xml><?xml version="1.0" encoding="utf-8"?>
+<p:sld xmlns:a="http://schemas.openxmlformats.org/drawingml/2006/main" xmlns:r="http://schemas.openxmlformats.org/officeDocument/2006/relationships" xmlns:p="http://schemas.openxmlformats.org/presentationml/2006/main">
+  <p:cSld>
+    <p:spTree>
+      <p:nvGrpSpPr>
+        <p:cNvPr id="1" name=""/>
+        <p:cNvGrpSpPr/>
+        <p:nvPr/>
+      </p:nvGrpSpPr>
+      <p:grpSpPr>
+        <a:xfrm>
+          <a:off x="0" y="0"/>
+          <a:ext cx="0" cy="0"/>
+          <a:chOff x="0" y="0"/>
+          <a:chExt cx="0" cy="0"/>
+        </a:xfrm>
+      </p:grpSpPr>
+      <p:pic>
+        <p:nvPicPr>
+          <p:cNvPr id="1028" name="Picture 4">
+            <a:extLst>
+              <a:ext uri="{FF2B5EF4-FFF2-40B4-BE49-F238E27FC236}">
+                <a16:creationId xmlns:a16="http://schemas.microsoft.com/office/drawing/2014/main" id="{0BFCB97F-32C9-227F-2B95-1F0820436A88}"/>
+              </a:ext>
+            </a:extLst>
+          </p:cNvPr>
+          <p:cNvPicPr>
+            <a:picLocks noChangeAspect="1" noChangeArrowheads="1"/>
+          </p:cNvPicPr>
+          <p:nvPr/>
+        </p:nvPicPr>
+        <p:blipFill>
+          <a:blip r:embed="rId2">
+            <a:extLst>
+              <a:ext uri="{28A0092B-C50C-407E-A947-70E740481C1C}">
+                <a14:useLocalDpi xmlns:a14="http://schemas.microsoft.com/office/drawing/2010/main" val="0"/>
+              </a:ext>
+            </a:extLst>
+          </a:blip>
+          <a:srcRect/>
+          <a:stretch>
+            <a:fillRect/>
+          </a:stretch>
+        </p:blipFill>
+        <p:spPr bwMode="auto">
+          <a:xfrm>
+            <a:off x="182880" y="822960"/>
+            <a:ext cx="8526405" cy="4231009"/>
+          </a:xfrm>
+          <a:prstGeom prst="rect">
+            <a:avLst/>
+          </a:prstGeom>
+          <a:noFill/>
+          <a:ln>
+            <a:solidFill>
+              <a:schemeClr val="tx1"/>
+            </a:solidFill>
+          </a:ln>
+          <a:extLst>
+            <a:ext uri="{909E8E84-426E-40DD-AFC4-6F175D3DCCD1}">
+              <a14:hiddenFill xmlns:a14="http://schemas.microsoft.com/office/drawing/2010/main">
+                <a:solidFill>
+                  <a:srgbClr val="FFFFFF"/>
+                </a:solidFill>
+              </a14:hiddenFill>
+            </a:ext>
+          </a:extLst>
+        </p:spPr>
+      </p:pic>
+      <p:sp>
+        <p:nvSpPr>
+          <p:cNvPr id="6" name="TextBox 5">
+            <a:extLst>
+              <a:ext uri="{FF2B5EF4-FFF2-40B4-BE49-F238E27FC236}">
+                <a16:creationId xmlns:a16="http://schemas.microsoft.com/office/drawing/2014/main" id="{E3F32AB3-F525-EFCC-B6C4-15351EAD5D07}"/>
+              </a:ext>
+            </a:extLst>
+          </p:cNvPr>
+          <p:cNvSpPr txBox="1"/>
+          <p:nvPr/>
+        </p:nvSpPr>
+        <p:spPr>
+          <a:xfrm>
+            <a:off x="1196656" y="0"/>
+            <a:ext cx="9795637" cy="578646"/>
           </a:xfrm>
           <a:prstGeom prst="rect">
             <a:avLst/>
           </a:prstGeom>
         </p:spPr>
         <p:txBody>
-          <a:bodyPr vert="horz" lIns="91440" tIns="45720" rIns="91440" bIns="45720" rtlCol="0" anchor="t">
-            <a:noAutofit/>
+          <a:bodyPr vert="horz" lIns="91440" tIns="45720" rIns="91440" bIns="45720" rtlCol="0" anchor="b">
+            <a:normAutofit lnSpcReduction="10000"/>
           </a:bodyPr>
           <a:lstStyle/>
           <a:p>
-            <a:r>
-              <a:rPr lang="en-US" sz="2000" b="1" dirty="0"/>
-              <a:t>Comparison Between Red and Blue States on Maternal Mortality</a:t>
-            </a:r>
-          </a:p>
-          <a:p>
-            <a:pPr marL="342900" indent="-342900">
+            <a:pPr algn="ctr">
+              <a:lnSpc>
+                <a:spcPct val="90000"/>
+              </a:lnSpc>
+              <a:spcBef>
+                <a:spcPct val="0"/>
+              </a:spcBef>
+              <a:spcAft>
+                <a:spcPts val="600"/>
+              </a:spcAft>
+            </a:pPr>
+            <a:r>
+              <a:rPr lang="en-US" sz="3600" b="1" dirty="0">
+                <a:latin typeface="+mj-lt"/>
+                <a:ea typeface="+mj-ea"/>
+                <a:cs typeface="+mj-cs"/>
+              </a:rPr>
+              <a:t>Infant Mortality by US State</a:t>
+            </a:r>
+          </a:p>
+        </p:txBody>
+      </p:sp>
+      <p:sp>
+        <p:nvSpPr>
+          <p:cNvPr id="9" name="TextBox 8">
+            <a:extLst>
+              <a:ext uri="{FF2B5EF4-FFF2-40B4-BE49-F238E27FC236}">
+                <a16:creationId xmlns:a16="http://schemas.microsoft.com/office/drawing/2014/main" id="{5E306D15-F5D2-5859-A261-6B7A0DB40BC6}"/>
+              </a:ext>
+            </a:extLst>
+          </p:cNvPr>
+          <p:cNvSpPr txBox="1"/>
+          <p:nvPr/>
+        </p:nvSpPr>
+        <p:spPr>
+          <a:xfrm>
+            <a:off x="182880" y="5075714"/>
+            <a:ext cx="10473397" cy="1569660"/>
+          </a:xfrm>
+          <a:prstGeom prst="rect">
+            <a:avLst/>
+          </a:prstGeom>
+          <a:noFill/>
+        </p:spPr>
+        <p:txBody>
+          <a:bodyPr wrap="square">
+            <a:spAutoFit/>
+          </a:bodyPr>
+          <a:lstStyle/>
+          <a:p>
+            <a:pPr marL="285750" indent="-285750">
               <a:buFont typeface="Arial" panose="020B0604020202020204" pitchFamily="34" charset="0"/>
               <a:buChar char="•"/>
             </a:pPr>
             <a:r>
-              <a:rPr lang="en-US" sz="2000" dirty="0"/>
-              <a:t>Using data from 2020 presidential election, data was split between Republican and Democratic states.</a:t>
-            </a:r>
-          </a:p>
-          <a:p>
-            <a:pPr marL="342900" indent="-342900">
+              <a:rPr lang="en-US" sz="2400" dirty="0"/>
+              <a:t>State with the Highest Infant Mortality Rate: MS Rate: 8.7075 out of every 100,000 pregnancies. </a:t>
+            </a:r>
+          </a:p>
+          <a:p>
+            <a:pPr marL="285750" indent="-285750">
               <a:buFont typeface="Arial" panose="020B0604020202020204" pitchFamily="34" charset="0"/>
               <a:buChar char="•"/>
             </a:pPr>
             <a:r>
-              <a:rPr lang="en-US" sz="2000" dirty="0"/>
-              <a:t>Women in the poorer states are almost twice as at risk of maternal death than women in richer states.</a:t>
-            </a:r>
-          </a:p>
-          <a:p>
-            <a:pPr marL="342900" indent="-342900">
+              <a:rPr lang="en-US" sz="2400" dirty="0"/>
+              <a:t>State with the Lowest Infant Mortality  Rate: MA Rate: 3.915 out of every 100,000 pregnancies. </a:t>
+            </a:r>
+          </a:p>
+        </p:txBody>
+      </p:sp>
+      <p:sp>
+        <p:nvSpPr>
+          <p:cNvPr id="10" name="TextBox 9">
+            <a:extLst>
+              <a:ext uri="{FF2B5EF4-FFF2-40B4-BE49-F238E27FC236}">
+                <a16:creationId xmlns:a16="http://schemas.microsoft.com/office/drawing/2014/main" id="{F96D8C01-2FA1-731A-0502-6683DFAC5383}"/>
+              </a:ext>
+            </a:extLst>
+          </p:cNvPr>
+          <p:cNvSpPr txBox="1"/>
+          <p:nvPr/>
+        </p:nvSpPr>
+        <p:spPr>
+          <a:xfrm>
+            <a:off x="2486990" y="500853"/>
+            <a:ext cx="7214968" cy="330300"/>
+          </a:xfrm>
+          <a:prstGeom prst="rect">
+            <a:avLst/>
+          </a:prstGeom>
+        </p:spPr>
+        <p:txBody>
+          <a:bodyPr vert="horz" lIns="91440" tIns="45720" rIns="91440" bIns="45720" rtlCol="0">
+            <a:normAutofit/>
+          </a:bodyPr>
+          <a:lstStyle/>
+          <a:p>
+            <a:pPr algn="ctr">
+              <a:lnSpc>
+                <a:spcPct val="90000"/>
+              </a:lnSpc>
+              <a:spcBef>
+                <a:spcPts val="1000"/>
+              </a:spcBef>
+              <a:spcAft>
+                <a:spcPts val="600"/>
+              </a:spcAft>
+            </a:pPr>
+            <a:r>
+              <a:rPr lang="en-US" sz="1700" dirty="0">
+                <a:solidFill>
+                  <a:schemeClr val="accent1">
+                    <a:lumMod val="75000"/>
+                  </a:schemeClr>
+                </a:solidFill>
+              </a:rPr>
+              <a:t>Parris Burton</a:t>
+            </a:r>
+          </a:p>
+        </p:txBody>
+      </p:sp>
+      <p:graphicFrame>
+        <p:nvGraphicFramePr>
+          <p:cNvPr id="11" name="Table 10">
+            <a:extLst>
+              <a:ext uri="{FF2B5EF4-FFF2-40B4-BE49-F238E27FC236}">
+                <a16:creationId xmlns:a16="http://schemas.microsoft.com/office/drawing/2014/main" id="{145E9B65-5F7B-EE91-D097-55D7A73EBC8A}"/>
+              </a:ext>
+            </a:extLst>
+          </p:cNvPr>
+          <p:cNvGraphicFramePr>
+            <a:graphicFrameLocks noGrp="1"/>
+          </p:cNvGraphicFramePr>
+          <p:nvPr>
+            <p:extLst>
+              <p:ext uri="{D42A27DB-BD31-4B8C-83A1-F6EECF244321}">
+                <p14:modId xmlns:p14="http://schemas.microsoft.com/office/powerpoint/2010/main" val="3545085303"/>
+              </p:ext>
+            </p:extLst>
+          </p:nvPr>
+        </p:nvGraphicFramePr>
+        <p:xfrm>
+          <a:off x="8797210" y="992281"/>
+          <a:ext cx="3302000" cy="3031490"/>
+        </p:xfrm>
+        <a:graphic>
+          <a:graphicData uri="http://schemas.openxmlformats.org/drawingml/2006/table">
+            <a:tbl>
+              <a:tblPr>
+                <a:tableStyleId>{775DCB02-9BB8-47FD-8907-85C794F793BA}</a:tableStyleId>
+              </a:tblPr>
+              <a:tblGrid>
+                <a:gridCol w="825500">
+                  <a:extLst>
+                    <a:ext uri="{9D8B030D-6E8A-4147-A177-3AD203B41FA5}">
+                      <a16:colId xmlns:a16="http://schemas.microsoft.com/office/drawing/2014/main" val="1795897180"/>
+                    </a:ext>
+                  </a:extLst>
+                </a:gridCol>
+                <a:gridCol w="825500">
+                  <a:extLst>
+                    <a:ext uri="{9D8B030D-6E8A-4147-A177-3AD203B41FA5}">
+                      <a16:colId xmlns:a16="http://schemas.microsoft.com/office/drawing/2014/main" val="1279359092"/>
+                    </a:ext>
+                  </a:extLst>
+                </a:gridCol>
+                <a:gridCol w="825500">
+                  <a:extLst>
+                    <a:ext uri="{9D8B030D-6E8A-4147-A177-3AD203B41FA5}">
+                      <a16:colId xmlns:a16="http://schemas.microsoft.com/office/drawing/2014/main" val="2976308901"/>
+                    </a:ext>
+                  </a:extLst>
+                </a:gridCol>
+                <a:gridCol w="825500">
+                  <a:extLst>
+                    <a:ext uri="{9D8B030D-6E8A-4147-A177-3AD203B41FA5}">
+                      <a16:colId xmlns:a16="http://schemas.microsoft.com/office/drawing/2014/main" val="1467025315"/>
+                    </a:ext>
+                  </a:extLst>
+                </a:gridCol>
+              </a:tblGrid>
+              <a:tr h="241300">
+                <a:tc gridSpan="2">
+                  <a:txBody>
+                    <a:bodyPr/>
+                    <a:lstStyle/>
+                    <a:p>
+                      <a:pPr algn="ctr" fontAlgn="b"/>
+                      <a:r>
+                        <a:rPr lang="en-US" sz="1600" b="1" u="none" strike="noStrike" dirty="0">
+                          <a:solidFill>
+                            <a:srgbClr val="000000"/>
+                          </a:solidFill>
+                          <a:effectLst/>
+                        </a:rPr>
+                        <a:t>Highest Infant Mortality</a:t>
+                      </a:r>
+                      <a:endParaRPr lang="en-US" sz="1600" b="1" i="0" u="none" strike="noStrike" dirty="0">
+                        <a:solidFill>
+                          <a:srgbClr val="000000"/>
+                        </a:solidFill>
+                        <a:effectLst/>
+                        <a:latin typeface="Aptos Narrow" panose="020B0004020202020204" pitchFamily="34" charset="0"/>
+                      </a:endParaRPr>
+                    </a:p>
+                  </a:txBody>
+                  <a:tcPr marL="9525" marR="9525" marT="9525" marB="0" anchor="b">
+                    <a:lnL w="12700" cap="flat" cmpd="sng" algn="ctr">
+                      <a:solidFill>
+                        <a:schemeClr val="tx1"/>
+                      </a:solidFill>
+                      <a:prstDash val="solid"/>
+                      <a:round/>
+                      <a:headEnd type="none" w="med" len="med"/>
+                      <a:tailEnd type="none" w="med" len="med"/>
+                    </a:lnL>
+                    <a:lnR w="12700" cap="flat" cmpd="sng" algn="ctr">
+                      <a:solidFill>
+                        <a:schemeClr val="tx1"/>
+                      </a:solidFill>
+                      <a:prstDash val="solid"/>
+                      <a:round/>
+                      <a:headEnd type="none" w="med" len="med"/>
+                      <a:tailEnd type="none" w="med" len="med"/>
+                    </a:lnR>
+                    <a:lnT w="12700" cap="flat" cmpd="sng" algn="ctr">
+                      <a:solidFill>
+                        <a:schemeClr val="tx1"/>
+                      </a:solidFill>
+                      <a:prstDash val="solid"/>
+                      <a:round/>
+                      <a:headEnd type="none" w="med" len="med"/>
+                      <a:tailEnd type="none" w="med" len="med"/>
+                    </a:lnT>
+                    <a:lnB w="12700" cap="flat" cmpd="sng" algn="ctr">
+                      <a:solidFill>
+                        <a:schemeClr val="tx1"/>
+                      </a:solidFill>
+                      <a:prstDash val="solid"/>
+                      <a:round/>
+                      <a:headEnd type="none" w="med" len="med"/>
+                      <a:tailEnd type="none" w="med" len="med"/>
+                    </a:lnB>
+                  </a:tcPr>
+                </a:tc>
+                <a:tc hMerge="1">
+                  <a:txBody>
+                    <a:bodyPr/>
+                    <a:lstStyle/>
+                    <a:p>
+                      <a:endParaRPr lang="en-US"/>
+                    </a:p>
+                  </a:txBody>
+                  <a:tcPr/>
+                </a:tc>
+                <a:tc gridSpan="2">
+                  <a:txBody>
+                    <a:bodyPr/>
+                    <a:lstStyle/>
+                    <a:p>
+                      <a:pPr algn="ctr" fontAlgn="b"/>
+                      <a:r>
+                        <a:rPr lang="en-US" sz="1600" b="1" u="none" strike="noStrike" dirty="0">
+                          <a:solidFill>
+                            <a:srgbClr val="000000"/>
+                          </a:solidFill>
+                          <a:effectLst/>
+                        </a:rPr>
+                        <a:t>Lowest Infant Mortality</a:t>
+                      </a:r>
+                      <a:endParaRPr lang="en-US" sz="1600" b="1" i="0" u="none" strike="noStrike" dirty="0">
+                        <a:solidFill>
+                          <a:srgbClr val="000000"/>
+                        </a:solidFill>
+                        <a:effectLst/>
+                        <a:latin typeface="Aptos Narrow" panose="020B0004020202020204" pitchFamily="34" charset="0"/>
+                      </a:endParaRPr>
+                    </a:p>
+                  </a:txBody>
+                  <a:tcPr marL="9525" marR="9525" marT="9525" marB="0" anchor="b">
+                    <a:lnL w="12700" cap="flat" cmpd="sng" algn="ctr">
+                      <a:solidFill>
+                        <a:schemeClr val="tx1"/>
+                      </a:solidFill>
+                      <a:prstDash val="solid"/>
+                      <a:round/>
+                      <a:headEnd type="none" w="med" len="med"/>
+                      <a:tailEnd type="none" w="med" len="med"/>
+                    </a:lnL>
+                    <a:lnR w="12700" cap="flat" cmpd="sng" algn="ctr">
+                      <a:solidFill>
+                        <a:schemeClr val="tx1"/>
+                      </a:solidFill>
+                      <a:prstDash val="solid"/>
+                      <a:round/>
+                      <a:headEnd type="none" w="med" len="med"/>
+                      <a:tailEnd type="none" w="med" len="med"/>
+                    </a:lnR>
+                    <a:lnT w="12700" cap="flat" cmpd="sng" algn="ctr">
+                      <a:solidFill>
+                        <a:schemeClr val="tx1"/>
+                      </a:solidFill>
+                      <a:prstDash val="solid"/>
+                      <a:round/>
+                      <a:headEnd type="none" w="med" len="med"/>
+                      <a:tailEnd type="none" w="med" len="med"/>
+                    </a:lnT>
+                    <a:lnB w="12700" cap="flat" cmpd="sng" algn="ctr">
+                      <a:solidFill>
+                        <a:schemeClr val="tx1"/>
+                      </a:solidFill>
+                      <a:prstDash val="solid"/>
+                      <a:round/>
+                      <a:headEnd type="none" w="med" len="med"/>
+                      <a:tailEnd type="none" w="med" len="med"/>
+                    </a:lnB>
+                  </a:tcPr>
+                </a:tc>
+                <a:tc hMerge="1">
+                  <a:txBody>
+                    <a:bodyPr/>
+                    <a:lstStyle/>
+                    <a:p>
+                      <a:endParaRPr lang="en-US"/>
+                    </a:p>
+                  </a:txBody>
+                  <a:tcPr/>
+                </a:tc>
+                <a:extLst>
+                  <a:ext uri="{0D108BD9-81ED-4DB2-BD59-A6C34878D82A}">
+                    <a16:rowId xmlns:a16="http://schemas.microsoft.com/office/drawing/2014/main" val="4090045557"/>
+                  </a:ext>
+                </a:extLst>
+              </a:tr>
+              <a:tr h="241300">
+                <a:tc>
+                  <a:txBody>
+                    <a:bodyPr/>
+                    <a:lstStyle/>
+                    <a:p>
+                      <a:pPr algn="ctr" fontAlgn="b"/>
+                      <a:r>
+                        <a:rPr lang="en-US" sz="1600" b="1" u="none" strike="noStrike" dirty="0">
+                          <a:solidFill>
+                            <a:srgbClr val="000000"/>
+                          </a:solidFill>
+                          <a:effectLst/>
+                        </a:rPr>
+                        <a:t>MS</a:t>
+                      </a:r>
+                      <a:endParaRPr lang="en-US" sz="1600" b="1" i="0" u="none" strike="noStrike" dirty="0">
+                        <a:solidFill>
+                          <a:srgbClr val="000000"/>
+                        </a:solidFill>
+                        <a:effectLst/>
+                        <a:latin typeface="Aptos Narrow" panose="020B0004020202020204" pitchFamily="34" charset="0"/>
+                      </a:endParaRPr>
+                    </a:p>
+                  </a:txBody>
+                  <a:tcPr marL="9525" marR="9525" marT="9525" marB="0" anchor="b">
+                    <a:lnL w="12700" cap="flat" cmpd="sng" algn="ctr">
+                      <a:solidFill>
+                        <a:schemeClr val="tx1"/>
+                      </a:solidFill>
+                      <a:prstDash val="solid"/>
+                      <a:round/>
+                      <a:headEnd type="none" w="med" len="med"/>
+                      <a:tailEnd type="none" w="med" len="med"/>
+                    </a:lnL>
+                    <a:lnT w="12700" cap="flat" cmpd="sng" algn="ctr">
+                      <a:solidFill>
+                        <a:schemeClr val="tx1"/>
+                      </a:solidFill>
+                      <a:prstDash val="solid"/>
+                      <a:round/>
+                      <a:headEnd type="none" w="med" len="med"/>
+                      <a:tailEnd type="none" w="med" len="med"/>
+                    </a:lnT>
+                  </a:tcPr>
+                </a:tc>
+                <a:tc>
+                  <a:txBody>
+                    <a:bodyPr/>
+                    <a:lstStyle/>
+                    <a:p>
+                      <a:pPr algn="ctr" fontAlgn="b"/>
+                      <a:r>
+                        <a:rPr lang="en-US" sz="1600" b="0" u="none" strike="noStrike" dirty="0">
+                          <a:solidFill>
+                            <a:srgbClr val="000000"/>
+                          </a:solidFill>
+                          <a:effectLst/>
+                        </a:rPr>
+                        <a:t>8.7</a:t>
+                      </a:r>
+                      <a:endParaRPr lang="en-US" sz="1600" b="0" i="0" u="none" strike="noStrike" dirty="0">
+                        <a:solidFill>
+                          <a:srgbClr val="000000"/>
+                        </a:solidFill>
+                        <a:effectLst/>
+                        <a:latin typeface="Aptos Narrow" panose="020B0004020202020204" pitchFamily="34" charset="0"/>
+                      </a:endParaRPr>
+                    </a:p>
+                  </a:txBody>
+                  <a:tcPr marL="9525" marR="9525" marT="9525" marB="0" anchor="b">
+                    <a:lnR w="12700" cap="flat" cmpd="sng" algn="ctr">
+                      <a:solidFill>
+                        <a:schemeClr val="tx1"/>
+                      </a:solidFill>
+                      <a:prstDash val="solid"/>
+                      <a:round/>
+                      <a:headEnd type="none" w="med" len="med"/>
+                      <a:tailEnd type="none" w="med" len="med"/>
+                    </a:lnR>
+                    <a:lnT w="12700" cap="flat" cmpd="sng" algn="ctr">
+                      <a:solidFill>
+                        <a:schemeClr val="tx1"/>
+                      </a:solidFill>
+                      <a:prstDash val="solid"/>
+                      <a:round/>
+                      <a:headEnd type="none" w="med" len="med"/>
+                      <a:tailEnd type="none" w="med" len="med"/>
+                    </a:lnT>
+                  </a:tcPr>
+                </a:tc>
+                <a:tc>
+                  <a:txBody>
+                    <a:bodyPr/>
+                    <a:lstStyle/>
+                    <a:p>
+                      <a:pPr algn="ctr" fontAlgn="b"/>
+                      <a:r>
+                        <a:rPr lang="en-US" sz="1600" b="1" u="none" strike="noStrike">
+                          <a:solidFill>
+                            <a:srgbClr val="000000"/>
+                          </a:solidFill>
+                          <a:effectLst/>
+                        </a:rPr>
+                        <a:t>MA</a:t>
+                      </a:r>
+                      <a:endParaRPr lang="en-US" sz="1600" b="1" i="0" u="none" strike="noStrike">
+                        <a:solidFill>
+                          <a:srgbClr val="000000"/>
+                        </a:solidFill>
+                        <a:effectLst/>
+                        <a:latin typeface="Aptos Narrow" panose="020B0004020202020204" pitchFamily="34" charset="0"/>
+                      </a:endParaRPr>
+                    </a:p>
+                  </a:txBody>
+                  <a:tcPr marL="9525" marR="9525" marT="9525" marB="0" anchor="b">
+                    <a:lnL w="12700" cap="flat" cmpd="sng" algn="ctr">
+                      <a:solidFill>
+                        <a:schemeClr val="tx1"/>
+                      </a:solidFill>
+                      <a:prstDash val="solid"/>
+                      <a:round/>
+                      <a:headEnd type="none" w="med" len="med"/>
+                      <a:tailEnd type="none" w="med" len="med"/>
+                    </a:lnL>
+                    <a:lnT w="12700" cap="flat" cmpd="sng" algn="ctr">
+                      <a:solidFill>
+                        <a:schemeClr val="tx1"/>
+                      </a:solidFill>
+                      <a:prstDash val="solid"/>
+                      <a:round/>
+                      <a:headEnd type="none" w="med" len="med"/>
+                      <a:tailEnd type="none" w="med" len="med"/>
+                    </a:lnT>
+                  </a:tcPr>
+                </a:tc>
+                <a:tc>
+                  <a:txBody>
+                    <a:bodyPr/>
+                    <a:lstStyle/>
+                    <a:p>
+                      <a:pPr algn="ctr" fontAlgn="b"/>
+                      <a:r>
+                        <a:rPr lang="en-US" sz="1600" b="0" u="none" strike="noStrike">
+                          <a:solidFill>
+                            <a:srgbClr val="000000"/>
+                          </a:solidFill>
+                          <a:effectLst/>
+                        </a:rPr>
+                        <a:t>3.91</a:t>
+                      </a:r>
+                      <a:endParaRPr lang="en-US" sz="1600" b="0" i="0" u="none" strike="noStrike">
+                        <a:solidFill>
+                          <a:srgbClr val="000000"/>
+                        </a:solidFill>
+                        <a:effectLst/>
+                        <a:latin typeface="Aptos Narrow" panose="020B0004020202020204" pitchFamily="34" charset="0"/>
+                      </a:endParaRPr>
+                    </a:p>
+                  </a:txBody>
+                  <a:tcPr marL="9525" marR="9525" marT="9525" marB="0" anchor="b">
+                    <a:lnT w="12700" cap="flat" cmpd="sng" algn="ctr">
+                      <a:solidFill>
+                        <a:schemeClr val="tx1"/>
+                      </a:solidFill>
+                      <a:prstDash val="solid"/>
+                      <a:round/>
+                      <a:headEnd type="none" w="med" len="med"/>
+                      <a:tailEnd type="none" w="med" len="med"/>
+                    </a:lnT>
+                  </a:tcPr>
+                </a:tc>
+                <a:extLst>
+                  <a:ext uri="{0D108BD9-81ED-4DB2-BD59-A6C34878D82A}">
+                    <a16:rowId xmlns:a16="http://schemas.microsoft.com/office/drawing/2014/main" val="476026641"/>
+                  </a:ext>
+                </a:extLst>
+              </a:tr>
+              <a:tr h="241300">
+                <a:tc>
+                  <a:txBody>
+                    <a:bodyPr/>
+                    <a:lstStyle/>
+                    <a:p>
+                      <a:pPr algn="ctr" fontAlgn="b"/>
+                      <a:r>
+                        <a:rPr lang="en-US" sz="1600" b="1" u="none" strike="noStrike">
+                          <a:solidFill>
+                            <a:srgbClr val="000000"/>
+                          </a:solidFill>
+                          <a:effectLst/>
+                        </a:rPr>
+                        <a:t>AL</a:t>
+                      </a:r>
+                      <a:endParaRPr lang="en-US" sz="1600" b="1" i="0" u="none" strike="noStrike">
+                        <a:solidFill>
+                          <a:srgbClr val="000000"/>
+                        </a:solidFill>
+                        <a:effectLst/>
+                        <a:latin typeface="Aptos Narrow" panose="020B0004020202020204" pitchFamily="34" charset="0"/>
+                      </a:endParaRPr>
+                    </a:p>
+                  </a:txBody>
+                  <a:tcPr marL="9525" marR="9525" marT="9525" marB="0" anchor="b">
+                    <a:lnL w="12700" cap="flat" cmpd="sng" algn="ctr">
+                      <a:solidFill>
+                        <a:schemeClr val="tx1"/>
+                      </a:solidFill>
+                      <a:prstDash val="solid"/>
+                      <a:round/>
+                      <a:headEnd type="none" w="med" len="med"/>
+                      <a:tailEnd type="none" w="med" len="med"/>
+                    </a:lnL>
+                  </a:tcPr>
+                </a:tc>
+                <a:tc>
+                  <a:txBody>
+                    <a:bodyPr/>
+                    <a:lstStyle/>
+                    <a:p>
+                      <a:pPr algn="ctr" fontAlgn="b"/>
+                      <a:r>
+                        <a:rPr lang="en-US" sz="1600" b="0" u="none" strike="noStrike" dirty="0">
+                          <a:solidFill>
+                            <a:srgbClr val="000000"/>
+                          </a:solidFill>
+                          <a:effectLst/>
+                        </a:rPr>
+                        <a:t>7.82</a:t>
+                      </a:r>
+                      <a:endParaRPr lang="en-US" sz="1600" b="0" i="0" u="none" strike="noStrike" dirty="0">
+                        <a:solidFill>
+                          <a:srgbClr val="000000"/>
+                        </a:solidFill>
+                        <a:effectLst/>
+                        <a:latin typeface="Aptos Narrow" panose="020B0004020202020204" pitchFamily="34" charset="0"/>
+                      </a:endParaRPr>
+                    </a:p>
+                  </a:txBody>
+                  <a:tcPr marL="9525" marR="9525" marT="9525" marB="0" anchor="b">
+                    <a:lnR w="12700" cap="flat" cmpd="sng" algn="ctr">
+                      <a:solidFill>
+                        <a:schemeClr val="tx1"/>
+                      </a:solidFill>
+                      <a:prstDash val="solid"/>
+                      <a:round/>
+                      <a:headEnd type="none" w="med" len="med"/>
+                      <a:tailEnd type="none" w="med" len="med"/>
+                    </a:lnR>
+                  </a:tcPr>
+                </a:tc>
+                <a:tc>
+                  <a:txBody>
+                    <a:bodyPr/>
+                    <a:lstStyle/>
+                    <a:p>
+                      <a:pPr algn="ctr" fontAlgn="b"/>
+                      <a:r>
+                        <a:rPr lang="en-US" sz="1600" b="1" u="none" strike="noStrike">
+                          <a:solidFill>
+                            <a:srgbClr val="000000"/>
+                          </a:solidFill>
+                          <a:effectLst/>
+                        </a:rPr>
+                        <a:t>NJ</a:t>
+                      </a:r>
+                      <a:endParaRPr lang="en-US" sz="1600" b="1" i="0" u="none" strike="noStrike">
+                        <a:solidFill>
+                          <a:srgbClr val="000000"/>
+                        </a:solidFill>
+                        <a:effectLst/>
+                        <a:latin typeface="Aptos Narrow" panose="020B0004020202020204" pitchFamily="34" charset="0"/>
+                      </a:endParaRPr>
+                    </a:p>
+                  </a:txBody>
+                  <a:tcPr marL="9525" marR="9525" marT="9525" marB="0" anchor="b">
+                    <a:lnL w="12700" cap="flat" cmpd="sng" algn="ctr">
+                      <a:solidFill>
+                        <a:schemeClr val="tx1"/>
+                      </a:solidFill>
+                      <a:prstDash val="solid"/>
+                      <a:round/>
+                      <a:headEnd type="none" w="med" len="med"/>
+                      <a:tailEnd type="none" w="med" len="med"/>
+                    </a:lnL>
+                  </a:tcPr>
+                </a:tc>
+                <a:tc>
+                  <a:txBody>
+                    <a:bodyPr/>
+                    <a:lstStyle/>
+                    <a:p>
+                      <a:pPr algn="ctr" fontAlgn="b"/>
+                      <a:r>
+                        <a:rPr lang="en-US" sz="1600" b="0" u="none" strike="noStrike">
+                          <a:solidFill>
+                            <a:srgbClr val="000000"/>
+                          </a:solidFill>
+                          <a:effectLst/>
+                        </a:rPr>
+                        <a:t>3.93</a:t>
+                      </a:r>
+                      <a:endParaRPr lang="en-US" sz="1600" b="0" i="0" u="none" strike="noStrike">
+                        <a:solidFill>
+                          <a:srgbClr val="000000"/>
+                        </a:solidFill>
+                        <a:effectLst/>
+                        <a:latin typeface="Aptos Narrow" panose="020B0004020202020204" pitchFamily="34" charset="0"/>
+                      </a:endParaRPr>
+                    </a:p>
+                  </a:txBody>
+                  <a:tcPr marL="9525" marR="9525" marT="9525" marB="0" anchor="b"/>
+                </a:tc>
+                <a:extLst>
+                  <a:ext uri="{0D108BD9-81ED-4DB2-BD59-A6C34878D82A}">
+                    <a16:rowId xmlns:a16="http://schemas.microsoft.com/office/drawing/2014/main" val="249075163"/>
+                  </a:ext>
+                </a:extLst>
+              </a:tr>
+              <a:tr h="241300">
+                <a:tc>
+                  <a:txBody>
+                    <a:bodyPr/>
+                    <a:lstStyle/>
+                    <a:p>
+                      <a:pPr algn="ctr" fontAlgn="b"/>
+                      <a:r>
+                        <a:rPr lang="en-US" sz="1600" b="1" u="none" strike="noStrike">
+                          <a:solidFill>
+                            <a:srgbClr val="000000"/>
+                          </a:solidFill>
+                          <a:effectLst/>
+                        </a:rPr>
+                        <a:t>AR</a:t>
+                      </a:r>
+                      <a:endParaRPr lang="en-US" sz="1600" b="1" i="0" u="none" strike="noStrike">
+                        <a:solidFill>
+                          <a:srgbClr val="000000"/>
+                        </a:solidFill>
+                        <a:effectLst/>
+                        <a:latin typeface="Aptos Narrow" panose="020B0004020202020204" pitchFamily="34" charset="0"/>
+                      </a:endParaRPr>
+                    </a:p>
+                  </a:txBody>
+                  <a:tcPr marL="9525" marR="9525" marT="9525" marB="0" anchor="b">
+                    <a:lnL w="12700" cap="flat" cmpd="sng" algn="ctr">
+                      <a:solidFill>
+                        <a:schemeClr val="tx1"/>
+                      </a:solidFill>
+                      <a:prstDash val="solid"/>
+                      <a:round/>
+                      <a:headEnd type="none" w="med" len="med"/>
+                      <a:tailEnd type="none" w="med" len="med"/>
+                    </a:lnL>
+                  </a:tcPr>
+                </a:tc>
+                <a:tc>
+                  <a:txBody>
+                    <a:bodyPr/>
+                    <a:lstStyle/>
+                    <a:p>
+                      <a:pPr algn="ctr" fontAlgn="b"/>
+                      <a:r>
+                        <a:rPr lang="en-US" sz="1600" b="0" u="none" strike="noStrike" dirty="0">
+                          <a:solidFill>
+                            <a:srgbClr val="000000"/>
+                          </a:solidFill>
+                          <a:effectLst/>
+                        </a:rPr>
+                        <a:t>7.72</a:t>
+                      </a:r>
+                      <a:endParaRPr lang="en-US" sz="1600" b="0" i="0" u="none" strike="noStrike" dirty="0">
+                        <a:solidFill>
+                          <a:srgbClr val="000000"/>
+                        </a:solidFill>
+                        <a:effectLst/>
+                        <a:latin typeface="Aptos Narrow" panose="020B0004020202020204" pitchFamily="34" charset="0"/>
+                      </a:endParaRPr>
+                    </a:p>
+                  </a:txBody>
+                  <a:tcPr marL="9525" marR="9525" marT="9525" marB="0" anchor="b">
+                    <a:lnR w="12700" cap="flat" cmpd="sng" algn="ctr">
+                      <a:solidFill>
+                        <a:schemeClr val="tx1"/>
+                      </a:solidFill>
+                      <a:prstDash val="solid"/>
+                      <a:round/>
+                      <a:headEnd type="none" w="med" len="med"/>
+                      <a:tailEnd type="none" w="med" len="med"/>
+                    </a:lnR>
+                  </a:tcPr>
+                </a:tc>
+                <a:tc>
+                  <a:txBody>
+                    <a:bodyPr/>
+                    <a:lstStyle/>
+                    <a:p>
+                      <a:pPr algn="ctr" fontAlgn="b"/>
+                      <a:r>
+                        <a:rPr lang="en-US" sz="1600" b="1" u="none" strike="noStrike">
+                          <a:solidFill>
+                            <a:srgbClr val="000000"/>
+                          </a:solidFill>
+                          <a:effectLst/>
+                        </a:rPr>
+                        <a:t>VT</a:t>
+                      </a:r>
+                      <a:endParaRPr lang="en-US" sz="1600" b="1" i="0" u="none" strike="noStrike">
+                        <a:solidFill>
+                          <a:srgbClr val="000000"/>
+                        </a:solidFill>
+                        <a:effectLst/>
+                        <a:latin typeface="Aptos Narrow" panose="020B0004020202020204" pitchFamily="34" charset="0"/>
+                      </a:endParaRPr>
+                    </a:p>
+                  </a:txBody>
+                  <a:tcPr marL="9525" marR="9525" marT="9525" marB="0" anchor="b">
+                    <a:lnL w="12700" cap="flat" cmpd="sng" algn="ctr">
+                      <a:solidFill>
+                        <a:schemeClr val="tx1"/>
+                      </a:solidFill>
+                      <a:prstDash val="solid"/>
+                      <a:round/>
+                      <a:headEnd type="none" w="med" len="med"/>
+                      <a:tailEnd type="none" w="med" len="med"/>
+                    </a:lnL>
+                  </a:tcPr>
+                </a:tc>
+                <a:tc>
+                  <a:txBody>
+                    <a:bodyPr/>
+                    <a:lstStyle/>
+                    <a:p>
+                      <a:pPr algn="ctr" fontAlgn="b"/>
+                      <a:r>
+                        <a:rPr lang="en-US" sz="1600" b="0" u="none" strike="noStrike">
+                          <a:solidFill>
+                            <a:srgbClr val="000000"/>
+                          </a:solidFill>
+                          <a:effectLst/>
+                        </a:rPr>
+                        <a:t>3.97</a:t>
+                      </a:r>
+                      <a:endParaRPr lang="en-US" sz="1600" b="0" i="0" u="none" strike="noStrike">
+                        <a:solidFill>
+                          <a:srgbClr val="000000"/>
+                        </a:solidFill>
+                        <a:effectLst/>
+                        <a:latin typeface="Aptos Narrow" panose="020B0004020202020204" pitchFamily="34" charset="0"/>
+                      </a:endParaRPr>
+                    </a:p>
+                  </a:txBody>
+                  <a:tcPr marL="9525" marR="9525" marT="9525" marB="0" anchor="b"/>
+                </a:tc>
+                <a:extLst>
+                  <a:ext uri="{0D108BD9-81ED-4DB2-BD59-A6C34878D82A}">
+                    <a16:rowId xmlns:a16="http://schemas.microsoft.com/office/drawing/2014/main" val="2992607828"/>
+                  </a:ext>
+                </a:extLst>
+              </a:tr>
+              <a:tr h="241300">
+                <a:tc>
+                  <a:txBody>
+                    <a:bodyPr/>
+                    <a:lstStyle/>
+                    <a:p>
+                      <a:pPr algn="ctr" fontAlgn="b"/>
+                      <a:r>
+                        <a:rPr lang="en-US" sz="1600" b="1" u="none" strike="noStrike">
+                          <a:solidFill>
+                            <a:srgbClr val="000000"/>
+                          </a:solidFill>
+                          <a:effectLst/>
+                        </a:rPr>
+                        <a:t>LA</a:t>
+                      </a:r>
+                      <a:endParaRPr lang="en-US" sz="1600" b="1" i="0" u="none" strike="noStrike">
+                        <a:solidFill>
+                          <a:srgbClr val="000000"/>
+                        </a:solidFill>
+                        <a:effectLst/>
+                        <a:latin typeface="Aptos Narrow" panose="020B0004020202020204" pitchFamily="34" charset="0"/>
+                      </a:endParaRPr>
+                    </a:p>
+                  </a:txBody>
+                  <a:tcPr marL="9525" marR="9525" marT="9525" marB="0" anchor="b">
+                    <a:lnL w="12700" cap="flat" cmpd="sng" algn="ctr">
+                      <a:solidFill>
+                        <a:schemeClr val="tx1"/>
+                      </a:solidFill>
+                      <a:prstDash val="solid"/>
+                      <a:round/>
+                      <a:headEnd type="none" w="med" len="med"/>
+                      <a:tailEnd type="none" w="med" len="med"/>
+                    </a:lnL>
+                  </a:tcPr>
+                </a:tc>
+                <a:tc>
+                  <a:txBody>
+                    <a:bodyPr/>
+                    <a:lstStyle/>
+                    <a:p>
+                      <a:pPr algn="ctr" fontAlgn="b"/>
+                      <a:r>
+                        <a:rPr lang="en-US" sz="1600" b="0" u="none" strike="noStrike" dirty="0">
+                          <a:solidFill>
+                            <a:srgbClr val="000000"/>
+                          </a:solidFill>
+                          <a:effectLst/>
+                        </a:rPr>
+                        <a:t>7.57</a:t>
+                      </a:r>
+                      <a:endParaRPr lang="en-US" sz="1600" b="0" i="0" u="none" strike="noStrike" dirty="0">
+                        <a:solidFill>
+                          <a:srgbClr val="000000"/>
+                        </a:solidFill>
+                        <a:effectLst/>
+                        <a:latin typeface="Aptos Narrow" panose="020B0004020202020204" pitchFamily="34" charset="0"/>
+                      </a:endParaRPr>
+                    </a:p>
+                  </a:txBody>
+                  <a:tcPr marL="9525" marR="9525" marT="9525" marB="0" anchor="b">
+                    <a:lnR w="12700" cap="flat" cmpd="sng" algn="ctr">
+                      <a:solidFill>
+                        <a:schemeClr val="tx1"/>
+                      </a:solidFill>
+                      <a:prstDash val="solid"/>
+                      <a:round/>
+                      <a:headEnd type="none" w="med" len="med"/>
+                      <a:tailEnd type="none" w="med" len="med"/>
+                    </a:lnR>
+                  </a:tcPr>
+                </a:tc>
+                <a:tc>
+                  <a:txBody>
+                    <a:bodyPr/>
+                    <a:lstStyle/>
+                    <a:p>
+                      <a:pPr algn="ctr" fontAlgn="b"/>
+                      <a:r>
+                        <a:rPr lang="en-US" sz="1600" b="1" u="none" strike="noStrike" dirty="0">
+                          <a:solidFill>
+                            <a:srgbClr val="000000"/>
+                          </a:solidFill>
+                          <a:effectLst/>
+                        </a:rPr>
+                        <a:t>NJ</a:t>
+                      </a:r>
+                      <a:endParaRPr lang="en-US" sz="1600" b="1" i="0" u="none" strike="noStrike" dirty="0">
+                        <a:solidFill>
+                          <a:srgbClr val="000000"/>
+                        </a:solidFill>
+                        <a:effectLst/>
+                        <a:latin typeface="Aptos Narrow" panose="020B0004020202020204" pitchFamily="34" charset="0"/>
+                      </a:endParaRPr>
+                    </a:p>
+                  </a:txBody>
+                  <a:tcPr marL="9525" marR="9525" marT="9525" marB="0" anchor="b">
+                    <a:lnL w="12700" cap="flat" cmpd="sng" algn="ctr">
+                      <a:solidFill>
+                        <a:schemeClr val="tx1"/>
+                      </a:solidFill>
+                      <a:prstDash val="solid"/>
+                      <a:round/>
+                      <a:headEnd type="none" w="med" len="med"/>
+                      <a:tailEnd type="none" w="med" len="med"/>
+                    </a:lnL>
+                  </a:tcPr>
+                </a:tc>
+                <a:tc>
+                  <a:txBody>
+                    <a:bodyPr/>
+                    <a:lstStyle/>
+                    <a:p>
+                      <a:pPr algn="ctr" fontAlgn="b"/>
+                      <a:r>
+                        <a:rPr lang="en-US" sz="1600" b="0" u="none" strike="noStrike">
+                          <a:solidFill>
+                            <a:srgbClr val="000000"/>
+                          </a:solidFill>
+                          <a:effectLst/>
+                        </a:rPr>
+                        <a:t>4.14</a:t>
+                      </a:r>
+                      <a:endParaRPr lang="en-US" sz="1600" b="0" i="0" u="none" strike="noStrike">
+                        <a:solidFill>
+                          <a:srgbClr val="000000"/>
+                        </a:solidFill>
+                        <a:effectLst/>
+                        <a:latin typeface="Aptos Narrow" panose="020B0004020202020204" pitchFamily="34" charset="0"/>
+                      </a:endParaRPr>
+                    </a:p>
+                  </a:txBody>
+                  <a:tcPr marL="9525" marR="9525" marT="9525" marB="0" anchor="b"/>
+                </a:tc>
+                <a:extLst>
+                  <a:ext uri="{0D108BD9-81ED-4DB2-BD59-A6C34878D82A}">
+                    <a16:rowId xmlns:a16="http://schemas.microsoft.com/office/drawing/2014/main" val="2330156309"/>
+                  </a:ext>
+                </a:extLst>
+              </a:tr>
+              <a:tr h="241300">
+                <a:tc>
+                  <a:txBody>
+                    <a:bodyPr/>
+                    <a:lstStyle/>
+                    <a:p>
+                      <a:pPr algn="ctr" fontAlgn="b"/>
+                      <a:r>
+                        <a:rPr lang="en-US" sz="1600" b="1" u="none" strike="noStrike">
+                          <a:solidFill>
+                            <a:srgbClr val="000000"/>
+                          </a:solidFill>
+                          <a:effectLst/>
+                        </a:rPr>
+                        <a:t>OK</a:t>
+                      </a:r>
+                      <a:endParaRPr lang="en-US" sz="1600" b="1" i="0" u="none" strike="noStrike">
+                        <a:solidFill>
+                          <a:srgbClr val="000000"/>
+                        </a:solidFill>
+                        <a:effectLst/>
+                        <a:latin typeface="Aptos Narrow" panose="020B0004020202020204" pitchFamily="34" charset="0"/>
+                      </a:endParaRPr>
+                    </a:p>
+                  </a:txBody>
+                  <a:tcPr marL="9525" marR="9525" marT="9525" marB="0" anchor="b">
+                    <a:lnL w="12700" cap="flat" cmpd="sng" algn="ctr">
+                      <a:solidFill>
+                        <a:schemeClr val="tx1"/>
+                      </a:solidFill>
+                      <a:prstDash val="solid"/>
+                      <a:round/>
+                      <a:headEnd type="none" w="med" len="med"/>
+                      <a:tailEnd type="none" w="med" len="med"/>
+                    </a:lnL>
+                  </a:tcPr>
+                </a:tc>
+                <a:tc>
+                  <a:txBody>
+                    <a:bodyPr/>
+                    <a:lstStyle/>
+                    <a:p>
+                      <a:pPr algn="ctr" fontAlgn="b"/>
+                      <a:r>
+                        <a:rPr lang="en-US" sz="1600" b="0" u="none" strike="noStrike" dirty="0">
+                          <a:solidFill>
+                            <a:srgbClr val="000000"/>
+                          </a:solidFill>
+                          <a:effectLst/>
+                        </a:rPr>
+                        <a:t>7.23</a:t>
+                      </a:r>
+                      <a:endParaRPr lang="en-US" sz="1600" b="0" i="0" u="none" strike="noStrike" dirty="0">
+                        <a:solidFill>
+                          <a:srgbClr val="000000"/>
+                        </a:solidFill>
+                        <a:effectLst/>
+                        <a:latin typeface="Aptos Narrow" panose="020B0004020202020204" pitchFamily="34" charset="0"/>
+                      </a:endParaRPr>
+                    </a:p>
+                  </a:txBody>
+                  <a:tcPr marL="9525" marR="9525" marT="9525" marB="0" anchor="b">
+                    <a:lnR w="12700" cap="flat" cmpd="sng" algn="ctr">
+                      <a:solidFill>
+                        <a:schemeClr val="tx1"/>
+                      </a:solidFill>
+                      <a:prstDash val="solid"/>
+                      <a:round/>
+                      <a:headEnd type="none" w="med" len="med"/>
+                      <a:tailEnd type="none" w="med" len="med"/>
+                    </a:lnR>
+                  </a:tcPr>
+                </a:tc>
+                <a:tc>
+                  <a:txBody>
+                    <a:bodyPr/>
+                    <a:lstStyle/>
+                    <a:p>
+                      <a:pPr algn="ctr" fontAlgn="b"/>
+                      <a:r>
+                        <a:rPr lang="en-US" sz="1600" b="1" u="none" strike="noStrike" dirty="0">
+                          <a:solidFill>
+                            <a:srgbClr val="000000"/>
+                          </a:solidFill>
+                          <a:effectLst/>
+                        </a:rPr>
+                        <a:t>CA</a:t>
+                      </a:r>
+                      <a:endParaRPr lang="en-US" sz="1600" b="1" i="0" u="none" strike="noStrike" dirty="0">
+                        <a:solidFill>
+                          <a:srgbClr val="000000"/>
+                        </a:solidFill>
+                        <a:effectLst/>
+                        <a:latin typeface="Aptos Narrow" panose="020B0004020202020204" pitchFamily="34" charset="0"/>
+                      </a:endParaRPr>
+                    </a:p>
+                  </a:txBody>
+                  <a:tcPr marL="9525" marR="9525" marT="9525" marB="0" anchor="b">
+                    <a:lnL w="12700" cap="flat" cmpd="sng" algn="ctr">
+                      <a:solidFill>
+                        <a:schemeClr val="tx1"/>
+                      </a:solidFill>
+                      <a:prstDash val="solid"/>
+                      <a:round/>
+                      <a:headEnd type="none" w="med" len="med"/>
+                      <a:tailEnd type="none" w="med" len="med"/>
+                    </a:lnL>
+                  </a:tcPr>
+                </a:tc>
+                <a:tc>
+                  <a:txBody>
+                    <a:bodyPr/>
+                    <a:lstStyle/>
+                    <a:p>
+                      <a:pPr algn="ctr" fontAlgn="b"/>
+                      <a:r>
+                        <a:rPr lang="en-US" sz="1600" b="0" u="none" strike="noStrike">
+                          <a:solidFill>
+                            <a:srgbClr val="000000"/>
+                          </a:solidFill>
+                          <a:effectLst/>
+                        </a:rPr>
+                        <a:t>4.2</a:t>
+                      </a:r>
+                      <a:endParaRPr lang="en-US" sz="1600" b="0" i="0" u="none" strike="noStrike">
+                        <a:solidFill>
+                          <a:srgbClr val="000000"/>
+                        </a:solidFill>
+                        <a:effectLst/>
+                        <a:latin typeface="Aptos Narrow" panose="020B0004020202020204" pitchFamily="34" charset="0"/>
+                      </a:endParaRPr>
+                    </a:p>
+                  </a:txBody>
+                  <a:tcPr marL="9525" marR="9525" marT="9525" marB="0" anchor="b"/>
+                </a:tc>
+                <a:extLst>
+                  <a:ext uri="{0D108BD9-81ED-4DB2-BD59-A6C34878D82A}">
+                    <a16:rowId xmlns:a16="http://schemas.microsoft.com/office/drawing/2014/main" val="2221412272"/>
+                  </a:ext>
+                </a:extLst>
+              </a:tr>
+              <a:tr h="241300">
+                <a:tc>
+                  <a:txBody>
+                    <a:bodyPr/>
+                    <a:lstStyle/>
+                    <a:p>
+                      <a:pPr algn="ctr" fontAlgn="b"/>
+                      <a:r>
+                        <a:rPr lang="en-US" sz="1600" b="1" u="none" strike="noStrike">
+                          <a:solidFill>
+                            <a:srgbClr val="000000"/>
+                          </a:solidFill>
+                          <a:effectLst/>
+                        </a:rPr>
+                        <a:t>GA</a:t>
+                      </a:r>
+                      <a:endParaRPr lang="en-US" sz="1600" b="1" i="0" u="none" strike="noStrike">
+                        <a:solidFill>
+                          <a:srgbClr val="000000"/>
+                        </a:solidFill>
+                        <a:effectLst/>
+                        <a:latin typeface="Aptos Narrow" panose="020B0004020202020204" pitchFamily="34" charset="0"/>
+                      </a:endParaRPr>
+                    </a:p>
+                  </a:txBody>
+                  <a:tcPr marL="9525" marR="9525" marT="9525" marB="0" anchor="b">
+                    <a:lnL w="12700" cap="flat" cmpd="sng" algn="ctr">
+                      <a:solidFill>
+                        <a:schemeClr val="tx1"/>
+                      </a:solidFill>
+                      <a:prstDash val="solid"/>
+                      <a:round/>
+                      <a:headEnd type="none" w="med" len="med"/>
+                      <a:tailEnd type="none" w="med" len="med"/>
+                    </a:lnL>
+                  </a:tcPr>
+                </a:tc>
+                <a:tc>
+                  <a:txBody>
+                    <a:bodyPr/>
+                    <a:lstStyle/>
+                    <a:p>
+                      <a:pPr algn="ctr" fontAlgn="b"/>
+                      <a:r>
+                        <a:rPr lang="en-US" sz="1600" b="0" u="none" strike="noStrike" dirty="0">
+                          <a:solidFill>
+                            <a:srgbClr val="000000"/>
+                          </a:solidFill>
+                          <a:effectLst/>
+                        </a:rPr>
+                        <a:t>7.07</a:t>
+                      </a:r>
+                      <a:endParaRPr lang="en-US" sz="1600" b="0" i="0" u="none" strike="noStrike" dirty="0">
+                        <a:solidFill>
+                          <a:srgbClr val="000000"/>
+                        </a:solidFill>
+                        <a:effectLst/>
+                        <a:latin typeface="Aptos Narrow" panose="020B0004020202020204" pitchFamily="34" charset="0"/>
+                      </a:endParaRPr>
+                    </a:p>
+                  </a:txBody>
+                  <a:tcPr marL="9525" marR="9525" marT="9525" marB="0" anchor="b">
+                    <a:lnR w="12700" cap="flat" cmpd="sng" algn="ctr">
+                      <a:solidFill>
+                        <a:schemeClr val="tx1"/>
+                      </a:solidFill>
+                      <a:prstDash val="solid"/>
+                      <a:round/>
+                      <a:headEnd type="none" w="med" len="med"/>
+                      <a:tailEnd type="none" w="med" len="med"/>
+                    </a:lnR>
+                  </a:tcPr>
+                </a:tc>
+                <a:tc>
+                  <a:txBody>
+                    <a:bodyPr/>
+                    <a:lstStyle/>
+                    <a:p>
+                      <a:pPr algn="ctr" fontAlgn="b"/>
+                      <a:r>
+                        <a:rPr lang="en-US" sz="1600" b="1" u="none" strike="noStrike" dirty="0">
+                          <a:solidFill>
+                            <a:srgbClr val="000000"/>
+                          </a:solidFill>
+                          <a:effectLst/>
+                        </a:rPr>
+                        <a:t>NY</a:t>
+                      </a:r>
+                      <a:endParaRPr lang="en-US" sz="1600" b="1" i="0" u="none" strike="noStrike" dirty="0">
+                        <a:solidFill>
+                          <a:srgbClr val="000000"/>
+                        </a:solidFill>
+                        <a:effectLst/>
+                        <a:latin typeface="Aptos Narrow" panose="020B0004020202020204" pitchFamily="34" charset="0"/>
+                      </a:endParaRPr>
+                    </a:p>
+                  </a:txBody>
+                  <a:tcPr marL="9525" marR="9525" marT="9525" marB="0" anchor="b">
+                    <a:lnL w="12700" cap="flat" cmpd="sng" algn="ctr">
+                      <a:solidFill>
+                        <a:schemeClr val="tx1"/>
+                      </a:solidFill>
+                      <a:prstDash val="solid"/>
+                      <a:round/>
+                      <a:headEnd type="none" w="med" len="med"/>
+                      <a:tailEnd type="none" w="med" len="med"/>
+                    </a:lnL>
+                  </a:tcPr>
+                </a:tc>
+                <a:tc>
+                  <a:txBody>
+                    <a:bodyPr/>
+                    <a:lstStyle/>
+                    <a:p>
+                      <a:pPr algn="ctr" fontAlgn="b"/>
+                      <a:r>
+                        <a:rPr lang="en-US" sz="1600" b="0" u="none" strike="noStrike">
+                          <a:solidFill>
+                            <a:srgbClr val="000000"/>
+                          </a:solidFill>
+                          <a:effectLst/>
+                        </a:rPr>
+                        <a:t>4.4</a:t>
+                      </a:r>
+                      <a:endParaRPr lang="en-US" sz="1600" b="0" i="0" u="none" strike="noStrike">
+                        <a:solidFill>
+                          <a:srgbClr val="000000"/>
+                        </a:solidFill>
+                        <a:effectLst/>
+                        <a:latin typeface="Aptos Narrow" panose="020B0004020202020204" pitchFamily="34" charset="0"/>
+                      </a:endParaRPr>
+                    </a:p>
+                  </a:txBody>
+                  <a:tcPr marL="9525" marR="9525" marT="9525" marB="0" anchor="b"/>
+                </a:tc>
+                <a:extLst>
+                  <a:ext uri="{0D108BD9-81ED-4DB2-BD59-A6C34878D82A}">
+                    <a16:rowId xmlns:a16="http://schemas.microsoft.com/office/drawing/2014/main" val="2013956290"/>
+                  </a:ext>
+                </a:extLst>
+              </a:tr>
+              <a:tr h="241300">
+                <a:tc>
+                  <a:txBody>
+                    <a:bodyPr/>
+                    <a:lstStyle/>
+                    <a:p>
+                      <a:pPr algn="ctr" fontAlgn="b"/>
+                      <a:r>
+                        <a:rPr lang="en-US" sz="1600" b="1" u="none" strike="noStrike">
+                          <a:solidFill>
+                            <a:srgbClr val="000000"/>
+                          </a:solidFill>
+                          <a:effectLst/>
+                        </a:rPr>
+                        <a:t>OH</a:t>
+                      </a:r>
+                      <a:endParaRPr lang="en-US" sz="1600" b="1" i="0" u="none" strike="noStrike">
+                        <a:solidFill>
+                          <a:srgbClr val="000000"/>
+                        </a:solidFill>
+                        <a:effectLst/>
+                        <a:latin typeface="Aptos Narrow" panose="020B0004020202020204" pitchFamily="34" charset="0"/>
+                      </a:endParaRPr>
+                    </a:p>
+                  </a:txBody>
+                  <a:tcPr marL="9525" marR="9525" marT="9525" marB="0" anchor="b">
+                    <a:lnL w="12700" cap="flat" cmpd="sng" algn="ctr">
+                      <a:solidFill>
+                        <a:schemeClr val="tx1"/>
+                      </a:solidFill>
+                      <a:prstDash val="solid"/>
+                      <a:round/>
+                      <a:headEnd type="none" w="med" len="med"/>
+                      <a:tailEnd type="none" w="med" len="med"/>
+                    </a:lnL>
+                  </a:tcPr>
+                </a:tc>
+                <a:tc>
+                  <a:txBody>
+                    <a:bodyPr/>
+                    <a:lstStyle/>
+                    <a:p>
+                      <a:pPr algn="ctr" fontAlgn="b"/>
+                      <a:r>
+                        <a:rPr lang="en-US" sz="1600" b="0" u="none" strike="noStrike" dirty="0">
+                          <a:solidFill>
+                            <a:srgbClr val="000000"/>
+                          </a:solidFill>
+                          <a:effectLst/>
+                        </a:rPr>
+                        <a:t>7.03</a:t>
+                      </a:r>
+                      <a:endParaRPr lang="en-US" sz="1600" b="0" i="0" u="none" strike="noStrike" dirty="0">
+                        <a:solidFill>
+                          <a:srgbClr val="000000"/>
+                        </a:solidFill>
+                        <a:effectLst/>
+                        <a:latin typeface="Aptos Narrow" panose="020B0004020202020204" pitchFamily="34" charset="0"/>
+                      </a:endParaRPr>
+                    </a:p>
+                  </a:txBody>
+                  <a:tcPr marL="9525" marR="9525" marT="9525" marB="0" anchor="b">
+                    <a:lnR w="12700" cap="flat" cmpd="sng" algn="ctr">
+                      <a:solidFill>
+                        <a:schemeClr val="tx1"/>
+                      </a:solidFill>
+                      <a:prstDash val="solid"/>
+                      <a:round/>
+                      <a:headEnd type="none" w="med" len="med"/>
+                      <a:tailEnd type="none" w="med" len="med"/>
+                    </a:lnR>
+                  </a:tcPr>
+                </a:tc>
+                <a:tc>
+                  <a:txBody>
+                    <a:bodyPr/>
+                    <a:lstStyle/>
+                    <a:p>
+                      <a:pPr algn="ctr" fontAlgn="b"/>
+                      <a:r>
+                        <a:rPr lang="en-US" sz="1600" b="1" u="none" strike="noStrike" dirty="0">
+                          <a:solidFill>
+                            <a:srgbClr val="000000"/>
+                          </a:solidFill>
+                          <a:effectLst/>
+                        </a:rPr>
+                        <a:t>WA</a:t>
+                      </a:r>
+                      <a:endParaRPr lang="en-US" sz="1600" b="1" i="0" u="none" strike="noStrike" dirty="0">
+                        <a:solidFill>
+                          <a:srgbClr val="000000"/>
+                        </a:solidFill>
+                        <a:effectLst/>
+                        <a:latin typeface="Aptos Narrow" panose="020B0004020202020204" pitchFamily="34" charset="0"/>
+                      </a:endParaRPr>
+                    </a:p>
+                  </a:txBody>
+                  <a:tcPr marL="9525" marR="9525" marT="9525" marB="0" anchor="b">
+                    <a:lnL w="12700" cap="flat" cmpd="sng" algn="ctr">
+                      <a:solidFill>
+                        <a:schemeClr val="tx1"/>
+                      </a:solidFill>
+                      <a:prstDash val="solid"/>
+                      <a:round/>
+                      <a:headEnd type="none" w="med" len="med"/>
+                      <a:tailEnd type="none" w="med" len="med"/>
+                    </a:lnL>
+                  </a:tcPr>
+                </a:tc>
+                <a:tc>
+                  <a:txBody>
+                    <a:bodyPr/>
+                    <a:lstStyle/>
+                    <a:p>
+                      <a:pPr algn="ctr" fontAlgn="b"/>
+                      <a:r>
+                        <a:rPr lang="en-US" sz="1600" b="0" u="none" strike="noStrike">
+                          <a:solidFill>
+                            <a:srgbClr val="000000"/>
+                          </a:solidFill>
+                          <a:effectLst/>
+                        </a:rPr>
+                        <a:t>4.42</a:t>
+                      </a:r>
+                      <a:endParaRPr lang="en-US" sz="1600" b="0" i="0" u="none" strike="noStrike">
+                        <a:solidFill>
+                          <a:srgbClr val="000000"/>
+                        </a:solidFill>
+                        <a:effectLst/>
+                        <a:latin typeface="Aptos Narrow" panose="020B0004020202020204" pitchFamily="34" charset="0"/>
+                      </a:endParaRPr>
+                    </a:p>
+                  </a:txBody>
+                  <a:tcPr marL="9525" marR="9525" marT="9525" marB="0" anchor="b"/>
+                </a:tc>
+                <a:extLst>
+                  <a:ext uri="{0D108BD9-81ED-4DB2-BD59-A6C34878D82A}">
+                    <a16:rowId xmlns:a16="http://schemas.microsoft.com/office/drawing/2014/main" val="4290791854"/>
+                  </a:ext>
+                </a:extLst>
+              </a:tr>
+              <a:tr h="241300">
+                <a:tc>
+                  <a:txBody>
+                    <a:bodyPr/>
+                    <a:lstStyle/>
+                    <a:p>
+                      <a:pPr algn="ctr" fontAlgn="b"/>
+                      <a:r>
+                        <a:rPr lang="en-US" sz="1600" b="1" u="none" strike="noStrike">
+                          <a:solidFill>
+                            <a:srgbClr val="000000"/>
+                          </a:solidFill>
+                          <a:effectLst/>
+                        </a:rPr>
+                        <a:t>NC</a:t>
+                      </a:r>
+                      <a:endParaRPr lang="en-US" sz="1600" b="1" i="0" u="none" strike="noStrike">
+                        <a:solidFill>
+                          <a:srgbClr val="000000"/>
+                        </a:solidFill>
+                        <a:effectLst/>
+                        <a:latin typeface="Aptos Narrow" panose="020B0004020202020204" pitchFamily="34" charset="0"/>
+                      </a:endParaRPr>
+                    </a:p>
+                  </a:txBody>
+                  <a:tcPr marL="9525" marR="9525" marT="9525" marB="0" anchor="b">
+                    <a:lnL w="12700" cap="flat" cmpd="sng" algn="ctr">
+                      <a:solidFill>
+                        <a:schemeClr val="tx1"/>
+                      </a:solidFill>
+                      <a:prstDash val="solid"/>
+                      <a:round/>
+                      <a:headEnd type="none" w="med" len="med"/>
+                      <a:tailEnd type="none" w="med" len="med"/>
+                    </a:lnL>
+                  </a:tcPr>
+                </a:tc>
+                <a:tc>
+                  <a:txBody>
+                    <a:bodyPr/>
+                    <a:lstStyle/>
+                    <a:p>
+                      <a:pPr algn="ctr" fontAlgn="b"/>
+                      <a:r>
+                        <a:rPr lang="en-US" sz="1600" b="0" u="none" strike="noStrike" dirty="0">
+                          <a:solidFill>
+                            <a:srgbClr val="000000"/>
+                          </a:solidFill>
+                          <a:effectLst/>
+                        </a:rPr>
+                        <a:t>6.97</a:t>
+                      </a:r>
+                      <a:endParaRPr lang="en-US" sz="1600" b="0" i="0" u="none" strike="noStrike" dirty="0">
+                        <a:solidFill>
+                          <a:srgbClr val="000000"/>
+                        </a:solidFill>
+                        <a:effectLst/>
+                        <a:latin typeface="Aptos Narrow" panose="020B0004020202020204" pitchFamily="34" charset="0"/>
+                      </a:endParaRPr>
+                    </a:p>
+                  </a:txBody>
+                  <a:tcPr marL="9525" marR="9525" marT="9525" marB="0" anchor="b">
+                    <a:lnR w="12700" cap="flat" cmpd="sng" algn="ctr">
+                      <a:solidFill>
+                        <a:schemeClr val="tx1"/>
+                      </a:solidFill>
+                      <a:prstDash val="solid"/>
+                      <a:round/>
+                      <a:headEnd type="none" w="med" len="med"/>
+                      <a:tailEnd type="none" w="med" len="med"/>
+                    </a:lnR>
+                  </a:tcPr>
+                </a:tc>
+                <a:tc>
+                  <a:txBody>
+                    <a:bodyPr/>
+                    <a:lstStyle/>
+                    <a:p>
+                      <a:pPr algn="ctr" fontAlgn="b"/>
+                      <a:r>
+                        <a:rPr lang="en-US" sz="1600" b="1" u="none" strike="noStrike" dirty="0">
+                          <a:solidFill>
+                            <a:srgbClr val="000000"/>
+                          </a:solidFill>
+                          <a:effectLst/>
+                        </a:rPr>
+                        <a:t>CT</a:t>
+                      </a:r>
+                      <a:endParaRPr lang="en-US" sz="1600" b="1" i="0" u="none" strike="noStrike" dirty="0">
+                        <a:solidFill>
+                          <a:srgbClr val="000000"/>
+                        </a:solidFill>
+                        <a:effectLst/>
+                        <a:latin typeface="Aptos Narrow" panose="020B0004020202020204" pitchFamily="34" charset="0"/>
+                      </a:endParaRPr>
+                    </a:p>
+                  </a:txBody>
+                  <a:tcPr marL="9525" marR="9525" marT="9525" marB="0" anchor="b">
+                    <a:lnL w="12700" cap="flat" cmpd="sng" algn="ctr">
+                      <a:solidFill>
+                        <a:schemeClr val="tx1"/>
+                      </a:solidFill>
+                      <a:prstDash val="solid"/>
+                      <a:round/>
+                      <a:headEnd type="none" w="med" len="med"/>
+                      <a:tailEnd type="none" w="med" len="med"/>
+                    </a:lnL>
+                  </a:tcPr>
+                </a:tc>
+                <a:tc>
+                  <a:txBody>
+                    <a:bodyPr/>
+                    <a:lstStyle/>
+                    <a:p>
+                      <a:pPr algn="ctr" fontAlgn="b"/>
+                      <a:r>
+                        <a:rPr lang="en-US" sz="1600" b="0" u="none" strike="noStrike">
+                          <a:solidFill>
+                            <a:srgbClr val="000000"/>
+                          </a:solidFill>
+                          <a:effectLst/>
+                        </a:rPr>
+                        <a:t>4.66</a:t>
+                      </a:r>
+                      <a:endParaRPr lang="en-US" sz="1600" b="0" i="0" u="none" strike="noStrike">
+                        <a:solidFill>
+                          <a:srgbClr val="000000"/>
+                        </a:solidFill>
+                        <a:effectLst/>
+                        <a:latin typeface="Aptos Narrow" panose="020B0004020202020204" pitchFamily="34" charset="0"/>
+                      </a:endParaRPr>
+                    </a:p>
+                  </a:txBody>
+                  <a:tcPr marL="9525" marR="9525" marT="9525" marB="0" anchor="b"/>
+                </a:tc>
+                <a:extLst>
+                  <a:ext uri="{0D108BD9-81ED-4DB2-BD59-A6C34878D82A}">
+                    <a16:rowId xmlns:a16="http://schemas.microsoft.com/office/drawing/2014/main" val="429790925"/>
+                  </a:ext>
+                </a:extLst>
+              </a:tr>
+              <a:tr h="241300">
+                <a:tc>
+                  <a:txBody>
+                    <a:bodyPr/>
+                    <a:lstStyle/>
+                    <a:p>
+                      <a:pPr algn="ctr" fontAlgn="b"/>
+                      <a:r>
+                        <a:rPr lang="en-US" sz="1600" b="1" u="none" strike="noStrike">
+                          <a:solidFill>
+                            <a:srgbClr val="000000"/>
+                          </a:solidFill>
+                          <a:effectLst/>
+                        </a:rPr>
+                        <a:t>IN</a:t>
+                      </a:r>
+                      <a:endParaRPr lang="en-US" sz="1600" b="1" i="0" u="none" strike="noStrike">
+                        <a:solidFill>
+                          <a:srgbClr val="000000"/>
+                        </a:solidFill>
+                        <a:effectLst/>
+                        <a:latin typeface="Aptos Narrow" panose="020B0004020202020204" pitchFamily="34" charset="0"/>
+                      </a:endParaRPr>
+                    </a:p>
+                  </a:txBody>
+                  <a:tcPr marL="9525" marR="9525" marT="9525" marB="0" anchor="b">
+                    <a:lnL w="12700" cap="flat" cmpd="sng" algn="ctr">
+                      <a:solidFill>
+                        <a:schemeClr val="tx1"/>
+                      </a:solidFill>
+                      <a:prstDash val="solid"/>
+                      <a:round/>
+                      <a:headEnd type="none" w="med" len="med"/>
+                      <a:tailEnd type="none" w="med" len="med"/>
+                    </a:lnL>
+                  </a:tcPr>
+                </a:tc>
+                <a:tc>
+                  <a:txBody>
+                    <a:bodyPr/>
+                    <a:lstStyle/>
+                    <a:p>
+                      <a:pPr algn="ctr" fontAlgn="b"/>
+                      <a:r>
+                        <a:rPr lang="en-US" sz="1600" b="0" u="none" strike="noStrike" dirty="0">
+                          <a:solidFill>
+                            <a:srgbClr val="000000"/>
+                          </a:solidFill>
+                          <a:effectLst/>
+                        </a:rPr>
+                        <a:t>6.97</a:t>
+                      </a:r>
+                      <a:endParaRPr lang="en-US" sz="1600" b="0" i="0" u="none" strike="noStrike" dirty="0">
+                        <a:solidFill>
+                          <a:srgbClr val="000000"/>
+                        </a:solidFill>
+                        <a:effectLst/>
+                        <a:latin typeface="Aptos Narrow" panose="020B0004020202020204" pitchFamily="34" charset="0"/>
+                      </a:endParaRPr>
+                    </a:p>
+                  </a:txBody>
+                  <a:tcPr marL="9525" marR="9525" marT="9525" marB="0" anchor="b">
+                    <a:lnR w="12700" cap="flat" cmpd="sng" algn="ctr">
+                      <a:solidFill>
+                        <a:schemeClr val="tx1"/>
+                      </a:solidFill>
+                      <a:prstDash val="solid"/>
+                      <a:round/>
+                      <a:headEnd type="none" w="med" len="med"/>
+                      <a:tailEnd type="none" w="med" len="med"/>
+                    </a:lnR>
+                  </a:tcPr>
+                </a:tc>
+                <a:tc>
+                  <a:txBody>
+                    <a:bodyPr/>
+                    <a:lstStyle/>
+                    <a:p>
+                      <a:pPr algn="ctr" fontAlgn="b"/>
+                      <a:r>
+                        <a:rPr lang="en-US" sz="1600" b="1" u="none" strike="noStrike" dirty="0">
+                          <a:solidFill>
+                            <a:srgbClr val="000000"/>
+                          </a:solidFill>
+                          <a:effectLst/>
+                        </a:rPr>
+                        <a:t>OR</a:t>
+                      </a:r>
+                      <a:endParaRPr lang="en-US" sz="1600" b="1" i="0" u="none" strike="noStrike" dirty="0">
+                        <a:solidFill>
+                          <a:srgbClr val="000000"/>
+                        </a:solidFill>
+                        <a:effectLst/>
+                        <a:latin typeface="Aptos Narrow" panose="020B0004020202020204" pitchFamily="34" charset="0"/>
+                      </a:endParaRPr>
+                    </a:p>
+                  </a:txBody>
+                  <a:tcPr marL="9525" marR="9525" marT="9525" marB="0" anchor="b">
+                    <a:lnL w="12700" cap="flat" cmpd="sng" algn="ctr">
+                      <a:solidFill>
+                        <a:schemeClr val="tx1"/>
+                      </a:solidFill>
+                      <a:prstDash val="solid"/>
+                      <a:round/>
+                      <a:headEnd type="none" w="med" len="med"/>
+                      <a:tailEnd type="none" w="med" len="med"/>
+                    </a:lnL>
+                  </a:tcPr>
+                </a:tc>
+                <a:tc>
+                  <a:txBody>
+                    <a:bodyPr/>
+                    <a:lstStyle/>
+                    <a:p>
+                      <a:pPr algn="ctr" fontAlgn="b"/>
+                      <a:r>
+                        <a:rPr lang="en-US" sz="1600" b="0" u="none" strike="noStrike" dirty="0">
+                          <a:solidFill>
+                            <a:srgbClr val="000000"/>
+                          </a:solidFill>
+                          <a:effectLst/>
+                        </a:rPr>
+                        <a:t>4.67</a:t>
+                      </a:r>
+                      <a:endParaRPr lang="en-US" sz="1600" b="0" i="0" u="none" strike="noStrike" dirty="0">
+                        <a:solidFill>
+                          <a:srgbClr val="000000"/>
+                        </a:solidFill>
+                        <a:effectLst/>
+                        <a:latin typeface="Aptos Narrow" panose="020B0004020202020204" pitchFamily="34" charset="0"/>
+                      </a:endParaRPr>
+                    </a:p>
+                  </a:txBody>
+                  <a:tcPr marL="9525" marR="9525" marT="9525" marB="0" anchor="b"/>
+                </a:tc>
+                <a:extLst>
+                  <a:ext uri="{0D108BD9-81ED-4DB2-BD59-A6C34878D82A}">
+                    <a16:rowId xmlns:a16="http://schemas.microsoft.com/office/drawing/2014/main" val="3158071925"/>
+                  </a:ext>
+                </a:extLst>
+              </a:tr>
+              <a:tr h="254000">
+                <a:tc>
+                  <a:txBody>
+                    <a:bodyPr/>
+                    <a:lstStyle/>
+                    <a:p>
+                      <a:pPr algn="ctr" fontAlgn="b"/>
+                      <a:r>
+                        <a:rPr lang="en-US" sz="1600" b="1" u="none" strike="noStrike">
+                          <a:solidFill>
+                            <a:srgbClr val="000000"/>
+                          </a:solidFill>
+                          <a:effectLst/>
+                        </a:rPr>
+                        <a:t>WV</a:t>
+                      </a:r>
+                      <a:endParaRPr lang="en-US" sz="1600" b="1" i="0" u="none" strike="noStrike">
+                        <a:solidFill>
+                          <a:srgbClr val="000000"/>
+                        </a:solidFill>
+                        <a:effectLst/>
+                        <a:latin typeface="Aptos Narrow" panose="020B0004020202020204" pitchFamily="34" charset="0"/>
+                      </a:endParaRPr>
+                    </a:p>
+                  </a:txBody>
+                  <a:tcPr marL="9525" marR="9525" marT="9525" marB="0" anchor="b">
+                    <a:lnL w="12700" cap="flat" cmpd="sng" algn="ctr">
+                      <a:solidFill>
+                        <a:schemeClr val="tx1"/>
+                      </a:solidFill>
+                      <a:prstDash val="solid"/>
+                      <a:round/>
+                      <a:headEnd type="none" w="med" len="med"/>
+                      <a:tailEnd type="none" w="med" len="med"/>
+                    </a:lnL>
+                    <a:lnB w="12700" cap="flat" cmpd="sng" algn="ctr">
+                      <a:solidFill>
+                        <a:schemeClr val="tx1"/>
+                      </a:solidFill>
+                      <a:prstDash val="solid"/>
+                      <a:round/>
+                      <a:headEnd type="none" w="med" len="med"/>
+                      <a:tailEnd type="none" w="med" len="med"/>
+                    </a:lnB>
+                  </a:tcPr>
+                </a:tc>
+                <a:tc>
+                  <a:txBody>
+                    <a:bodyPr/>
+                    <a:lstStyle/>
+                    <a:p>
+                      <a:pPr algn="ctr" fontAlgn="b"/>
+                      <a:r>
+                        <a:rPr lang="en-US" sz="1600" b="0" u="none" strike="noStrike" dirty="0">
+                          <a:solidFill>
+                            <a:srgbClr val="000000"/>
+                          </a:solidFill>
+                          <a:effectLst/>
+                        </a:rPr>
+                        <a:t>6.93</a:t>
+                      </a:r>
+                      <a:endParaRPr lang="en-US" sz="1600" b="0" i="0" u="none" strike="noStrike" dirty="0">
+                        <a:solidFill>
+                          <a:srgbClr val="000000"/>
+                        </a:solidFill>
+                        <a:effectLst/>
+                        <a:latin typeface="Aptos Narrow" panose="020B0004020202020204" pitchFamily="34" charset="0"/>
+                      </a:endParaRPr>
+                    </a:p>
+                  </a:txBody>
+                  <a:tcPr marL="9525" marR="9525" marT="9525" marB="0" anchor="b">
+                    <a:lnR w="12700" cap="flat" cmpd="sng" algn="ctr">
+                      <a:solidFill>
+                        <a:schemeClr val="tx1"/>
+                      </a:solidFill>
+                      <a:prstDash val="solid"/>
+                      <a:round/>
+                      <a:headEnd type="none" w="med" len="med"/>
+                      <a:tailEnd type="none" w="med" len="med"/>
+                    </a:lnR>
+                    <a:lnB w="12700" cap="flat" cmpd="sng" algn="ctr">
+                      <a:solidFill>
+                        <a:schemeClr val="tx1"/>
+                      </a:solidFill>
+                      <a:prstDash val="solid"/>
+                      <a:round/>
+                      <a:headEnd type="none" w="med" len="med"/>
+                      <a:tailEnd type="none" w="med" len="med"/>
+                    </a:lnB>
+                  </a:tcPr>
+                </a:tc>
+                <a:tc>
+                  <a:txBody>
+                    <a:bodyPr/>
+                    <a:lstStyle/>
+                    <a:p>
+                      <a:pPr algn="ctr" fontAlgn="b"/>
+                      <a:r>
+                        <a:rPr lang="en-US" sz="1600" b="1" u="none" strike="noStrike" dirty="0">
+                          <a:solidFill>
+                            <a:srgbClr val="000000"/>
+                          </a:solidFill>
+                          <a:effectLst/>
+                        </a:rPr>
+                        <a:t>CO</a:t>
+                      </a:r>
+                      <a:endParaRPr lang="en-US" sz="1600" b="1" i="0" u="none" strike="noStrike" dirty="0">
+                        <a:solidFill>
+                          <a:srgbClr val="000000"/>
+                        </a:solidFill>
+                        <a:effectLst/>
+                        <a:latin typeface="Aptos Narrow" panose="020B0004020202020204" pitchFamily="34" charset="0"/>
+                      </a:endParaRPr>
+                    </a:p>
+                  </a:txBody>
+                  <a:tcPr marL="9525" marR="9525" marT="9525" marB="0" anchor="b">
+                    <a:lnL w="12700" cap="flat" cmpd="sng" algn="ctr">
+                      <a:solidFill>
+                        <a:schemeClr val="tx1"/>
+                      </a:solidFill>
+                      <a:prstDash val="solid"/>
+                      <a:round/>
+                      <a:headEnd type="none" w="med" len="med"/>
+                      <a:tailEnd type="none" w="med" len="med"/>
+                    </a:lnL>
+                  </a:tcPr>
+                </a:tc>
+                <a:tc>
+                  <a:txBody>
+                    <a:bodyPr/>
+                    <a:lstStyle/>
+                    <a:p>
+                      <a:pPr algn="ctr" fontAlgn="b"/>
+                      <a:r>
+                        <a:rPr lang="en-US" sz="1600" b="0" u="none" strike="noStrike" dirty="0">
+                          <a:solidFill>
+                            <a:srgbClr val="000000"/>
+                          </a:solidFill>
+                          <a:effectLst/>
+                        </a:rPr>
+                        <a:t>4.76</a:t>
+                      </a:r>
+                      <a:endParaRPr lang="en-US" sz="1600" b="0" i="0" u="none" strike="noStrike" dirty="0">
+                        <a:solidFill>
+                          <a:srgbClr val="000000"/>
+                        </a:solidFill>
+                        <a:effectLst/>
+                        <a:latin typeface="Aptos Narrow" panose="020B0004020202020204" pitchFamily="34" charset="0"/>
+                      </a:endParaRPr>
+                    </a:p>
+                  </a:txBody>
+                  <a:tcPr marL="9525" marR="9525" marT="9525" marB="0" anchor="b"/>
+                </a:tc>
+                <a:extLst>
+                  <a:ext uri="{0D108BD9-81ED-4DB2-BD59-A6C34878D82A}">
+                    <a16:rowId xmlns:a16="http://schemas.microsoft.com/office/drawing/2014/main" val="2809154717"/>
+                  </a:ext>
+                </a:extLst>
+              </a:tr>
+            </a:tbl>
+          </a:graphicData>
+        </a:graphic>
+      </p:graphicFrame>
+    </p:spTree>
+    <p:extLst>
+      <p:ext uri="{BB962C8B-B14F-4D97-AF65-F5344CB8AC3E}">
+        <p14:creationId xmlns:p14="http://schemas.microsoft.com/office/powerpoint/2010/main" val="1004108295"/>
+      </p:ext>
+    </p:extLst>
+  </p:cSld>
+  <p:clrMapOvr>
+    <a:masterClrMapping/>
+  </p:clrMapOvr>
+</p:sld>
+</file>
+
+<file path=ppt/slides/slide6.xml><?xml version="1.0" encoding="utf-8"?>
+<p:sld xmlns:a="http://schemas.openxmlformats.org/drawingml/2006/main" xmlns:r="http://schemas.openxmlformats.org/officeDocument/2006/relationships" xmlns:p="http://schemas.openxmlformats.org/presentationml/2006/main">
+  <p:cSld>
+    <p:spTree>
+      <p:nvGrpSpPr>
+        <p:cNvPr id="1" name=""/>
+        <p:cNvGrpSpPr/>
+        <p:nvPr/>
+      </p:nvGrpSpPr>
+      <p:grpSpPr>
+        <a:xfrm>
+          <a:off x="0" y="0"/>
+          <a:ext cx="0" cy="0"/>
+          <a:chOff x="0" y="0"/>
+          <a:chExt cx="0" cy="0"/>
+        </a:xfrm>
+      </p:grpSpPr>
+      <p:sp>
+        <p:nvSpPr>
+          <p:cNvPr id="5" name="TextBox 4">
+            <a:extLst>
+              <a:ext uri="{FF2B5EF4-FFF2-40B4-BE49-F238E27FC236}">
+                <a16:creationId xmlns:a16="http://schemas.microsoft.com/office/drawing/2014/main" id="{3304262C-B604-611F-5EF9-661FA9554258}"/>
+              </a:ext>
+            </a:extLst>
+          </p:cNvPr>
+          <p:cNvSpPr txBox="1"/>
+          <p:nvPr/>
+        </p:nvSpPr>
+        <p:spPr>
+          <a:xfrm>
+            <a:off x="1196656" y="0"/>
+            <a:ext cx="9795637" cy="578646"/>
+          </a:xfrm>
+          <a:prstGeom prst="rect">
+            <a:avLst/>
+          </a:prstGeom>
+        </p:spPr>
+        <p:txBody>
+          <a:bodyPr vert="horz" lIns="91440" tIns="45720" rIns="91440" bIns="45720" rtlCol="0" anchor="b">
+            <a:normAutofit lnSpcReduction="10000"/>
+          </a:bodyPr>
+          <a:lstStyle/>
+          <a:p>
+            <a:pPr algn="ctr">
+              <a:lnSpc>
+                <a:spcPct val="90000"/>
+              </a:lnSpc>
+              <a:spcBef>
+                <a:spcPct val="0"/>
+              </a:spcBef>
+              <a:spcAft>
+                <a:spcPts val="600"/>
+              </a:spcAft>
+            </a:pPr>
+            <a:r>
+              <a:rPr lang="en-US" sz="3600" b="1" dirty="0">
+                <a:latin typeface="+mj-lt"/>
+                <a:ea typeface="+mj-ea"/>
+                <a:cs typeface="+mj-cs"/>
+              </a:rPr>
+              <a:t>Median Household Income by US State</a:t>
+            </a:r>
+          </a:p>
+        </p:txBody>
+      </p:sp>
+      <p:pic>
+        <p:nvPicPr>
+          <p:cNvPr id="7" name="Picture 2">
+            <a:extLst>
+              <a:ext uri="{FF2B5EF4-FFF2-40B4-BE49-F238E27FC236}">
+                <a16:creationId xmlns:a16="http://schemas.microsoft.com/office/drawing/2014/main" id="{532E29FC-4975-B66D-B239-F4FBF0930A35}"/>
+              </a:ext>
+            </a:extLst>
+          </p:cNvPr>
+          <p:cNvPicPr>
+            <a:picLocks noChangeAspect="1" noChangeArrowheads="1"/>
+          </p:cNvPicPr>
+          <p:nvPr/>
+        </p:nvPicPr>
+        <p:blipFill>
+          <a:blip r:embed="rId2">
+            <a:extLst>
+              <a:ext uri="{28A0092B-C50C-407E-A947-70E740481C1C}">
+                <a14:useLocalDpi xmlns:a14="http://schemas.microsoft.com/office/drawing/2010/main" val="0"/>
+              </a:ext>
+            </a:extLst>
+          </a:blip>
+          <a:srcRect/>
+          <a:stretch>
+            <a:fillRect/>
+          </a:stretch>
+        </p:blipFill>
+        <p:spPr bwMode="auto">
+          <a:xfrm>
+            <a:off x="182880" y="822960"/>
+            <a:ext cx="8931140" cy="4431843"/>
+          </a:xfrm>
+          <a:prstGeom prst="rect">
+            <a:avLst/>
+          </a:prstGeom>
+          <a:noFill/>
+          <a:ln>
+            <a:solidFill>
+              <a:schemeClr val="tx1"/>
+            </a:solidFill>
+          </a:ln>
+          <a:extLst>
+            <a:ext uri="{909E8E84-426E-40DD-AFC4-6F175D3DCCD1}">
+              <a14:hiddenFill xmlns:a14="http://schemas.microsoft.com/office/drawing/2010/main">
+                <a:solidFill>
+                  <a:srgbClr val="FFFFFF"/>
+                </a:solidFill>
+              </a14:hiddenFill>
+            </a:ext>
+          </a:extLst>
+        </p:spPr>
+      </p:pic>
+      <p:sp>
+        <p:nvSpPr>
+          <p:cNvPr id="8" name="TextBox 7">
+            <a:extLst>
+              <a:ext uri="{FF2B5EF4-FFF2-40B4-BE49-F238E27FC236}">
+                <a16:creationId xmlns:a16="http://schemas.microsoft.com/office/drawing/2014/main" id="{E7EC26B8-32AA-0988-8DA1-42DC21D209C3}"/>
+              </a:ext>
+            </a:extLst>
+          </p:cNvPr>
+          <p:cNvSpPr txBox="1"/>
+          <p:nvPr/>
+        </p:nvSpPr>
+        <p:spPr>
+          <a:xfrm>
+            <a:off x="2486990" y="500853"/>
+            <a:ext cx="7214968" cy="330300"/>
+          </a:xfrm>
+          <a:prstGeom prst="rect">
+            <a:avLst/>
+          </a:prstGeom>
+        </p:spPr>
+        <p:txBody>
+          <a:bodyPr vert="horz" lIns="91440" tIns="45720" rIns="91440" bIns="45720" rtlCol="0">
+            <a:normAutofit/>
+          </a:bodyPr>
+          <a:lstStyle/>
+          <a:p>
+            <a:pPr algn="ctr">
+              <a:lnSpc>
+                <a:spcPct val="90000"/>
+              </a:lnSpc>
+              <a:spcBef>
+                <a:spcPts val="1000"/>
+              </a:spcBef>
+              <a:spcAft>
+                <a:spcPts val="600"/>
+              </a:spcAft>
+            </a:pPr>
+            <a:r>
+              <a:rPr lang="en-US" sz="1700" dirty="0">
+                <a:solidFill>
+                  <a:schemeClr val="accent1">
+                    <a:lumMod val="75000"/>
+                  </a:schemeClr>
+                </a:solidFill>
+              </a:rPr>
+              <a:t>Parris Burton</a:t>
+            </a:r>
+          </a:p>
+        </p:txBody>
+      </p:sp>
+      <p:graphicFrame>
+        <p:nvGraphicFramePr>
+          <p:cNvPr id="9" name="Table 8">
+            <a:extLst>
+              <a:ext uri="{FF2B5EF4-FFF2-40B4-BE49-F238E27FC236}">
+                <a16:creationId xmlns:a16="http://schemas.microsoft.com/office/drawing/2014/main" id="{5726AB4E-B7EC-50EA-2499-007919E94CBC}"/>
+              </a:ext>
+            </a:extLst>
+          </p:cNvPr>
+          <p:cNvGraphicFramePr>
+            <a:graphicFrameLocks noGrp="1"/>
+          </p:cNvGraphicFramePr>
+          <p:nvPr>
+            <p:extLst>
+              <p:ext uri="{D42A27DB-BD31-4B8C-83A1-F6EECF244321}">
+                <p14:modId xmlns:p14="http://schemas.microsoft.com/office/powerpoint/2010/main" val="4261972417"/>
+              </p:ext>
+            </p:extLst>
+          </p:nvPr>
+        </p:nvGraphicFramePr>
+        <p:xfrm>
+          <a:off x="9220307" y="822960"/>
+          <a:ext cx="2653046" cy="3777616"/>
+        </p:xfrm>
+        <a:graphic>
+          <a:graphicData uri="http://schemas.openxmlformats.org/drawingml/2006/table">
+            <a:tbl>
+              <a:tblPr>
+                <a:tableStyleId>{775DCB02-9BB8-47FD-8907-85C794F793BA}</a:tableStyleId>
+              </a:tblPr>
+              <a:tblGrid>
+                <a:gridCol w="1326523">
+                  <a:extLst>
+                    <a:ext uri="{9D8B030D-6E8A-4147-A177-3AD203B41FA5}">
+                      <a16:colId xmlns:a16="http://schemas.microsoft.com/office/drawing/2014/main" val="3664826390"/>
+                    </a:ext>
+                  </a:extLst>
+                </a:gridCol>
+                <a:gridCol w="1326523">
+                  <a:extLst>
+                    <a:ext uri="{9D8B030D-6E8A-4147-A177-3AD203B41FA5}">
+                      <a16:colId xmlns:a16="http://schemas.microsoft.com/office/drawing/2014/main" val="3766524629"/>
+                    </a:ext>
+                  </a:extLst>
+                </a:gridCol>
+              </a:tblGrid>
+              <a:tr h="233877">
+                <a:tc gridSpan="2">
+                  <a:txBody>
+                    <a:bodyPr/>
+                    <a:lstStyle/>
+                    <a:p>
+                      <a:pPr algn="ctr" fontAlgn="b"/>
+                      <a:r>
+                        <a:rPr lang="en-US" sz="1600" b="1" u="none" strike="noStrike" dirty="0">
+                          <a:solidFill>
+                            <a:srgbClr val="000000"/>
+                          </a:solidFill>
+                          <a:effectLst/>
+                        </a:rPr>
+                        <a:t>Highest Median Household Income</a:t>
+                      </a:r>
+                      <a:endParaRPr lang="en-US" sz="1600" b="1" i="0" u="none" strike="noStrike" dirty="0">
+                        <a:solidFill>
+                          <a:srgbClr val="000000"/>
+                        </a:solidFill>
+                        <a:effectLst/>
+                        <a:latin typeface="Aptos Narrow" panose="020B0004020202020204" pitchFamily="34" charset="0"/>
+                      </a:endParaRPr>
+                    </a:p>
+                  </a:txBody>
+                  <a:tcPr marL="9232" marR="9232" marT="9232" marB="0" anchor="b"/>
+                </a:tc>
+                <a:tc hMerge="1">
+                  <a:txBody>
+                    <a:bodyPr/>
+                    <a:lstStyle/>
+                    <a:p>
+                      <a:endParaRPr lang="en-US"/>
+                    </a:p>
+                  </a:txBody>
+                  <a:tcPr/>
+                </a:tc>
+                <a:extLst>
+                  <a:ext uri="{0D108BD9-81ED-4DB2-BD59-A6C34878D82A}">
+                    <a16:rowId xmlns:a16="http://schemas.microsoft.com/office/drawing/2014/main" val="3999346814"/>
+                  </a:ext>
+                </a:extLst>
+              </a:tr>
+              <a:tr h="0">
+                <a:tc>
+                  <a:txBody>
+                    <a:bodyPr/>
+                    <a:lstStyle/>
+                    <a:p>
+                      <a:pPr algn="l" fontAlgn="b"/>
+                      <a:r>
+                        <a:rPr lang="en-US" sz="1600" b="1" u="none" strike="noStrike" dirty="0">
+                          <a:solidFill>
+                            <a:srgbClr val="000000"/>
+                          </a:solidFill>
+                          <a:effectLst/>
+                        </a:rPr>
+                        <a:t>MD</a:t>
+                      </a:r>
+                      <a:endParaRPr lang="en-US" sz="1600" b="1" i="0" u="none" strike="noStrike" dirty="0">
+                        <a:solidFill>
+                          <a:srgbClr val="000000"/>
+                        </a:solidFill>
+                        <a:effectLst/>
+                        <a:latin typeface="Aptos Narrow" panose="020B0004020202020204" pitchFamily="34" charset="0"/>
+                      </a:endParaRPr>
+                    </a:p>
+                  </a:txBody>
+                  <a:tcPr marL="9232" marR="9232" marT="9232" marB="0" anchor="b"/>
+                </a:tc>
+                <a:tc>
+                  <a:txBody>
+                    <a:bodyPr/>
+                    <a:lstStyle/>
+                    <a:p>
+                      <a:pPr algn="l" fontAlgn="b"/>
+                      <a:r>
+                        <a:rPr lang="en-US" sz="1600" b="0" u="none" strike="noStrike" dirty="0">
+                          <a:solidFill>
+                            <a:srgbClr val="000000"/>
+                          </a:solidFill>
+                          <a:effectLst/>
+                        </a:rPr>
+                        <a:t> $90,203.00 </a:t>
+                      </a:r>
+                      <a:endParaRPr lang="en-US" sz="1600" b="0" i="0" u="none" strike="noStrike" dirty="0">
+                        <a:solidFill>
+                          <a:srgbClr val="000000"/>
+                        </a:solidFill>
+                        <a:effectLst/>
+                        <a:latin typeface="Aptos Narrow" panose="020B0004020202020204" pitchFamily="34" charset="0"/>
+                      </a:endParaRPr>
+                    </a:p>
+                  </a:txBody>
+                  <a:tcPr marL="9232" marR="9232" marT="9232" marB="0" anchor="b"/>
+                </a:tc>
+                <a:extLst>
+                  <a:ext uri="{0D108BD9-81ED-4DB2-BD59-A6C34878D82A}">
+                    <a16:rowId xmlns:a16="http://schemas.microsoft.com/office/drawing/2014/main" val="2308409722"/>
+                  </a:ext>
+                </a:extLst>
+              </a:tr>
+              <a:tr h="0">
+                <a:tc>
+                  <a:txBody>
+                    <a:bodyPr/>
+                    <a:lstStyle/>
+                    <a:p>
+                      <a:pPr algn="l" fontAlgn="b"/>
+                      <a:r>
+                        <a:rPr lang="en-US" sz="1600" b="1" u="none" strike="noStrike" dirty="0">
+                          <a:solidFill>
+                            <a:srgbClr val="000000"/>
+                          </a:solidFill>
+                          <a:effectLst/>
+                        </a:rPr>
+                        <a:t>DC</a:t>
+                      </a:r>
+                      <a:endParaRPr lang="en-US" sz="1600" b="1" i="0" u="none" strike="noStrike" dirty="0">
+                        <a:solidFill>
+                          <a:srgbClr val="000000"/>
+                        </a:solidFill>
+                        <a:effectLst/>
+                        <a:latin typeface="Aptos Narrow" panose="020B0004020202020204" pitchFamily="34" charset="0"/>
+                      </a:endParaRPr>
+                    </a:p>
+                  </a:txBody>
+                  <a:tcPr marL="9232" marR="9232" marT="9232" marB="0" anchor="b"/>
+                </a:tc>
+                <a:tc>
+                  <a:txBody>
+                    <a:bodyPr/>
+                    <a:lstStyle/>
+                    <a:p>
+                      <a:pPr algn="l" fontAlgn="b"/>
+                      <a:r>
+                        <a:rPr lang="en-US" sz="1600" b="0" u="none" strike="noStrike" dirty="0">
+                          <a:solidFill>
+                            <a:srgbClr val="000000"/>
+                          </a:solidFill>
+                          <a:effectLst/>
+                        </a:rPr>
+                        <a:t> $90,088.00 </a:t>
+                      </a:r>
+                      <a:endParaRPr lang="en-US" sz="1600" b="0" i="0" u="none" strike="noStrike" dirty="0">
+                        <a:solidFill>
+                          <a:srgbClr val="000000"/>
+                        </a:solidFill>
+                        <a:effectLst/>
+                        <a:latin typeface="Aptos Narrow" panose="020B0004020202020204" pitchFamily="34" charset="0"/>
+                      </a:endParaRPr>
+                    </a:p>
+                  </a:txBody>
+                  <a:tcPr marL="9232" marR="9232" marT="9232" marB="0" anchor="b"/>
+                </a:tc>
+                <a:extLst>
+                  <a:ext uri="{0D108BD9-81ED-4DB2-BD59-A6C34878D82A}">
+                    <a16:rowId xmlns:a16="http://schemas.microsoft.com/office/drawing/2014/main" val="3790444023"/>
+                  </a:ext>
+                </a:extLst>
+              </a:tr>
+              <a:tr h="0">
+                <a:tc>
+                  <a:txBody>
+                    <a:bodyPr/>
+                    <a:lstStyle/>
+                    <a:p>
+                      <a:pPr algn="l" fontAlgn="b"/>
+                      <a:r>
+                        <a:rPr lang="en-US" sz="1600" b="1" u="none" strike="noStrike" dirty="0">
+                          <a:solidFill>
+                            <a:srgbClr val="000000"/>
+                          </a:solidFill>
+                          <a:effectLst/>
+                        </a:rPr>
+                        <a:t>MA</a:t>
+                      </a:r>
+                      <a:endParaRPr lang="en-US" sz="1600" b="1" i="0" u="none" strike="noStrike" dirty="0">
+                        <a:solidFill>
+                          <a:srgbClr val="000000"/>
+                        </a:solidFill>
+                        <a:effectLst/>
+                        <a:latin typeface="Aptos Narrow" panose="020B0004020202020204" pitchFamily="34" charset="0"/>
+                      </a:endParaRPr>
+                    </a:p>
+                  </a:txBody>
+                  <a:tcPr marL="9232" marR="9232" marT="9232" marB="0" anchor="b"/>
+                </a:tc>
+                <a:tc>
+                  <a:txBody>
+                    <a:bodyPr/>
+                    <a:lstStyle/>
+                    <a:p>
+                      <a:pPr algn="l" fontAlgn="b"/>
+                      <a:r>
+                        <a:rPr lang="en-US" sz="1600" b="0" u="none" strike="noStrike" dirty="0">
+                          <a:solidFill>
+                            <a:srgbClr val="000000"/>
+                          </a:solidFill>
+                          <a:effectLst/>
+                        </a:rPr>
+                        <a:t> $89,645.00 </a:t>
+                      </a:r>
+                      <a:endParaRPr lang="en-US" sz="1600" b="0" i="0" u="none" strike="noStrike" dirty="0">
+                        <a:solidFill>
+                          <a:srgbClr val="000000"/>
+                        </a:solidFill>
+                        <a:effectLst/>
+                        <a:latin typeface="Aptos Narrow" panose="020B0004020202020204" pitchFamily="34" charset="0"/>
+                      </a:endParaRPr>
+                    </a:p>
+                  </a:txBody>
+                  <a:tcPr marL="9232" marR="9232" marT="9232" marB="0" anchor="b"/>
+                </a:tc>
+                <a:extLst>
+                  <a:ext uri="{0D108BD9-81ED-4DB2-BD59-A6C34878D82A}">
+                    <a16:rowId xmlns:a16="http://schemas.microsoft.com/office/drawing/2014/main" val="1545083235"/>
+                  </a:ext>
+                </a:extLst>
+              </a:tr>
+              <a:tr h="0">
+                <a:tc>
+                  <a:txBody>
+                    <a:bodyPr/>
+                    <a:lstStyle/>
+                    <a:p>
+                      <a:pPr algn="l" fontAlgn="b"/>
+                      <a:r>
+                        <a:rPr lang="en-US" sz="1600" b="1" u="none" strike="noStrike" dirty="0">
+                          <a:solidFill>
+                            <a:srgbClr val="000000"/>
+                          </a:solidFill>
+                          <a:effectLst/>
+                        </a:rPr>
+                        <a:t>NJ</a:t>
+                      </a:r>
+                      <a:endParaRPr lang="en-US" sz="1600" b="1" i="0" u="none" strike="noStrike" dirty="0">
+                        <a:solidFill>
+                          <a:srgbClr val="000000"/>
+                        </a:solidFill>
+                        <a:effectLst/>
+                        <a:latin typeface="Aptos Narrow" panose="020B0004020202020204" pitchFamily="34" charset="0"/>
+                      </a:endParaRPr>
+                    </a:p>
+                  </a:txBody>
+                  <a:tcPr marL="9232" marR="9232" marT="9232" marB="0" anchor="b"/>
+                </a:tc>
+                <a:tc>
+                  <a:txBody>
+                    <a:bodyPr/>
+                    <a:lstStyle/>
+                    <a:p>
+                      <a:pPr algn="l" fontAlgn="b"/>
+                      <a:r>
+                        <a:rPr lang="en-US" sz="1600" b="0" u="none" strike="noStrike" dirty="0">
+                          <a:solidFill>
+                            <a:srgbClr val="000000"/>
+                          </a:solidFill>
+                          <a:effectLst/>
+                        </a:rPr>
+                        <a:t> $89,296.00 </a:t>
+                      </a:r>
+                      <a:endParaRPr lang="en-US" sz="1600" b="0" i="0" u="none" strike="noStrike" dirty="0">
+                        <a:solidFill>
+                          <a:srgbClr val="000000"/>
+                        </a:solidFill>
+                        <a:effectLst/>
+                        <a:latin typeface="Aptos Narrow" panose="020B0004020202020204" pitchFamily="34" charset="0"/>
+                      </a:endParaRPr>
+                    </a:p>
+                  </a:txBody>
+                  <a:tcPr marL="9232" marR="9232" marT="9232" marB="0" anchor="b"/>
+                </a:tc>
+                <a:extLst>
+                  <a:ext uri="{0D108BD9-81ED-4DB2-BD59-A6C34878D82A}">
+                    <a16:rowId xmlns:a16="http://schemas.microsoft.com/office/drawing/2014/main" val="4213711966"/>
+                  </a:ext>
+                </a:extLst>
+              </a:tr>
+              <a:tr h="0">
+                <a:tc>
+                  <a:txBody>
+                    <a:bodyPr/>
+                    <a:lstStyle/>
+                    <a:p>
+                      <a:pPr algn="l" fontAlgn="b"/>
+                      <a:r>
+                        <a:rPr lang="en-US" sz="1600" b="1" u="none" strike="noStrike">
+                          <a:solidFill>
+                            <a:srgbClr val="000000"/>
+                          </a:solidFill>
+                          <a:effectLst/>
+                        </a:rPr>
+                        <a:t>NH</a:t>
+                      </a:r>
+                      <a:endParaRPr lang="en-US" sz="1600" b="1" i="0" u="none" strike="noStrike">
+                        <a:solidFill>
+                          <a:srgbClr val="000000"/>
+                        </a:solidFill>
+                        <a:effectLst/>
+                        <a:latin typeface="Aptos Narrow" panose="020B0004020202020204" pitchFamily="34" charset="0"/>
+                      </a:endParaRPr>
+                    </a:p>
+                  </a:txBody>
+                  <a:tcPr marL="9232" marR="9232" marT="9232" marB="0" anchor="b"/>
+                </a:tc>
+                <a:tc>
+                  <a:txBody>
+                    <a:bodyPr/>
+                    <a:lstStyle/>
+                    <a:p>
+                      <a:pPr algn="l" fontAlgn="b"/>
+                      <a:r>
+                        <a:rPr lang="en-US" sz="1600" b="0" u="none" strike="noStrike" dirty="0">
+                          <a:solidFill>
+                            <a:srgbClr val="000000"/>
+                          </a:solidFill>
+                          <a:effectLst/>
+                        </a:rPr>
+                        <a:t> $88,465.00 </a:t>
+                      </a:r>
+                      <a:endParaRPr lang="en-US" sz="1600" b="0" i="0" u="none" strike="noStrike" dirty="0">
+                        <a:solidFill>
+                          <a:srgbClr val="000000"/>
+                        </a:solidFill>
+                        <a:effectLst/>
+                        <a:latin typeface="Aptos Narrow" panose="020B0004020202020204" pitchFamily="34" charset="0"/>
+                      </a:endParaRPr>
+                    </a:p>
+                  </a:txBody>
+                  <a:tcPr marL="9232" marR="9232" marT="9232" marB="0" anchor="b"/>
+                </a:tc>
+                <a:extLst>
+                  <a:ext uri="{0D108BD9-81ED-4DB2-BD59-A6C34878D82A}">
+                    <a16:rowId xmlns:a16="http://schemas.microsoft.com/office/drawing/2014/main" val="3010161366"/>
+                  </a:ext>
+                </a:extLst>
+              </a:tr>
+              <a:tr h="246186">
+                <a:tc>
+                  <a:txBody>
+                    <a:bodyPr/>
+                    <a:lstStyle/>
+                    <a:p>
+                      <a:pPr algn="l" fontAlgn="b"/>
+                      <a:endParaRPr lang="en-US" sz="1600" b="0" i="0" u="none" strike="noStrike">
+                        <a:solidFill>
+                          <a:srgbClr val="000000"/>
+                        </a:solidFill>
+                        <a:effectLst/>
+                        <a:latin typeface="Aptos Narrow" panose="020B0004020202020204" pitchFamily="34" charset="0"/>
+                      </a:endParaRPr>
+                    </a:p>
+                  </a:txBody>
+                  <a:tcPr marL="9232" marR="9232" marT="9232" marB="0" anchor="b"/>
+                </a:tc>
+                <a:tc>
+                  <a:txBody>
+                    <a:bodyPr/>
+                    <a:lstStyle/>
+                    <a:p>
+                      <a:pPr algn="l" fontAlgn="b"/>
+                      <a:endParaRPr lang="en-US" sz="1600" b="0" i="0" u="none" strike="noStrike" dirty="0">
+                        <a:solidFill>
+                          <a:srgbClr val="000000"/>
+                        </a:solidFill>
+                        <a:effectLst/>
+                        <a:latin typeface="Aptos Narrow" panose="020B0004020202020204" pitchFamily="34" charset="0"/>
+                      </a:endParaRPr>
+                    </a:p>
+                  </a:txBody>
+                  <a:tcPr marL="9232" marR="9232" marT="9232" marB="0" anchor="b"/>
+                </a:tc>
+                <a:extLst>
+                  <a:ext uri="{0D108BD9-81ED-4DB2-BD59-A6C34878D82A}">
+                    <a16:rowId xmlns:a16="http://schemas.microsoft.com/office/drawing/2014/main" val="1024493039"/>
+                  </a:ext>
+                </a:extLst>
+              </a:tr>
+              <a:tr h="233877">
+                <a:tc gridSpan="2">
+                  <a:txBody>
+                    <a:bodyPr/>
+                    <a:lstStyle/>
+                    <a:p>
+                      <a:pPr algn="ctr" fontAlgn="b"/>
+                      <a:r>
+                        <a:rPr lang="en-US" sz="1600" b="1" u="none" strike="noStrike" dirty="0">
+                          <a:solidFill>
+                            <a:srgbClr val="000000"/>
+                          </a:solidFill>
+                          <a:effectLst/>
+                        </a:rPr>
+                        <a:t>Lowest Median Household Income</a:t>
+                      </a:r>
+                      <a:endParaRPr lang="en-US" sz="1600" b="1" i="0" u="none" strike="noStrike" dirty="0">
+                        <a:solidFill>
+                          <a:srgbClr val="000000"/>
+                        </a:solidFill>
+                        <a:effectLst/>
+                        <a:latin typeface="Aptos Narrow" panose="020B0004020202020204" pitchFamily="34" charset="0"/>
+                      </a:endParaRPr>
+                    </a:p>
+                  </a:txBody>
+                  <a:tcPr marL="9232" marR="9232" marT="9232" marB="0" anchor="b"/>
+                </a:tc>
+                <a:tc hMerge="1">
+                  <a:txBody>
+                    <a:bodyPr/>
+                    <a:lstStyle/>
+                    <a:p>
+                      <a:endParaRPr lang="en-US"/>
+                    </a:p>
+                  </a:txBody>
+                  <a:tcPr/>
+                </a:tc>
+                <a:extLst>
+                  <a:ext uri="{0D108BD9-81ED-4DB2-BD59-A6C34878D82A}">
+                    <a16:rowId xmlns:a16="http://schemas.microsoft.com/office/drawing/2014/main" val="4055673636"/>
+                  </a:ext>
+                </a:extLst>
+              </a:tr>
+              <a:tr h="0">
+                <a:tc>
+                  <a:txBody>
+                    <a:bodyPr/>
+                    <a:lstStyle/>
+                    <a:p>
+                      <a:pPr algn="l" fontAlgn="b"/>
+                      <a:r>
+                        <a:rPr lang="en-US" sz="1600" b="1" u="none" strike="noStrike">
+                          <a:solidFill>
+                            <a:srgbClr val="000000"/>
+                          </a:solidFill>
+                          <a:effectLst/>
+                        </a:rPr>
+                        <a:t>AL</a:t>
+                      </a:r>
+                      <a:endParaRPr lang="en-US" sz="1600" b="1" i="0" u="none" strike="noStrike">
+                        <a:solidFill>
+                          <a:srgbClr val="000000"/>
+                        </a:solidFill>
+                        <a:effectLst/>
+                        <a:latin typeface="Aptos Narrow" panose="020B0004020202020204" pitchFamily="34" charset="0"/>
+                      </a:endParaRPr>
+                    </a:p>
+                  </a:txBody>
+                  <a:tcPr marL="9232" marR="9232" marT="9232" marB="0" anchor="b"/>
+                </a:tc>
+                <a:tc>
+                  <a:txBody>
+                    <a:bodyPr/>
+                    <a:lstStyle/>
+                    <a:p>
+                      <a:pPr algn="l" fontAlgn="b"/>
+                      <a:r>
+                        <a:rPr lang="en-US" sz="1600" b="0" u="none" strike="noStrike" dirty="0">
+                          <a:solidFill>
+                            <a:srgbClr val="000000"/>
+                          </a:solidFill>
+                          <a:effectLst/>
+                        </a:rPr>
+                        <a:t> $53,913.00 </a:t>
+                      </a:r>
+                      <a:endParaRPr lang="en-US" sz="1600" b="0" i="0" u="none" strike="noStrike" dirty="0">
+                        <a:solidFill>
+                          <a:srgbClr val="000000"/>
+                        </a:solidFill>
+                        <a:effectLst/>
+                        <a:latin typeface="Aptos Narrow" panose="020B0004020202020204" pitchFamily="34" charset="0"/>
+                      </a:endParaRPr>
+                    </a:p>
+                  </a:txBody>
+                  <a:tcPr marL="9232" marR="9232" marT="9232" marB="0" anchor="b"/>
+                </a:tc>
+                <a:extLst>
+                  <a:ext uri="{0D108BD9-81ED-4DB2-BD59-A6C34878D82A}">
+                    <a16:rowId xmlns:a16="http://schemas.microsoft.com/office/drawing/2014/main" val="2513136245"/>
+                  </a:ext>
+                </a:extLst>
+              </a:tr>
+              <a:tr h="0">
+                <a:tc>
+                  <a:txBody>
+                    <a:bodyPr/>
+                    <a:lstStyle/>
+                    <a:p>
+                      <a:pPr algn="l" fontAlgn="b"/>
+                      <a:r>
+                        <a:rPr lang="en-US" sz="1600" b="1" u="none" strike="noStrike">
+                          <a:solidFill>
+                            <a:srgbClr val="000000"/>
+                          </a:solidFill>
+                          <a:effectLst/>
+                        </a:rPr>
+                        <a:t>AR</a:t>
+                      </a:r>
+                      <a:endParaRPr lang="en-US" sz="1600" b="1" i="0" u="none" strike="noStrike">
+                        <a:solidFill>
+                          <a:srgbClr val="000000"/>
+                        </a:solidFill>
+                        <a:effectLst/>
+                        <a:latin typeface="Aptos Narrow" panose="020B0004020202020204" pitchFamily="34" charset="0"/>
+                      </a:endParaRPr>
+                    </a:p>
+                  </a:txBody>
+                  <a:tcPr marL="9232" marR="9232" marT="9232" marB="0" anchor="b"/>
+                </a:tc>
+                <a:tc>
+                  <a:txBody>
+                    <a:bodyPr/>
+                    <a:lstStyle/>
+                    <a:p>
+                      <a:pPr algn="l" fontAlgn="b"/>
+                      <a:r>
+                        <a:rPr lang="en-US" sz="1600" b="0" u="none" strike="noStrike" dirty="0">
+                          <a:solidFill>
+                            <a:srgbClr val="000000"/>
+                          </a:solidFill>
+                          <a:effectLst/>
+                        </a:rPr>
+                        <a:t> $52,528.00 </a:t>
+                      </a:r>
+                      <a:endParaRPr lang="en-US" sz="1600" b="0" i="0" u="none" strike="noStrike" dirty="0">
+                        <a:solidFill>
+                          <a:srgbClr val="000000"/>
+                        </a:solidFill>
+                        <a:effectLst/>
+                        <a:latin typeface="Aptos Narrow" panose="020B0004020202020204" pitchFamily="34" charset="0"/>
+                      </a:endParaRPr>
+                    </a:p>
+                  </a:txBody>
+                  <a:tcPr marL="9232" marR="9232" marT="9232" marB="0" anchor="b"/>
+                </a:tc>
+                <a:extLst>
+                  <a:ext uri="{0D108BD9-81ED-4DB2-BD59-A6C34878D82A}">
+                    <a16:rowId xmlns:a16="http://schemas.microsoft.com/office/drawing/2014/main" val="1679325177"/>
+                  </a:ext>
+                </a:extLst>
+              </a:tr>
+              <a:tr h="0">
+                <a:tc>
+                  <a:txBody>
+                    <a:bodyPr/>
+                    <a:lstStyle/>
+                    <a:p>
+                      <a:pPr algn="l" fontAlgn="b"/>
+                      <a:r>
+                        <a:rPr lang="en-US" sz="1600" b="1" u="none" strike="noStrike">
+                          <a:solidFill>
+                            <a:srgbClr val="000000"/>
+                          </a:solidFill>
+                          <a:effectLst/>
+                        </a:rPr>
+                        <a:t>LA</a:t>
+                      </a:r>
+                      <a:endParaRPr lang="en-US" sz="1600" b="1" i="0" u="none" strike="noStrike">
+                        <a:solidFill>
+                          <a:srgbClr val="000000"/>
+                        </a:solidFill>
+                        <a:effectLst/>
+                        <a:latin typeface="Aptos Narrow" panose="020B0004020202020204" pitchFamily="34" charset="0"/>
+                      </a:endParaRPr>
+                    </a:p>
+                  </a:txBody>
+                  <a:tcPr marL="9232" marR="9232" marT="9232" marB="0" anchor="b"/>
+                </a:tc>
+                <a:tc>
+                  <a:txBody>
+                    <a:bodyPr/>
+                    <a:lstStyle/>
+                    <a:p>
+                      <a:pPr algn="l" fontAlgn="b"/>
+                      <a:r>
+                        <a:rPr lang="en-US" sz="1600" b="0" u="none" strike="noStrike" dirty="0">
+                          <a:solidFill>
+                            <a:srgbClr val="000000"/>
+                          </a:solidFill>
+                          <a:effectLst/>
+                        </a:rPr>
+                        <a:t> $52,087.00 </a:t>
+                      </a:r>
+                      <a:endParaRPr lang="en-US" sz="1600" b="0" i="0" u="none" strike="noStrike" dirty="0">
+                        <a:solidFill>
+                          <a:srgbClr val="000000"/>
+                        </a:solidFill>
+                        <a:effectLst/>
+                        <a:latin typeface="Aptos Narrow" panose="020B0004020202020204" pitchFamily="34" charset="0"/>
+                      </a:endParaRPr>
+                    </a:p>
+                  </a:txBody>
+                  <a:tcPr marL="9232" marR="9232" marT="9232" marB="0" anchor="b"/>
+                </a:tc>
+                <a:extLst>
+                  <a:ext uri="{0D108BD9-81ED-4DB2-BD59-A6C34878D82A}">
+                    <a16:rowId xmlns:a16="http://schemas.microsoft.com/office/drawing/2014/main" val="3796246862"/>
+                  </a:ext>
+                </a:extLst>
+              </a:tr>
+              <a:tr h="0">
+                <a:tc>
+                  <a:txBody>
+                    <a:bodyPr/>
+                    <a:lstStyle/>
+                    <a:p>
+                      <a:pPr algn="l" fontAlgn="b"/>
+                      <a:r>
+                        <a:rPr lang="en-US" sz="1600" b="1" u="none" strike="noStrike">
+                          <a:solidFill>
+                            <a:srgbClr val="000000"/>
+                          </a:solidFill>
+                          <a:effectLst/>
+                        </a:rPr>
+                        <a:t>WV</a:t>
+                      </a:r>
+                      <a:endParaRPr lang="en-US" sz="1600" b="1" i="0" u="none" strike="noStrike">
+                        <a:solidFill>
+                          <a:srgbClr val="000000"/>
+                        </a:solidFill>
+                        <a:effectLst/>
+                        <a:latin typeface="Aptos Narrow" panose="020B0004020202020204" pitchFamily="34" charset="0"/>
+                      </a:endParaRPr>
+                    </a:p>
+                  </a:txBody>
+                  <a:tcPr marL="9232" marR="9232" marT="9232" marB="0" anchor="b"/>
+                </a:tc>
+                <a:tc>
+                  <a:txBody>
+                    <a:bodyPr/>
+                    <a:lstStyle/>
+                    <a:p>
+                      <a:pPr algn="l" fontAlgn="b"/>
+                      <a:r>
+                        <a:rPr lang="en-US" sz="1600" b="0" u="none" strike="noStrike" dirty="0">
+                          <a:solidFill>
+                            <a:srgbClr val="000000"/>
+                          </a:solidFill>
+                          <a:effectLst/>
+                        </a:rPr>
+                        <a:t> $51,248.00 </a:t>
+                      </a:r>
+                      <a:endParaRPr lang="en-US" sz="1600" b="0" i="0" u="none" strike="noStrike" dirty="0">
+                        <a:solidFill>
+                          <a:srgbClr val="000000"/>
+                        </a:solidFill>
+                        <a:effectLst/>
+                        <a:latin typeface="Aptos Narrow" panose="020B0004020202020204" pitchFamily="34" charset="0"/>
+                      </a:endParaRPr>
+                    </a:p>
+                  </a:txBody>
+                  <a:tcPr marL="9232" marR="9232" marT="9232" marB="0" anchor="b"/>
+                </a:tc>
+                <a:extLst>
+                  <a:ext uri="{0D108BD9-81ED-4DB2-BD59-A6C34878D82A}">
+                    <a16:rowId xmlns:a16="http://schemas.microsoft.com/office/drawing/2014/main" val="941759692"/>
+                  </a:ext>
+                </a:extLst>
+              </a:tr>
+              <a:tr h="53266">
+                <a:tc>
+                  <a:txBody>
+                    <a:bodyPr/>
+                    <a:lstStyle/>
+                    <a:p>
+                      <a:pPr algn="l" fontAlgn="b"/>
+                      <a:r>
+                        <a:rPr lang="en-US" sz="1600" b="1" u="none" strike="noStrike">
+                          <a:solidFill>
+                            <a:srgbClr val="000000"/>
+                          </a:solidFill>
+                          <a:effectLst/>
+                        </a:rPr>
+                        <a:t>MS</a:t>
+                      </a:r>
+                      <a:endParaRPr lang="en-US" sz="1600" b="1" i="0" u="none" strike="noStrike">
+                        <a:solidFill>
+                          <a:srgbClr val="000000"/>
+                        </a:solidFill>
+                        <a:effectLst/>
+                        <a:latin typeface="Aptos Narrow" panose="020B0004020202020204" pitchFamily="34" charset="0"/>
+                      </a:endParaRPr>
+                    </a:p>
+                  </a:txBody>
+                  <a:tcPr marL="9232" marR="9232" marT="9232" marB="0" anchor="b"/>
+                </a:tc>
+                <a:tc>
+                  <a:txBody>
+                    <a:bodyPr/>
+                    <a:lstStyle/>
+                    <a:p>
+                      <a:pPr algn="l" fontAlgn="b"/>
+                      <a:r>
+                        <a:rPr lang="en-US" sz="1600" b="0" u="none" strike="noStrike" dirty="0">
+                          <a:solidFill>
+                            <a:srgbClr val="000000"/>
+                          </a:solidFill>
+                          <a:effectLst/>
+                        </a:rPr>
+                        <a:t> $48,716.00 </a:t>
+                      </a:r>
+                      <a:endParaRPr lang="en-US" sz="1600" b="0" i="0" u="none" strike="noStrike" dirty="0">
+                        <a:solidFill>
+                          <a:srgbClr val="000000"/>
+                        </a:solidFill>
+                        <a:effectLst/>
+                        <a:latin typeface="Aptos Narrow" panose="020B0004020202020204" pitchFamily="34" charset="0"/>
+                      </a:endParaRPr>
+                    </a:p>
+                  </a:txBody>
+                  <a:tcPr marL="9232" marR="9232" marT="9232" marB="0" anchor="b"/>
+                </a:tc>
+                <a:extLst>
+                  <a:ext uri="{0D108BD9-81ED-4DB2-BD59-A6C34878D82A}">
+                    <a16:rowId xmlns:a16="http://schemas.microsoft.com/office/drawing/2014/main" val="1710445529"/>
+                  </a:ext>
+                </a:extLst>
+              </a:tr>
+            </a:tbl>
+          </a:graphicData>
+        </a:graphic>
+      </p:graphicFrame>
+      <p:sp>
+        <p:nvSpPr>
+          <p:cNvPr id="10" name="TextBox 9">
+            <a:extLst>
+              <a:ext uri="{FF2B5EF4-FFF2-40B4-BE49-F238E27FC236}">
+                <a16:creationId xmlns:a16="http://schemas.microsoft.com/office/drawing/2014/main" id="{3929F3C6-2668-1125-E207-284A578578CA}"/>
+              </a:ext>
+            </a:extLst>
+          </p:cNvPr>
+          <p:cNvSpPr txBox="1"/>
+          <p:nvPr/>
+        </p:nvSpPr>
+        <p:spPr>
+          <a:xfrm>
+            <a:off x="182880" y="5216394"/>
+            <a:ext cx="9910689" cy="1569660"/>
+          </a:xfrm>
+          <a:prstGeom prst="rect">
+            <a:avLst/>
+          </a:prstGeom>
+          <a:noFill/>
+        </p:spPr>
+        <p:txBody>
+          <a:bodyPr wrap="square">
+            <a:spAutoFit/>
+          </a:bodyPr>
+          <a:lstStyle/>
+          <a:p>
+            <a:pPr marL="285750" indent="-285750">
               <a:buFont typeface="Arial" panose="020B0604020202020204" pitchFamily="34" charset="0"/>
               <a:buChar char="•"/>
             </a:pPr>
             <a:r>
-              <a:rPr lang="en-US" sz="2000" dirty="0"/>
-              <a:t>P-value is less than 0.05, so we can reject the null hypothesis and assume these samples are statistically significant</a:t>
-            </a:r>
+              <a:rPr lang="en-US" sz="2400" dirty="0"/>
+              <a:t>State with the Highest Household Income: MD Rate: $90,203 </a:t>
+            </a:r>
+          </a:p>
+          <a:p>
+            <a:pPr marL="285750" indent="-285750">
+              <a:buFont typeface="Arial" panose="020B0604020202020204" pitchFamily="34" charset="0"/>
+              <a:buChar char="•"/>
+            </a:pPr>
+            <a:r>
+              <a:rPr lang="en-US" sz="2400" dirty="0"/>
+              <a:t>State with the Lowest Household Income: MS Rate: $48,716</a:t>
+            </a:r>
+          </a:p>
+          <a:p>
+            <a:pPr marL="285750" indent="-285750">
+              <a:buFont typeface="Arial" panose="020B0604020202020204" pitchFamily="34" charset="0"/>
+              <a:buChar char="•"/>
+            </a:pPr>
+            <a:r>
+              <a:rPr lang="en-US" sz="2400" dirty="0"/>
+              <a:t>Maryland &amp; DC have the highest median household income but are not on the top 10 lowest list for infant mortality seen on previous slide.</a:t>
+            </a:r>
+          </a:p>
+        </p:txBody>
+      </p:sp>
+      <p:sp>
+        <p:nvSpPr>
+          <p:cNvPr id="11" name="AutoShape 2">
+            <a:extLst>
+              <a:ext uri="{FF2B5EF4-FFF2-40B4-BE49-F238E27FC236}">
+                <a16:creationId xmlns:a16="http://schemas.microsoft.com/office/drawing/2014/main" id="{AE421861-C27D-15C0-6598-3937B8B964D1}"/>
+              </a:ext>
+            </a:extLst>
+          </p:cNvPr>
+          <p:cNvSpPr>
+            <a:spLocks noChangeAspect="1" noChangeArrowheads="1"/>
+          </p:cNvSpPr>
+          <p:nvPr/>
+        </p:nvSpPr>
+        <p:spPr bwMode="auto">
+          <a:xfrm>
+            <a:off x="5943600" y="3276600"/>
+            <a:ext cx="304800" cy="304800"/>
+          </a:xfrm>
+          <a:prstGeom prst="rect">
+            <a:avLst/>
+          </a:prstGeom>
+          <a:noFill/>
+          <a:extLst>
+            <a:ext uri="{909E8E84-426E-40DD-AFC4-6F175D3DCCD1}">
+              <a14:hiddenFill xmlns:a14="http://schemas.microsoft.com/office/drawing/2010/main">
+                <a:solidFill>
+                  <a:srgbClr val="FFFFFF"/>
+                </a:solidFill>
+              </a14:hiddenFill>
+            </a:ext>
+          </a:extLst>
+        </p:spPr>
+        <p:txBody>
+          <a:bodyPr vert="horz" wrap="square" lIns="91440" tIns="45720" rIns="91440" bIns="45720" numCol="1" anchor="t" anchorCtr="0" compatLnSpc="1">
+            <a:prstTxWarp prst="textNoShape">
+              <a:avLst/>
+            </a:prstTxWarp>
+          </a:bodyPr>
+          <a:lstStyle/>
+          <a:p>
+            <a:endParaRPr lang="en-US"/>
+          </a:p>
+        </p:txBody>
+      </p:sp>
+    </p:spTree>
+    <p:extLst>
+      <p:ext uri="{BB962C8B-B14F-4D97-AF65-F5344CB8AC3E}">
+        <p14:creationId xmlns:p14="http://schemas.microsoft.com/office/powerpoint/2010/main" val="2669042146"/>
+      </p:ext>
+    </p:extLst>
+  </p:cSld>
+  <p:clrMapOvr>
+    <a:masterClrMapping/>
+  </p:clrMapOvr>
+</p:sld>
+</file>
+
+<file path=ppt/slides/slide7.xml><?xml version="1.0" encoding="utf-8"?>
+<p:sld xmlns:a="http://schemas.openxmlformats.org/drawingml/2006/main" xmlns:r="http://schemas.openxmlformats.org/officeDocument/2006/relationships" xmlns:p="http://schemas.openxmlformats.org/presentationml/2006/main">
+  <p:cSld>
+    <p:spTree>
+      <p:nvGrpSpPr>
+        <p:cNvPr id="1" name=""/>
+        <p:cNvGrpSpPr/>
+        <p:nvPr/>
+      </p:nvGrpSpPr>
+      <p:grpSpPr>
+        <a:xfrm>
+          <a:off x="0" y="0"/>
+          <a:ext cx="0" cy="0"/>
+          <a:chOff x="0" y="0"/>
+          <a:chExt cx="0" cy="0"/>
+        </a:xfrm>
+      </p:grpSpPr>
+      <p:sp>
+        <p:nvSpPr>
+          <p:cNvPr id="4" name="AutoShape 2">
+            <a:extLst>
+              <a:ext uri="{FF2B5EF4-FFF2-40B4-BE49-F238E27FC236}">
+                <a16:creationId xmlns:a16="http://schemas.microsoft.com/office/drawing/2014/main" id="{E026F754-DC34-72B6-E4CE-0DD5C416F6FF}"/>
+              </a:ext>
+            </a:extLst>
+          </p:cNvPr>
+          <p:cNvSpPr>
+            <a:spLocks noChangeAspect="1" noChangeArrowheads="1"/>
+          </p:cNvSpPr>
+          <p:nvPr/>
+        </p:nvSpPr>
+        <p:spPr bwMode="auto">
+          <a:xfrm>
+            <a:off x="5943600" y="3276600"/>
+            <a:ext cx="304800" cy="304800"/>
+          </a:xfrm>
+          <a:prstGeom prst="rect">
+            <a:avLst/>
+          </a:prstGeom>
+          <a:noFill/>
+          <a:extLst>
+            <a:ext uri="{909E8E84-426E-40DD-AFC4-6F175D3DCCD1}">
+              <a14:hiddenFill xmlns:a14="http://schemas.microsoft.com/office/drawing/2010/main">
+                <a:solidFill>
+                  <a:srgbClr val="FFFFFF"/>
+                </a:solidFill>
+              </a14:hiddenFill>
+            </a:ext>
+          </a:extLst>
+        </p:spPr>
+        <p:txBody>
+          <a:bodyPr vert="horz" wrap="square" lIns="91440" tIns="45720" rIns="91440" bIns="45720" numCol="1" anchor="t" anchorCtr="0" compatLnSpc="1">
+            <a:prstTxWarp prst="textNoShape">
+              <a:avLst/>
+            </a:prstTxWarp>
+          </a:bodyPr>
+          <a:lstStyle/>
+          <a:p>
+            <a:endParaRPr lang="en-US"/>
+          </a:p>
+        </p:txBody>
+      </p:sp>
+      <p:sp>
+        <p:nvSpPr>
+          <p:cNvPr id="6" name="TextBox 5">
+            <a:extLst>
+              <a:ext uri="{FF2B5EF4-FFF2-40B4-BE49-F238E27FC236}">
+                <a16:creationId xmlns:a16="http://schemas.microsoft.com/office/drawing/2014/main" id="{2AAAC147-D99D-EA69-F605-CC0DA4B28999}"/>
+              </a:ext>
+            </a:extLst>
+          </p:cNvPr>
+          <p:cNvSpPr txBox="1"/>
+          <p:nvPr/>
+        </p:nvSpPr>
+        <p:spPr>
+          <a:xfrm>
+            <a:off x="3050931" y="3244334"/>
+            <a:ext cx="6101860" cy="369332"/>
+          </a:xfrm>
+          <a:prstGeom prst="rect">
+            <a:avLst/>
+          </a:prstGeom>
+          <a:noFill/>
+        </p:spPr>
+        <p:txBody>
+          <a:bodyPr wrap="square">
+            <a:spAutoFit/>
+          </a:bodyPr>
+          <a:lstStyle/>
+          <a:p>
+            <a:endParaRPr lang="en-US" dirty="0"/>
           </a:p>
         </p:txBody>
       </p:sp>
       <p:pic>
         <p:nvPicPr>
-          <p:cNvPr id="2" name="Picture 1">
-            <a:extLst>
-              <a:ext uri="{FF2B5EF4-FFF2-40B4-BE49-F238E27FC236}">
-                <a16:creationId xmlns:a16="http://schemas.microsoft.com/office/drawing/2014/main" id="{A3451112-2AAE-1A28-658F-C820A6BB93D5}"/>
+          <p:cNvPr id="7" name="Picture 6">
+            <a:extLst>
+              <a:ext uri="{FF2B5EF4-FFF2-40B4-BE49-F238E27FC236}">
+                <a16:creationId xmlns:a16="http://schemas.microsoft.com/office/drawing/2014/main" id="{3CEE476F-AE9D-440F-01CF-FE6C5E6DB296}"/>
               </a:ext>
             </a:extLst>
           </p:cNvPr>
@@ -5118,7 +8280,7 @@
           <p:nvPr/>
         </p:nvPicPr>
         <p:blipFill>
-          <a:blip r:embed="rId3"/>
+          <a:blip r:embed="rId2"/>
           <a:stretch>
             <a:fillRect/>
           </a:stretch>
@@ -5126,17 +8288,406 @@
         <p:spPr>
           <a:xfrm>
             <a:off x="182880" y="822960"/>
-            <a:ext cx="6357173" cy="4114800"/>
+            <a:ext cx="7772400" cy="4799148"/>
+          </a:xfrm>
+          <a:prstGeom prst="rect">
+            <a:avLst/>
+          </a:prstGeom>
+          <a:ln>
+            <a:solidFill>
+              <a:schemeClr val="tx1"/>
+            </a:solidFill>
+          </a:ln>
+        </p:spPr>
+      </p:pic>
+      <p:sp>
+        <p:nvSpPr>
+          <p:cNvPr id="8" name="TextBox 7">
+            <a:extLst>
+              <a:ext uri="{FF2B5EF4-FFF2-40B4-BE49-F238E27FC236}">
+                <a16:creationId xmlns:a16="http://schemas.microsoft.com/office/drawing/2014/main" id="{E4380CA4-713F-7926-BDDF-79D822823038}"/>
+              </a:ext>
+            </a:extLst>
+          </p:cNvPr>
+          <p:cNvSpPr txBox="1"/>
+          <p:nvPr/>
+        </p:nvSpPr>
+        <p:spPr>
+          <a:xfrm>
+            <a:off x="1196656" y="0"/>
+            <a:ext cx="9795637" cy="578646"/>
           </a:xfrm>
           <a:prstGeom prst="rect">
             <a:avLst/>
           </a:prstGeom>
         </p:spPr>
-      </p:pic>
+        <p:txBody>
+          <a:bodyPr vert="horz" lIns="91440" tIns="45720" rIns="91440" bIns="45720" rtlCol="0" anchor="b">
+            <a:normAutofit lnSpcReduction="10000"/>
+          </a:bodyPr>
+          <a:lstStyle/>
+          <a:p>
+            <a:pPr algn="ctr">
+              <a:lnSpc>
+                <a:spcPct val="90000"/>
+              </a:lnSpc>
+              <a:spcBef>
+                <a:spcPct val="0"/>
+              </a:spcBef>
+              <a:spcAft>
+                <a:spcPts val="600"/>
+              </a:spcAft>
+            </a:pPr>
+            <a:r>
+              <a:rPr lang="en-US" sz="3600" b="1" dirty="0">
+                <a:latin typeface="+mj-lt"/>
+                <a:ea typeface="+mj-ea"/>
+                <a:cs typeface="+mj-cs"/>
+              </a:rPr>
+              <a:t>Infant &amp; Maternal Mortality by State</a:t>
+            </a:r>
+          </a:p>
+        </p:txBody>
+      </p:sp>
+      <p:sp>
+        <p:nvSpPr>
+          <p:cNvPr id="9" name="TextBox 8">
+            <a:extLst>
+              <a:ext uri="{FF2B5EF4-FFF2-40B4-BE49-F238E27FC236}">
+                <a16:creationId xmlns:a16="http://schemas.microsoft.com/office/drawing/2014/main" id="{E23FE595-550A-254F-5DBE-CD233FC1ACC8}"/>
+              </a:ext>
+            </a:extLst>
+          </p:cNvPr>
+          <p:cNvSpPr txBox="1"/>
+          <p:nvPr/>
+        </p:nvSpPr>
+        <p:spPr>
+          <a:xfrm>
+            <a:off x="2486990" y="500853"/>
+            <a:ext cx="7214968" cy="330300"/>
+          </a:xfrm>
+          <a:prstGeom prst="rect">
+            <a:avLst/>
+          </a:prstGeom>
+        </p:spPr>
+        <p:txBody>
+          <a:bodyPr vert="horz" lIns="91440" tIns="45720" rIns="91440" bIns="45720" rtlCol="0">
+            <a:normAutofit/>
+          </a:bodyPr>
+          <a:lstStyle/>
+          <a:p>
+            <a:pPr algn="ctr">
+              <a:lnSpc>
+                <a:spcPct val="90000"/>
+              </a:lnSpc>
+              <a:spcBef>
+                <a:spcPts val="1000"/>
+              </a:spcBef>
+              <a:spcAft>
+                <a:spcPts val="600"/>
+              </a:spcAft>
+            </a:pPr>
+            <a:r>
+              <a:rPr lang="en-US" sz="1700" dirty="0">
+                <a:solidFill>
+                  <a:schemeClr val="accent1">
+                    <a:lumMod val="75000"/>
+                  </a:schemeClr>
+                </a:solidFill>
+              </a:rPr>
+              <a:t>Kathryn Davis</a:t>
+            </a:r>
+          </a:p>
+        </p:txBody>
+      </p:sp>
+      <p:sp>
+        <p:nvSpPr>
+          <p:cNvPr id="12" name="TextBox 11">
+            <a:extLst>
+              <a:ext uri="{FF2B5EF4-FFF2-40B4-BE49-F238E27FC236}">
+                <a16:creationId xmlns:a16="http://schemas.microsoft.com/office/drawing/2014/main" id="{593D67FB-1B6F-F8C6-4CF3-E69592CAB76A}"/>
+              </a:ext>
+            </a:extLst>
+          </p:cNvPr>
+          <p:cNvSpPr txBox="1"/>
+          <p:nvPr/>
+        </p:nvSpPr>
+        <p:spPr>
+          <a:xfrm>
+            <a:off x="8095957" y="831153"/>
+            <a:ext cx="3510828" cy="3785652"/>
+          </a:xfrm>
+          <a:prstGeom prst="rect">
+            <a:avLst/>
+          </a:prstGeom>
+          <a:noFill/>
+        </p:spPr>
+        <p:txBody>
+          <a:bodyPr wrap="square">
+            <a:spAutoFit/>
+          </a:bodyPr>
+          <a:lstStyle/>
+          <a:p>
+            <a:pPr marL="342900" indent="-342900">
+              <a:buFont typeface="Arial" panose="020B0604020202020204" pitchFamily="34" charset="0"/>
+              <a:buChar char="•"/>
+            </a:pPr>
+            <a:r>
+              <a:rPr lang="en-US" sz="2400" b="0" i="0" dirty="0">
+                <a:effectLst/>
+              </a:rPr>
+              <a:t>Infant Mortality Rates are consistently higher per state than Maternal Mortality Rates.</a:t>
+            </a:r>
+          </a:p>
+          <a:p>
+            <a:pPr marL="342900" indent="-342900">
+              <a:buFont typeface="Arial" panose="020B0604020202020204" pitchFamily="34" charset="0"/>
+              <a:buChar char="•"/>
+            </a:pPr>
+            <a:r>
+              <a:rPr lang="en-US" sz="2400" dirty="0"/>
+              <a:t>The two populations mirror each other showing high states for maternal mortality also being high for infant mortality.</a:t>
+            </a:r>
+          </a:p>
+        </p:txBody>
+      </p:sp>
     </p:spTree>
     <p:extLst>
       <p:ext uri="{BB962C8B-B14F-4D97-AF65-F5344CB8AC3E}">
-        <p14:creationId xmlns:p14="http://schemas.microsoft.com/office/powerpoint/2010/main" val="2744713906"/>
+        <p14:creationId xmlns:p14="http://schemas.microsoft.com/office/powerpoint/2010/main" val="1690760105"/>
+      </p:ext>
+    </p:extLst>
+  </p:cSld>
+  <p:clrMapOvr>
+    <a:masterClrMapping/>
+  </p:clrMapOvr>
+</p:sld>
+</file>
+
+<file path=ppt/slides/slide8.xml><?xml version="1.0" encoding="utf-8"?>
+<p:sld xmlns:a="http://schemas.openxmlformats.org/drawingml/2006/main" xmlns:r="http://schemas.openxmlformats.org/officeDocument/2006/relationships" xmlns:p="http://schemas.openxmlformats.org/presentationml/2006/main">
+  <p:cSld>
+    <p:spTree>
+      <p:nvGrpSpPr>
+        <p:cNvPr id="1" name=""/>
+        <p:cNvGrpSpPr/>
+        <p:nvPr/>
+      </p:nvGrpSpPr>
+      <p:grpSpPr>
+        <a:xfrm>
+          <a:off x="0" y="0"/>
+          <a:ext cx="0" cy="0"/>
+          <a:chOff x="0" y="0"/>
+          <a:chExt cx="0" cy="0"/>
+        </a:xfrm>
+      </p:grpSpPr>
+      <p:pic>
+        <p:nvPicPr>
+          <p:cNvPr id="4" name="Picture 3">
+            <a:extLst>
+              <a:ext uri="{FF2B5EF4-FFF2-40B4-BE49-F238E27FC236}">
+                <a16:creationId xmlns:a16="http://schemas.microsoft.com/office/drawing/2014/main" id="{525EEAA2-3343-C1EF-BAA7-8BAA0A53CB42}"/>
+              </a:ext>
+            </a:extLst>
+          </p:cNvPr>
+          <p:cNvPicPr>
+            <a:picLocks noChangeAspect="1"/>
+          </p:cNvPicPr>
+          <p:nvPr/>
+        </p:nvPicPr>
+        <p:blipFill>
+          <a:blip r:embed="rId2"/>
+          <a:stretch>
+            <a:fillRect/>
+          </a:stretch>
+        </p:blipFill>
+        <p:spPr>
+          <a:xfrm>
+            <a:off x="182880" y="822960"/>
+            <a:ext cx="7772400" cy="4774216"/>
+          </a:xfrm>
+          <a:prstGeom prst="rect">
+            <a:avLst/>
+          </a:prstGeom>
+          <a:ln>
+            <a:solidFill>
+              <a:schemeClr val="tx1"/>
+            </a:solidFill>
+          </a:ln>
+        </p:spPr>
+      </p:pic>
+      <p:sp>
+        <p:nvSpPr>
+          <p:cNvPr id="5" name="TextBox 4">
+            <a:extLst>
+              <a:ext uri="{FF2B5EF4-FFF2-40B4-BE49-F238E27FC236}">
+                <a16:creationId xmlns:a16="http://schemas.microsoft.com/office/drawing/2014/main" id="{2BC0B665-04A6-D581-006A-E0105CF85873}"/>
+              </a:ext>
+            </a:extLst>
+          </p:cNvPr>
+          <p:cNvSpPr txBox="1"/>
+          <p:nvPr/>
+        </p:nvSpPr>
+        <p:spPr>
+          <a:xfrm>
+            <a:off x="1196656" y="0"/>
+            <a:ext cx="9795637" cy="578646"/>
+          </a:xfrm>
+          <a:prstGeom prst="rect">
+            <a:avLst/>
+          </a:prstGeom>
+        </p:spPr>
+        <p:txBody>
+          <a:bodyPr vert="horz" lIns="91440" tIns="45720" rIns="91440" bIns="45720" rtlCol="0" anchor="b">
+            <a:normAutofit lnSpcReduction="10000"/>
+          </a:bodyPr>
+          <a:lstStyle/>
+          <a:p>
+            <a:pPr algn="ctr">
+              <a:lnSpc>
+                <a:spcPct val="90000"/>
+              </a:lnSpc>
+              <a:spcBef>
+                <a:spcPct val="0"/>
+              </a:spcBef>
+              <a:spcAft>
+                <a:spcPts val="600"/>
+              </a:spcAft>
+            </a:pPr>
+            <a:r>
+              <a:rPr lang="en-US" sz="3600" b="1" dirty="0">
+                <a:latin typeface="+mj-lt"/>
+                <a:ea typeface="+mj-ea"/>
+                <a:cs typeface="+mj-cs"/>
+              </a:rPr>
+              <a:t>Infant Mortality vs Maternal Mortality</a:t>
+            </a:r>
+          </a:p>
+        </p:txBody>
+      </p:sp>
+      <p:sp>
+        <p:nvSpPr>
+          <p:cNvPr id="6" name="TextBox 5">
+            <a:extLst>
+              <a:ext uri="{FF2B5EF4-FFF2-40B4-BE49-F238E27FC236}">
+                <a16:creationId xmlns:a16="http://schemas.microsoft.com/office/drawing/2014/main" id="{7EDC3C74-7607-0DBA-C5F6-3C8859CAE418}"/>
+              </a:ext>
+            </a:extLst>
+          </p:cNvPr>
+          <p:cNvSpPr txBox="1"/>
+          <p:nvPr/>
+        </p:nvSpPr>
+        <p:spPr>
+          <a:xfrm>
+            <a:off x="2486990" y="500853"/>
+            <a:ext cx="7214968" cy="330300"/>
+          </a:xfrm>
+          <a:prstGeom prst="rect">
+            <a:avLst/>
+          </a:prstGeom>
+        </p:spPr>
+        <p:txBody>
+          <a:bodyPr vert="horz" lIns="91440" tIns="45720" rIns="91440" bIns="45720" rtlCol="0">
+            <a:normAutofit/>
+          </a:bodyPr>
+          <a:lstStyle/>
+          <a:p>
+            <a:pPr algn="ctr">
+              <a:lnSpc>
+                <a:spcPct val="90000"/>
+              </a:lnSpc>
+              <a:spcBef>
+                <a:spcPts val="1000"/>
+              </a:spcBef>
+              <a:spcAft>
+                <a:spcPts val="600"/>
+              </a:spcAft>
+            </a:pPr>
+            <a:r>
+              <a:rPr lang="en-US" sz="1700" dirty="0">
+                <a:solidFill>
+                  <a:schemeClr val="accent1">
+                    <a:lumMod val="75000"/>
+                  </a:schemeClr>
+                </a:solidFill>
+              </a:rPr>
+              <a:t>Kathryn Davis</a:t>
+            </a:r>
+          </a:p>
+        </p:txBody>
+      </p:sp>
+      <p:sp>
+        <p:nvSpPr>
+          <p:cNvPr id="7" name="TextBox 6">
+            <a:extLst>
+              <a:ext uri="{FF2B5EF4-FFF2-40B4-BE49-F238E27FC236}">
+                <a16:creationId xmlns:a16="http://schemas.microsoft.com/office/drawing/2014/main" id="{EF2F2F81-36E0-A36A-33DC-4A83FC9F3B80}"/>
+              </a:ext>
+            </a:extLst>
+          </p:cNvPr>
+          <p:cNvSpPr txBox="1"/>
+          <p:nvPr/>
+        </p:nvSpPr>
+        <p:spPr>
+          <a:xfrm>
+            <a:off x="8095957" y="831153"/>
+            <a:ext cx="3510828" cy="4154984"/>
+          </a:xfrm>
+          <a:prstGeom prst="rect">
+            <a:avLst/>
+          </a:prstGeom>
+          <a:noFill/>
+        </p:spPr>
+        <p:txBody>
+          <a:bodyPr wrap="square">
+            <a:spAutoFit/>
+          </a:bodyPr>
+          <a:lstStyle/>
+          <a:p>
+            <a:pPr marL="342900" indent="-342900">
+              <a:buFont typeface="Arial" panose="020B0604020202020204" pitchFamily="34" charset="0"/>
+              <a:buChar char="•"/>
+            </a:pPr>
+            <a:r>
+              <a:rPr lang="en-US" sz="2400" dirty="0">
+                <a:latin typeface="Slack-Lato"/>
+              </a:rPr>
+              <a:t>A</a:t>
+            </a:r>
+            <a:r>
+              <a:rPr lang="en-US" sz="2400" b="0" i="0" dirty="0">
+                <a:effectLst/>
+                <a:latin typeface="Slack-Lato"/>
+              </a:rPr>
+              <a:t>s Infant Mortality Rates increase, so do Maternal Mortality Rates. </a:t>
+            </a:r>
+          </a:p>
+          <a:p>
+            <a:pPr marL="342900" indent="-342900">
+              <a:buFont typeface="Arial" panose="020B0604020202020204" pitchFamily="34" charset="0"/>
+              <a:buChar char="•"/>
+            </a:pPr>
+            <a:r>
+              <a:rPr lang="en-US" sz="2400" dirty="0">
+                <a:latin typeface="Slack-Lato"/>
+              </a:rPr>
+              <a:t>I</a:t>
+            </a:r>
+            <a:r>
+              <a:rPr lang="en-US" sz="2400" b="0" i="0" dirty="0">
+                <a:effectLst/>
+                <a:latin typeface="Slack-Lato"/>
+              </a:rPr>
+              <a:t>n the scatterplot you can tell that, as one increases, the other does as well, indicating that there may be a correlation between the two.</a:t>
+            </a:r>
+            <a:endParaRPr lang="en-US" sz="2400" dirty="0"/>
+          </a:p>
+        </p:txBody>
+      </p:sp>
+    </p:spTree>
+    <p:extLst>
+      <p:ext uri="{BB962C8B-B14F-4D97-AF65-F5344CB8AC3E}">
+        <p14:creationId xmlns:p14="http://schemas.microsoft.com/office/powerpoint/2010/main" val="89308655"/>
       </p:ext>
     </p:extLst>
   </p:cSld>

--- a/Project Plan.pptx
+++ b/Project Plan.pptx
@@ -5,7 +5,7 @@
     <p:sldMasterId id="2147483648" r:id="rId1"/>
   </p:sldMasterIdLst>
   <p:notesMasterIdLst>
-    <p:notesMasterId r:id="rId10"/>
+    <p:notesMasterId r:id="rId11"/>
   </p:notesMasterIdLst>
   <p:sldIdLst>
     <p:sldId id="258" r:id="rId2"/>
@@ -16,6 +16,7 @@
     <p:sldId id="265" r:id="rId7"/>
     <p:sldId id="268" r:id="rId8"/>
     <p:sldId id="269" r:id="rId9"/>
+    <p:sldId id="270" r:id="rId10"/>
   </p:sldIdLst>
   <p:sldSz cx="12192000" cy="6858000"/>
   <p:notesSz cx="6858000" cy="9144000"/>
@@ -4243,7 +4244,6 @@
               <a:rPr lang="en-US" sz="2000" b="1" dirty="0"/>
               <a:t>Parris Burton</a:t>
             </a:r>
-            <a:endParaRPr lang="en-US" sz="2000" dirty="0"/>
           </a:p>
           <a:p>
             <a:pPr marL="285750" indent="-285750">
@@ -4255,11 +4255,11 @@
             </a:pPr>
             <a:r>
               <a:rPr lang="en-US" sz="2000" dirty="0"/>
-              <a:t>Is there a correlation between infant and maternal mortality rates? </a:t>
+              <a:t>Does race factor into maternal mortality rates? </a:t>
             </a:r>
             <a:r>
               <a:rPr lang="en-US" sz="2000" b="1" dirty="0"/>
-              <a:t>Kathryn Davis</a:t>
+              <a:t>Mamadou Diallo</a:t>
             </a:r>
             <a:endParaRPr lang="en-US" sz="2000" dirty="0"/>
           </a:p>
@@ -4273,15 +4273,11 @@
             </a:pPr>
             <a:r>
               <a:rPr lang="en-US" sz="2000" dirty="0"/>
-              <a:t>Does race factor into maternal mortality rates? </a:t>
+              <a:t>Is there a correlation between infant and maternal mortality rates? </a:t>
             </a:r>
             <a:r>
               <a:rPr lang="en-US" sz="2000" b="1" dirty="0"/>
-              <a:t>Mamadou </a:t>
-            </a:r>
-            <a:r>
-              <a:rPr lang="en-US" sz="2000" b="1" dirty="0" err="1"/>
-              <a:t>Dialli</a:t>
+              <a:t>Kathryn Davis</a:t>
             </a:r>
             <a:endParaRPr lang="en-US" sz="2000" dirty="0"/>
           </a:p>
@@ -4549,17 +4545,7 @@
             </a:pPr>
             <a:r>
               <a:rPr lang="en-US" sz="2000" dirty="0"/>
-              <a:t>Using state averages for both poverty rate and maternal mortality rate during and after childbirth</a:t>
-            </a:r>
-          </a:p>
-          <a:p>
-            <a:pPr marL="342900" indent="-342900">
-              <a:buFont typeface="Arial" panose="020B0604020202020204" pitchFamily="34" charset="0"/>
-              <a:buChar char="•"/>
-            </a:pPr>
-            <a:r>
-              <a:rPr lang="en-US" sz="2000" dirty="0"/>
-              <a:t>It is clear that there is a direct correlation between the poverty rate in a state and the instances of maternal mortality.</a:t>
+              <a:t>Using state averages for both poverty rate and maternal mortality rate during and after childbirth, it is clear that there is a direct correlation between the poverty rate in a state and the instances of maternal mortality.</a:t>
             </a:r>
           </a:p>
           <a:p>
@@ -5438,7 +5424,7 @@
           <p:nvPr>
             <p:extLst>
               <p:ext uri="{D42A27DB-BD31-4B8C-83A1-F6EECF244321}">
-                <p14:modId xmlns:p14="http://schemas.microsoft.com/office/powerpoint/2010/main" val="3545085303"/>
+                <p14:modId xmlns:p14="http://schemas.microsoft.com/office/powerpoint/2010/main" val="1131443190"/>
               </p:ext>
             </p:extLst>
           </p:nvPr>
@@ -5894,15 +5880,15 @@
                     <a:p>
                       <a:pPr algn="ctr" fontAlgn="b"/>
                       <a:r>
-                        <a:rPr lang="en-US" sz="1600" b="1" u="none" strike="noStrike">
+                        <a:rPr lang="en-US" sz="1600" b="1" u="none" strike="noStrike" dirty="0">
                           <a:solidFill>
                             <a:srgbClr val="000000"/>
                           </a:solidFill>
                           <a:effectLst/>
                         </a:rPr>
-                        <a:t>NJ</a:t>
+                        <a:t>NH</a:t>
                       </a:r>
-                      <a:endParaRPr lang="en-US" sz="1600" b="1" i="0" u="none" strike="noStrike">
+                      <a:endParaRPr lang="en-US" sz="1600" b="1" i="0" u="none" strike="noStrike" dirty="0">
                         <a:solidFill>
                           <a:srgbClr val="000000"/>
                         </a:solidFill>
@@ -8697,6 +8683,139 @@
 </p:sld>
 </file>
 
+<file path=ppt/slides/slide9.xml><?xml version="1.0" encoding="utf-8"?>
+<p:sld xmlns:a="http://schemas.openxmlformats.org/drawingml/2006/main" xmlns:r="http://schemas.openxmlformats.org/officeDocument/2006/relationships" xmlns:p="http://schemas.openxmlformats.org/presentationml/2006/main">
+  <p:cSld>
+    <p:spTree>
+      <p:nvGrpSpPr>
+        <p:cNvPr id="1" name=""/>
+        <p:cNvGrpSpPr/>
+        <p:nvPr/>
+      </p:nvGrpSpPr>
+      <p:grpSpPr>
+        <a:xfrm>
+          <a:off x="0" y="0"/>
+          <a:ext cx="0" cy="0"/>
+          <a:chOff x="0" y="0"/>
+          <a:chExt cx="0" cy="0"/>
+        </a:xfrm>
+      </p:grpSpPr>
+      <p:sp>
+        <p:nvSpPr>
+          <p:cNvPr id="5" name="TextBox 4">
+            <a:extLst>
+              <a:ext uri="{FF2B5EF4-FFF2-40B4-BE49-F238E27FC236}">
+                <a16:creationId xmlns:a16="http://schemas.microsoft.com/office/drawing/2014/main" id="{2BC0B665-04A6-D581-006A-E0105CF85873}"/>
+              </a:ext>
+            </a:extLst>
+          </p:cNvPr>
+          <p:cNvSpPr txBox="1"/>
+          <p:nvPr/>
+        </p:nvSpPr>
+        <p:spPr>
+          <a:xfrm>
+            <a:off x="1196656" y="0"/>
+            <a:ext cx="9795637" cy="578646"/>
+          </a:xfrm>
+          <a:prstGeom prst="rect">
+            <a:avLst/>
+          </a:prstGeom>
+        </p:spPr>
+        <p:txBody>
+          <a:bodyPr vert="horz" lIns="91440" tIns="45720" rIns="91440" bIns="45720" rtlCol="0" anchor="b">
+            <a:normAutofit lnSpcReduction="10000"/>
+          </a:bodyPr>
+          <a:lstStyle/>
+          <a:p>
+            <a:pPr algn="ctr">
+              <a:lnSpc>
+                <a:spcPct val="90000"/>
+              </a:lnSpc>
+              <a:spcBef>
+                <a:spcPct val="0"/>
+              </a:spcBef>
+              <a:spcAft>
+                <a:spcPts val="600"/>
+              </a:spcAft>
+            </a:pPr>
+            <a:r>
+              <a:rPr lang="en-US" sz="3600" b="1" dirty="0">
+                <a:latin typeface="+mj-lt"/>
+                <a:ea typeface="+mj-ea"/>
+                <a:cs typeface="+mj-cs"/>
+              </a:rPr>
+              <a:t>Conclusion</a:t>
+            </a:r>
+          </a:p>
+        </p:txBody>
+      </p:sp>
+      <p:sp>
+        <p:nvSpPr>
+          <p:cNvPr id="7" name="TextBox 6">
+            <a:extLst>
+              <a:ext uri="{FF2B5EF4-FFF2-40B4-BE49-F238E27FC236}">
+                <a16:creationId xmlns:a16="http://schemas.microsoft.com/office/drawing/2014/main" id="{EF2F2F81-36E0-A36A-33DC-4A83FC9F3B80}"/>
+              </a:ext>
+            </a:extLst>
+          </p:cNvPr>
+          <p:cNvSpPr txBox="1"/>
+          <p:nvPr/>
+        </p:nvSpPr>
+        <p:spPr>
+          <a:xfrm>
+            <a:off x="500631" y="1491553"/>
+            <a:ext cx="11187685" cy="3170099"/>
+          </a:xfrm>
+          <a:prstGeom prst="rect">
+            <a:avLst/>
+          </a:prstGeom>
+          <a:noFill/>
+        </p:spPr>
+        <p:txBody>
+          <a:bodyPr wrap="square">
+            <a:spAutoFit/>
+          </a:bodyPr>
+          <a:lstStyle/>
+          <a:p>
+            <a:pPr marL="342900" indent="-342900">
+              <a:buFont typeface="Arial" panose="020B0604020202020204" pitchFamily="34" charset="0"/>
+              <a:buChar char="•"/>
+            </a:pPr>
+            <a:r>
+              <a:rPr lang="en-US" sz="4000" dirty="0">
+                <a:latin typeface="Slack-Lato"/>
+              </a:rPr>
+              <a:t>Infant and Maternal mortality are both impacted by wealth level and region of the country.</a:t>
+            </a:r>
+          </a:p>
+          <a:p>
+            <a:pPr marL="342900" indent="-342900">
+              <a:buFont typeface="Arial" panose="020B0604020202020204" pitchFamily="34" charset="0"/>
+              <a:buChar char="•"/>
+            </a:pPr>
+            <a:r>
+              <a:rPr lang="en-US" sz="4000" dirty="0">
+                <a:latin typeface="Slack-Lato"/>
+              </a:rPr>
+              <a:t>Infant and Maternal mortality also tend to mirror each other with both going higher in poorer states and improving in wealthier states.</a:t>
+            </a:r>
+            <a:endParaRPr lang="en-US" sz="4000" dirty="0"/>
+          </a:p>
+        </p:txBody>
+      </p:sp>
+    </p:spTree>
+    <p:extLst>
+      <p:ext uri="{BB962C8B-B14F-4D97-AF65-F5344CB8AC3E}">
+        <p14:creationId xmlns:p14="http://schemas.microsoft.com/office/powerpoint/2010/main" val="1716586542"/>
+      </p:ext>
+    </p:extLst>
+  </p:cSld>
+  <p:clrMapOvr>
+    <a:masterClrMapping/>
+  </p:clrMapOvr>
+</p:sld>
+</file>
+
 <file path=ppt/theme/theme1.xml><?xml version="1.0" encoding="utf-8"?>
 <a:theme xmlns:a="http://schemas.openxmlformats.org/drawingml/2006/main" name="Office Theme">
   <a:themeElements>
